--- a/정리/게임 UI0506.pptx
+++ b/정리/게임 UI0506.pptx
@@ -7,10 +7,12 @@
   <p:sldIdLst>
     <p:sldId id="256" r:id="rId2"/>
     <p:sldId id="258" r:id="rId3"/>
-    <p:sldId id="257" r:id="rId4"/>
-    <p:sldId id="259" r:id="rId5"/>
-    <p:sldId id="260" r:id="rId6"/>
-    <p:sldId id="261" r:id="rId7"/>
+    <p:sldId id="264" r:id="rId4"/>
+    <p:sldId id="265" r:id="rId5"/>
+    <p:sldId id="257" r:id="rId6"/>
+    <p:sldId id="259" r:id="rId7"/>
+    <p:sldId id="260" r:id="rId8"/>
+    <p:sldId id="261" r:id="rId9"/>
   </p:sldIdLst>
   <p:sldSz cx="12192000" cy="6858000"/>
   <p:notesSz cx="6858000" cy="9144000"/>
@@ -3460,12 +3462,14 @@
         </p:nvSpPr>
         <p:spPr>
           <a:xfrm>
-            <a:off x="1406554" y="783337"/>
-            <a:ext cx="4767743" cy="2421257"/>
-          </a:xfrm>
-        </p:spPr>
-        <p:txBody>
-          <a:bodyPr/>
+            <a:off x="828550" y="1006361"/>
+            <a:ext cx="4767743" cy="3938863"/>
+          </a:xfrm>
+        </p:spPr>
+        <p:txBody>
+          <a:bodyPr>
+            <a:normAutofit/>
+          </a:bodyPr>
           <a:lstStyle/>
           <a:p>
             <a:r>
@@ -3490,6 +3494,16 @@
             </a:r>
           </a:p>
           <a:p>
+            <a:endParaRPr lang="en-US" altLang="ko-KR" dirty="0"/>
+          </a:p>
+          <a:p>
+            <a:r>
+              <a:rPr lang="ko-KR" altLang="en-US" sz="1900" dirty="0"/>
+              <a:t>기본적인 플레이 흐름</a:t>
+            </a:r>
+            <a:endParaRPr lang="en-US" altLang="ko-KR" sz="1900" dirty="0"/>
+          </a:p>
+          <a:p>
             <a:r>
               <a:rPr lang="en-US" altLang="ko-KR" sz="1400" dirty="0"/>
               <a:t>1.</a:t>
@@ -3594,80 +3608,705 @@
           </a:p>
         </p:txBody>
       </p:sp>
-      <p:pic>
-        <p:nvPicPr>
-          <p:cNvPr id="8" name="그림 7">
-            <a:extLst>
-              <a:ext uri="{FF2B5EF4-FFF2-40B4-BE49-F238E27FC236}">
-                <a16:creationId xmlns:a16="http://schemas.microsoft.com/office/drawing/2014/main" id="{F5B035ED-0D91-4DE4-B7C6-E4722CA30DD7}"/>
-              </a:ext>
-            </a:extLst>
-          </p:cNvPr>
-          <p:cNvPicPr>
-            <a:picLocks noChangeAspect="1"/>
-          </p:cNvPicPr>
-          <p:nvPr/>
-        </p:nvPicPr>
-        <p:blipFill>
-          <a:blip r:embed="rId2"/>
-          <a:stretch>
-            <a:fillRect/>
-          </a:stretch>
-        </p:blipFill>
-        <p:spPr>
-          <a:xfrm>
-            <a:off x="7059161" y="500062"/>
-            <a:ext cx="3543300" cy="5857875"/>
-          </a:xfrm>
-          <a:prstGeom prst="rect">
-            <a:avLst/>
-          </a:prstGeom>
-        </p:spPr>
-      </p:pic>
-      <p:sp>
-        <p:nvSpPr>
-          <p:cNvPr id="4" name="직사각형 3"/>
-          <p:cNvSpPr/>
-          <p:nvPr/>
-        </p:nvSpPr>
-        <p:spPr>
-          <a:xfrm>
-            <a:off x="7739331" y="3428999"/>
-            <a:ext cx="412124" cy="386366"/>
-          </a:xfrm>
-          <a:prstGeom prst="rect">
-            <a:avLst/>
-          </a:prstGeom>
-        </p:spPr>
-        <p:style>
-          <a:lnRef idx="2">
-            <a:schemeClr val="accent1">
-              <a:shade val="50000"/>
-            </a:schemeClr>
-          </a:lnRef>
-          <a:fillRef idx="1">
-            <a:schemeClr val="accent1"/>
-          </a:fillRef>
-          <a:effectRef idx="0">
-            <a:schemeClr val="accent1"/>
-          </a:effectRef>
-          <a:fontRef idx="minor">
-            <a:schemeClr val="lt1"/>
-          </a:fontRef>
-        </p:style>
-        <p:txBody>
-          <a:bodyPr rtlCol="0" anchor="ctr"/>
-          <a:lstStyle/>
-          <a:p>
-            <a:pPr algn="ctr"/>
-            <a:r>
-              <a:rPr lang="en-US" altLang="ko-KR" dirty="0" smtClean="0"/>
-              <a:t>M</a:t>
-            </a:r>
-            <a:endParaRPr lang="ko-KR" altLang="en-US" dirty="0"/>
-          </a:p>
-        </p:txBody>
-      </p:sp>
+      <p:grpSp>
+        <p:nvGrpSpPr>
+          <p:cNvPr id="19" name="그룹 18">
+            <a:extLst>
+              <a:ext uri="{FF2B5EF4-FFF2-40B4-BE49-F238E27FC236}">
+                <a16:creationId xmlns:a16="http://schemas.microsoft.com/office/drawing/2014/main" id="{EB7753D8-E264-4CD1-9D7C-051541CD89A8}"/>
+              </a:ext>
+            </a:extLst>
+          </p:cNvPr>
+          <p:cNvGrpSpPr/>
+          <p:nvPr/>
+        </p:nvGrpSpPr>
+        <p:grpSpPr>
+          <a:xfrm>
+            <a:off x="6595709" y="936867"/>
+            <a:ext cx="4890782" cy="4008357"/>
+            <a:chOff x="5964572" y="604007"/>
+            <a:chExt cx="4890782" cy="4008357"/>
+          </a:xfrm>
+        </p:grpSpPr>
+        <p:sp>
+          <p:nvSpPr>
+            <p:cNvPr id="20" name="사각형: 둥근 모서리 19">
+              <a:extLst>
+                <a:ext uri="{FF2B5EF4-FFF2-40B4-BE49-F238E27FC236}">
+                  <a16:creationId xmlns:a16="http://schemas.microsoft.com/office/drawing/2014/main" id="{50E639E4-1F7C-4F0C-901C-296D5C4FE63F}"/>
+                </a:ext>
+              </a:extLst>
+            </p:cNvPr>
+            <p:cNvSpPr/>
+            <p:nvPr/>
+          </p:nvSpPr>
+          <p:spPr>
+            <a:xfrm>
+              <a:off x="5964572" y="604007"/>
+              <a:ext cx="2197916" cy="570452"/>
+            </a:xfrm>
+            <a:prstGeom prst="roundRect">
+              <a:avLst/>
+            </a:prstGeom>
+            <a:noFill/>
+            <a:ln>
+              <a:solidFill>
+                <a:schemeClr val="tx1"/>
+              </a:solidFill>
+            </a:ln>
+          </p:spPr>
+          <p:style>
+            <a:lnRef idx="2">
+              <a:schemeClr val="accent1">
+                <a:shade val="50000"/>
+              </a:schemeClr>
+            </a:lnRef>
+            <a:fillRef idx="1">
+              <a:schemeClr val="accent1"/>
+            </a:fillRef>
+            <a:effectRef idx="0">
+              <a:schemeClr val="accent1"/>
+            </a:effectRef>
+            <a:fontRef idx="minor">
+              <a:schemeClr val="lt1"/>
+            </a:fontRef>
+          </p:style>
+          <p:txBody>
+            <a:bodyPr rtlCol="0" anchor="ctr"/>
+            <a:lstStyle/>
+            <a:p>
+              <a:pPr algn="ctr"/>
+              <a:r>
+                <a:rPr lang="ko-KR" altLang="en-US" dirty="0">
+                  <a:solidFill>
+                    <a:sysClr val="windowText" lastClr="000000"/>
+                  </a:solidFill>
+                </a:rPr>
+                <a:t>원석획득</a:t>
+              </a:r>
+            </a:p>
+          </p:txBody>
+        </p:sp>
+        <p:sp>
+          <p:nvSpPr>
+            <p:cNvPr id="21" name="사각형: 둥근 모서리 20">
+              <a:extLst>
+                <a:ext uri="{FF2B5EF4-FFF2-40B4-BE49-F238E27FC236}">
+                  <a16:creationId xmlns:a16="http://schemas.microsoft.com/office/drawing/2014/main" id="{CA1E793D-FC2B-4238-9178-9FB4B9963B09}"/>
+                </a:ext>
+              </a:extLst>
+            </p:cNvPr>
+            <p:cNvSpPr/>
+            <p:nvPr/>
+          </p:nvSpPr>
+          <p:spPr>
+            <a:xfrm>
+              <a:off x="5964572" y="1749975"/>
+              <a:ext cx="2197916" cy="570452"/>
+            </a:xfrm>
+            <a:prstGeom prst="roundRect">
+              <a:avLst/>
+            </a:prstGeom>
+            <a:noFill/>
+            <a:ln>
+              <a:solidFill>
+                <a:schemeClr val="tx1"/>
+              </a:solidFill>
+            </a:ln>
+          </p:spPr>
+          <p:style>
+            <a:lnRef idx="2">
+              <a:schemeClr val="accent1">
+                <a:shade val="50000"/>
+              </a:schemeClr>
+            </a:lnRef>
+            <a:fillRef idx="1">
+              <a:schemeClr val="accent1"/>
+            </a:fillRef>
+            <a:effectRef idx="0">
+              <a:schemeClr val="accent1"/>
+            </a:effectRef>
+            <a:fontRef idx="minor">
+              <a:schemeClr val="lt1"/>
+            </a:fontRef>
+          </p:style>
+          <p:txBody>
+            <a:bodyPr rtlCol="0" anchor="ctr"/>
+            <a:lstStyle/>
+            <a:p>
+              <a:pPr algn="ctr"/>
+              <a:r>
+                <a:rPr lang="ko-KR" altLang="en-US" dirty="0">
+                  <a:solidFill>
+                    <a:sysClr val="windowText" lastClr="000000"/>
+                  </a:solidFill>
+                </a:rPr>
+                <a:t>원석판매</a:t>
+              </a:r>
+            </a:p>
+          </p:txBody>
+        </p:sp>
+        <p:sp>
+          <p:nvSpPr>
+            <p:cNvPr id="22" name="사각형: 둥근 모서리 21">
+              <a:extLst>
+                <a:ext uri="{FF2B5EF4-FFF2-40B4-BE49-F238E27FC236}">
+                  <a16:creationId xmlns:a16="http://schemas.microsoft.com/office/drawing/2014/main" id="{05C83779-C1E2-44B7-A67F-B2C6DAEB3082}"/>
+                </a:ext>
+              </a:extLst>
+            </p:cNvPr>
+            <p:cNvSpPr/>
+            <p:nvPr/>
+          </p:nvSpPr>
+          <p:spPr>
+            <a:xfrm>
+              <a:off x="5964572" y="2895943"/>
+              <a:ext cx="2197916" cy="570452"/>
+            </a:xfrm>
+            <a:prstGeom prst="roundRect">
+              <a:avLst/>
+            </a:prstGeom>
+            <a:noFill/>
+            <a:ln>
+              <a:solidFill>
+                <a:schemeClr val="tx1"/>
+              </a:solidFill>
+            </a:ln>
+          </p:spPr>
+          <p:style>
+            <a:lnRef idx="2">
+              <a:schemeClr val="accent1">
+                <a:shade val="50000"/>
+              </a:schemeClr>
+            </a:lnRef>
+            <a:fillRef idx="1">
+              <a:schemeClr val="accent1"/>
+            </a:fillRef>
+            <a:effectRef idx="0">
+              <a:schemeClr val="accent1"/>
+            </a:effectRef>
+            <a:fontRef idx="minor">
+              <a:schemeClr val="lt1"/>
+            </a:fontRef>
+          </p:style>
+          <p:txBody>
+            <a:bodyPr rtlCol="0" anchor="ctr"/>
+            <a:lstStyle/>
+            <a:p>
+              <a:pPr algn="ctr"/>
+              <a:r>
+                <a:rPr lang="ko-KR" altLang="en-US" dirty="0">
+                  <a:solidFill>
+                    <a:sysClr val="windowText" lastClr="000000"/>
+                  </a:solidFill>
+                </a:rPr>
+                <a:t>재화 획득</a:t>
+              </a:r>
+            </a:p>
+          </p:txBody>
+        </p:sp>
+        <p:sp>
+          <p:nvSpPr>
+            <p:cNvPr id="23" name="사각형: 둥근 모서리 22">
+              <a:extLst>
+                <a:ext uri="{FF2B5EF4-FFF2-40B4-BE49-F238E27FC236}">
+                  <a16:creationId xmlns:a16="http://schemas.microsoft.com/office/drawing/2014/main" id="{A02B0391-E45C-4961-BC26-278C02728592}"/>
+                </a:ext>
+              </a:extLst>
+            </p:cNvPr>
+            <p:cNvSpPr/>
+            <p:nvPr/>
+          </p:nvSpPr>
+          <p:spPr>
+            <a:xfrm>
+              <a:off x="5964572" y="4041912"/>
+              <a:ext cx="2197916" cy="570452"/>
+            </a:xfrm>
+            <a:prstGeom prst="roundRect">
+              <a:avLst/>
+            </a:prstGeom>
+            <a:noFill/>
+            <a:ln>
+              <a:solidFill>
+                <a:schemeClr val="tx1"/>
+              </a:solidFill>
+            </a:ln>
+          </p:spPr>
+          <p:style>
+            <a:lnRef idx="2">
+              <a:schemeClr val="accent1">
+                <a:shade val="50000"/>
+              </a:schemeClr>
+            </a:lnRef>
+            <a:fillRef idx="1">
+              <a:schemeClr val="accent1"/>
+            </a:fillRef>
+            <a:effectRef idx="0">
+              <a:schemeClr val="accent1"/>
+            </a:effectRef>
+            <a:fontRef idx="minor">
+              <a:schemeClr val="lt1"/>
+            </a:fontRef>
+          </p:style>
+          <p:txBody>
+            <a:bodyPr rtlCol="0" anchor="ctr"/>
+            <a:lstStyle/>
+            <a:p>
+              <a:pPr algn="ctr"/>
+              <a:r>
+                <a:rPr lang="ko-KR" altLang="en-US" dirty="0">
+                  <a:solidFill>
+                    <a:sysClr val="windowText" lastClr="000000"/>
+                  </a:solidFill>
+                </a:rPr>
+                <a:t>땅굴추가</a:t>
+              </a:r>
+            </a:p>
+          </p:txBody>
+        </p:sp>
+        <p:sp>
+          <p:nvSpPr>
+            <p:cNvPr id="24" name="사각형: 둥근 모서리 23">
+              <a:extLst>
+                <a:ext uri="{FF2B5EF4-FFF2-40B4-BE49-F238E27FC236}">
+                  <a16:creationId xmlns:a16="http://schemas.microsoft.com/office/drawing/2014/main" id="{8661B7F3-4649-4594-86F9-F9E55B4ECA0E}"/>
+                </a:ext>
+              </a:extLst>
+            </p:cNvPr>
+            <p:cNvSpPr/>
+            <p:nvPr/>
+          </p:nvSpPr>
+          <p:spPr>
+            <a:xfrm>
+              <a:off x="8657438" y="1749975"/>
+              <a:ext cx="2197916" cy="570452"/>
+            </a:xfrm>
+            <a:prstGeom prst="roundRect">
+              <a:avLst/>
+            </a:prstGeom>
+            <a:noFill/>
+            <a:ln>
+              <a:solidFill>
+                <a:schemeClr val="tx1"/>
+              </a:solidFill>
+            </a:ln>
+          </p:spPr>
+          <p:style>
+            <a:lnRef idx="2">
+              <a:schemeClr val="accent1">
+                <a:shade val="50000"/>
+              </a:schemeClr>
+            </a:lnRef>
+            <a:fillRef idx="1">
+              <a:schemeClr val="accent1"/>
+            </a:fillRef>
+            <a:effectRef idx="0">
+              <a:schemeClr val="accent1"/>
+            </a:effectRef>
+            <a:fontRef idx="minor">
+              <a:schemeClr val="lt1"/>
+            </a:fontRef>
+          </p:style>
+          <p:txBody>
+            <a:bodyPr rtlCol="0" anchor="ctr"/>
+            <a:lstStyle/>
+            <a:p>
+              <a:pPr algn="ctr"/>
+              <a:r>
+                <a:rPr lang="ko-KR" altLang="en-US" dirty="0">
+                  <a:solidFill>
+                    <a:sysClr val="windowText" lastClr="000000"/>
+                  </a:solidFill>
+                </a:rPr>
+                <a:t>원석가공</a:t>
+              </a:r>
+            </a:p>
+          </p:txBody>
+        </p:sp>
+        <p:sp>
+          <p:nvSpPr>
+            <p:cNvPr id="25" name="사각형: 둥근 모서리 24">
+              <a:extLst>
+                <a:ext uri="{FF2B5EF4-FFF2-40B4-BE49-F238E27FC236}">
+                  <a16:creationId xmlns:a16="http://schemas.microsoft.com/office/drawing/2014/main" id="{E18830FC-566E-4D7A-9365-8A9F96D77673}"/>
+                </a:ext>
+              </a:extLst>
+            </p:cNvPr>
+            <p:cNvSpPr/>
+            <p:nvPr/>
+          </p:nvSpPr>
+          <p:spPr>
+            <a:xfrm>
+              <a:off x="8657438" y="2899268"/>
+              <a:ext cx="2197916" cy="570452"/>
+            </a:xfrm>
+            <a:prstGeom prst="roundRect">
+              <a:avLst/>
+            </a:prstGeom>
+            <a:noFill/>
+            <a:ln>
+              <a:solidFill>
+                <a:schemeClr val="tx1"/>
+              </a:solidFill>
+            </a:ln>
+          </p:spPr>
+          <p:style>
+            <a:lnRef idx="2">
+              <a:schemeClr val="accent1">
+                <a:shade val="50000"/>
+              </a:schemeClr>
+            </a:lnRef>
+            <a:fillRef idx="1">
+              <a:schemeClr val="accent1"/>
+            </a:fillRef>
+            <a:effectRef idx="0">
+              <a:schemeClr val="accent1"/>
+            </a:effectRef>
+            <a:fontRef idx="minor">
+              <a:schemeClr val="lt1"/>
+            </a:fontRef>
+          </p:style>
+          <p:txBody>
+            <a:bodyPr rtlCol="0" anchor="ctr"/>
+            <a:lstStyle/>
+            <a:p>
+              <a:pPr algn="ctr"/>
+              <a:r>
+                <a:rPr lang="ko-KR" altLang="en-US" dirty="0">
+                  <a:solidFill>
+                    <a:sysClr val="windowText" lastClr="000000"/>
+                  </a:solidFill>
+                </a:rPr>
+                <a:t>광물판매</a:t>
+              </a:r>
+            </a:p>
+          </p:txBody>
+        </p:sp>
+        <p:cxnSp>
+          <p:nvCxnSpPr>
+            <p:cNvPr id="26" name="직선 화살표 연결선 25">
+              <a:extLst>
+                <a:ext uri="{FF2B5EF4-FFF2-40B4-BE49-F238E27FC236}">
+                  <a16:creationId xmlns:a16="http://schemas.microsoft.com/office/drawing/2014/main" id="{BD6FB879-C504-4F60-95B4-E840C24E66B7}"/>
+                </a:ext>
+              </a:extLst>
+            </p:cNvPr>
+            <p:cNvCxnSpPr>
+              <a:cxnSpLocks/>
+              <a:stCxn id="20" idx="2"/>
+              <a:endCxn id="21" idx="0"/>
+            </p:cNvCxnSpPr>
+            <p:nvPr/>
+          </p:nvCxnSpPr>
+          <p:spPr>
+            <a:xfrm>
+              <a:off x="7063530" y="1174459"/>
+              <a:ext cx="0" cy="575516"/>
+            </a:xfrm>
+            <a:prstGeom prst="straightConnector1">
+              <a:avLst/>
+            </a:prstGeom>
+            <a:ln w="38100" cmpd="sng">
+              <a:solidFill>
+                <a:schemeClr val="tx1"/>
+              </a:solidFill>
+              <a:tailEnd type="triangle"/>
+            </a:ln>
+          </p:spPr>
+          <p:style>
+            <a:lnRef idx="1">
+              <a:schemeClr val="accent1"/>
+            </a:lnRef>
+            <a:fillRef idx="0">
+              <a:schemeClr val="accent1"/>
+            </a:fillRef>
+            <a:effectRef idx="0">
+              <a:schemeClr val="accent1"/>
+            </a:effectRef>
+            <a:fontRef idx="minor">
+              <a:schemeClr val="tx1"/>
+            </a:fontRef>
+          </p:style>
+        </p:cxnSp>
+        <p:cxnSp>
+          <p:nvCxnSpPr>
+            <p:cNvPr id="27" name="직선 화살표 연결선 26">
+              <a:extLst>
+                <a:ext uri="{FF2B5EF4-FFF2-40B4-BE49-F238E27FC236}">
+                  <a16:creationId xmlns:a16="http://schemas.microsoft.com/office/drawing/2014/main" id="{490901FF-9F35-4D37-AE7E-17F2503C8FDD}"/>
+                </a:ext>
+              </a:extLst>
+            </p:cNvPr>
+            <p:cNvCxnSpPr>
+              <a:cxnSpLocks/>
+              <a:stCxn id="21" idx="2"/>
+              <a:endCxn id="22" idx="0"/>
+            </p:cNvCxnSpPr>
+            <p:nvPr/>
+          </p:nvCxnSpPr>
+          <p:spPr>
+            <a:xfrm>
+              <a:off x="7063530" y="2320427"/>
+              <a:ext cx="0" cy="575516"/>
+            </a:xfrm>
+            <a:prstGeom prst="straightConnector1">
+              <a:avLst/>
+            </a:prstGeom>
+            <a:ln w="38100" cmpd="sng">
+              <a:solidFill>
+                <a:schemeClr val="tx1"/>
+              </a:solidFill>
+              <a:tailEnd type="triangle"/>
+            </a:ln>
+          </p:spPr>
+          <p:style>
+            <a:lnRef idx="1">
+              <a:schemeClr val="accent1"/>
+            </a:lnRef>
+            <a:fillRef idx="0">
+              <a:schemeClr val="accent1"/>
+            </a:fillRef>
+            <a:effectRef idx="0">
+              <a:schemeClr val="accent1"/>
+            </a:effectRef>
+            <a:fontRef idx="minor">
+              <a:schemeClr val="tx1"/>
+            </a:fontRef>
+          </p:style>
+        </p:cxnSp>
+        <p:cxnSp>
+          <p:nvCxnSpPr>
+            <p:cNvPr id="28" name="연결선: 꺾임 27">
+              <a:extLst>
+                <a:ext uri="{FF2B5EF4-FFF2-40B4-BE49-F238E27FC236}">
+                  <a16:creationId xmlns:a16="http://schemas.microsoft.com/office/drawing/2014/main" id="{16DAD1C0-73AC-4CD3-8AE5-6EF6611B75A6}"/>
+                </a:ext>
+              </a:extLst>
+            </p:cNvPr>
+            <p:cNvCxnSpPr>
+              <a:cxnSpLocks/>
+              <a:stCxn id="20" idx="2"/>
+              <a:endCxn id="24" idx="0"/>
+            </p:cNvCxnSpPr>
+            <p:nvPr/>
+          </p:nvCxnSpPr>
+          <p:spPr>
+            <a:xfrm rot="16200000" flipH="1">
+              <a:off x="8122205" y="115784"/>
+              <a:ext cx="575516" cy="2692866"/>
+            </a:xfrm>
+            <a:prstGeom prst="bentConnector3">
+              <a:avLst/>
+            </a:prstGeom>
+            <a:ln w="38100">
+              <a:solidFill>
+                <a:schemeClr val="tx1"/>
+              </a:solidFill>
+              <a:tailEnd type="triangle"/>
+            </a:ln>
+          </p:spPr>
+          <p:style>
+            <a:lnRef idx="1">
+              <a:schemeClr val="accent1"/>
+            </a:lnRef>
+            <a:fillRef idx="0">
+              <a:schemeClr val="accent1"/>
+            </a:fillRef>
+            <a:effectRef idx="0">
+              <a:schemeClr val="accent1"/>
+            </a:effectRef>
+            <a:fontRef idx="minor">
+              <a:schemeClr val="tx1"/>
+            </a:fontRef>
+          </p:style>
+        </p:cxnSp>
+        <p:cxnSp>
+          <p:nvCxnSpPr>
+            <p:cNvPr id="29" name="직선 화살표 연결선 28">
+              <a:extLst>
+                <a:ext uri="{FF2B5EF4-FFF2-40B4-BE49-F238E27FC236}">
+                  <a16:creationId xmlns:a16="http://schemas.microsoft.com/office/drawing/2014/main" id="{DEF35A99-7581-47A8-8EF3-BE0604B01BEF}"/>
+                </a:ext>
+              </a:extLst>
+            </p:cNvPr>
+            <p:cNvCxnSpPr>
+              <a:cxnSpLocks/>
+              <a:stCxn id="24" idx="2"/>
+              <a:endCxn id="25" idx="0"/>
+            </p:cNvCxnSpPr>
+            <p:nvPr/>
+          </p:nvCxnSpPr>
+          <p:spPr>
+            <a:xfrm>
+              <a:off x="9756396" y="2320427"/>
+              <a:ext cx="0" cy="578841"/>
+            </a:xfrm>
+            <a:prstGeom prst="straightConnector1">
+              <a:avLst/>
+            </a:prstGeom>
+            <a:ln w="38100" cmpd="sng">
+              <a:solidFill>
+                <a:schemeClr val="tx1"/>
+              </a:solidFill>
+              <a:tailEnd type="triangle"/>
+            </a:ln>
+          </p:spPr>
+          <p:style>
+            <a:lnRef idx="1">
+              <a:schemeClr val="accent1"/>
+            </a:lnRef>
+            <a:fillRef idx="0">
+              <a:schemeClr val="accent1"/>
+            </a:fillRef>
+            <a:effectRef idx="0">
+              <a:schemeClr val="accent1"/>
+            </a:effectRef>
+            <a:fontRef idx="minor">
+              <a:schemeClr val="tx1"/>
+            </a:fontRef>
+          </p:style>
+        </p:cxnSp>
+        <p:cxnSp>
+          <p:nvCxnSpPr>
+            <p:cNvPr id="30" name="직선 화살표 연결선 29">
+              <a:extLst>
+                <a:ext uri="{FF2B5EF4-FFF2-40B4-BE49-F238E27FC236}">
+                  <a16:creationId xmlns:a16="http://schemas.microsoft.com/office/drawing/2014/main" id="{6F95A87D-6655-4CAD-AFDC-485F8619DCC1}"/>
+                </a:ext>
+              </a:extLst>
+            </p:cNvPr>
+            <p:cNvCxnSpPr>
+              <a:cxnSpLocks/>
+              <a:stCxn id="25" idx="1"/>
+              <a:endCxn id="22" idx="3"/>
+            </p:cNvCxnSpPr>
+            <p:nvPr/>
+          </p:nvCxnSpPr>
+          <p:spPr>
+            <a:xfrm flipH="1" flipV="1">
+              <a:off x="8162488" y="3181169"/>
+              <a:ext cx="494950" cy="3325"/>
+            </a:xfrm>
+            <a:prstGeom prst="straightConnector1">
+              <a:avLst/>
+            </a:prstGeom>
+            <a:ln w="38100" cmpd="sng">
+              <a:solidFill>
+                <a:schemeClr val="tx1"/>
+              </a:solidFill>
+              <a:tailEnd type="triangle"/>
+            </a:ln>
+          </p:spPr>
+          <p:style>
+            <a:lnRef idx="1">
+              <a:schemeClr val="accent1"/>
+            </a:lnRef>
+            <a:fillRef idx="0">
+              <a:schemeClr val="accent1"/>
+            </a:fillRef>
+            <a:effectRef idx="0">
+              <a:schemeClr val="accent1"/>
+            </a:effectRef>
+            <a:fontRef idx="minor">
+              <a:schemeClr val="tx1"/>
+            </a:fontRef>
+          </p:style>
+        </p:cxnSp>
+        <p:cxnSp>
+          <p:nvCxnSpPr>
+            <p:cNvPr id="31" name="직선 화살표 연결선 30">
+              <a:extLst>
+                <a:ext uri="{FF2B5EF4-FFF2-40B4-BE49-F238E27FC236}">
+                  <a16:creationId xmlns:a16="http://schemas.microsoft.com/office/drawing/2014/main" id="{6B3EBA4D-7DAF-487E-A5BF-EFA3E044C042}"/>
+                </a:ext>
+              </a:extLst>
+            </p:cNvPr>
+            <p:cNvCxnSpPr>
+              <a:cxnSpLocks/>
+              <a:stCxn id="22" idx="2"/>
+              <a:endCxn id="23" idx="0"/>
+            </p:cNvCxnSpPr>
+            <p:nvPr/>
+          </p:nvCxnSpPr>
+          <p:spPr>
+            <a:xfrm>
+              <a:off x="7063530" y="3466395"/>
+              <a:ext cx="0" cy="575517"/>
+            </a:xfrm>
+            <a:prstGeom prst="straightConnector1">
+              <a:avLst/>
+            </a:prstGeom>
+            <a:ln w="38100" cmpd="sng">
+              <a:solidFill>
+                <a:schemeClr val="tx1"/>
+              </a:solidFill>
+              <a:tailEnd type="triangle"/>
+            </a:ln>
+          </p:spPr>
+          <p:style>
+            <a:lnRef idx="1">
+              <a:schemeClr val="accent1"/>
+            </a:lnRef>
+            <a:fillRef idx="0">
+              <a:schemeClr val="accent1"/>
+            </a:fillRef>
+            <a:effectRef idx="0">
+              <a:schemeClr val="accent1"/>
+            </a:effectRef>
+            <a:fontRef idx="minor">
+              <a:schemeClr val="tx1"/>
+            </a:fontRef>
+          </p:style>
+        </p:cxnSp>
+        <p:cxnSp>
+          <p:nvCxnSpPr>
+            <p:cNvPr id="32" name="연결선: 꺾임 31">
+              <a:extLst>
+                <a:ext uri="{FF2B5EF4-FFF2-40B4-BE49-F238E27FC236}">
+                  <a16:creationId xmlns:a16="http://schemas.microsoft.com/office/drawing/2014/main" id="{31618D4E-0B4E-4CC0-AC89-DCC0584551BE}"/>
+                </a:ext>
+              </a:extLst>
+            </p:cNvPr>
+            <p:cNvCxnSpPr>
+              <a:cxnSpLocks/>
+              <a:stCxn id="23" idx="1"/>
+              <a:endCxn id="20" idx="1"/>
+            </p:cNvCxnSpPr>
+            <p:nvPr/>
+          </p:nvCxnSpPr>
+          <p:spPr>
+            <a:xfrm rot="10800000">
+              <a:off x="5964572" y="889234"/>
+              <a:ext cx="12700" cy="3437905"/>
+            </a:xfrm>
+            <a:prstGeom prst="bentConnector3">
+              <a:avLst>
+                <a:gd name="adj1" fmla="val 1800000"/>
+              </a:avLst>
+            </a:prstGeom>
+            <a:ln w="38100">
+              <a:solidFill>
+                <a:schemeClr val="tx1"/>
+              </a:solidFill>
+              <a:tailEnd type="triangle"/>
+            </a:ln>
+          </p:spPr>
+          <p:style>
+            <a:lnRef idx="1">
+              <a:schemeClr val="accent1"/>
+            </a:lnRef>
+            <a:fillRef idx="0">
+              <a:schemeClr val="accent1"/>
+            </a:fillRef>
+            <a:effectRef idx="0">
+              <a:schemeClr val="accent1"/>
+            </a:effectRef>
+            <a:fontRef idx="minor">
+              <a:schemeClr val="tx1"/>
+            </a:fontRef>
+          </p:style>
+        </p:cxnSp>
+      </p:grpSp>
     </p:spTree>
     <p:extLst>
       <p:ext uri="{BB962C8B-B14F-4D97-AF65-F5344CB8AC3E}">
@@ -3698,9 +4337,3891 @@
           <a:chExt cx="0" cy="0"/>
         </a:xfrm>
       </p:grpSpPr>
+      <p:sp>
+        <p:nvSpPr>
+          <p:cNvPr id="40" name="부제목 2">
+            <a:extLst>
+              <a:ext uri="{FF2B5EF4-FFF2-40B4-BE49-F238E27FC236}">
+                <a16:creationId xmlns:a16="http://schemas.microsoft.com/office/drawing/2014/main" id="{4709A945-B1F2-423F-86A4-E6F80B20D537}"/>
+              </a:ext>
+            </a:extLst>
+          </p:cNvPr>
+          <p:cNvSpPr>
+            <a:spLocks noGrp="1"/>
+          </p:cNvSpPr>
+          <p:nvPr>
+            <p:ph type="subTitle" idx="1"/>
+          </p:nvPr>
+        </p:nvSpPr>
+        <p:spPr>
+          <a:xfrm>
+            <a:off x="3275016" y="353552"/>
+            <a:ext cx="2920510" cy="469303"/>
+          </a:xfrm>
+        </p:spPr>
+        <p:txBody>
+          <a:bodyPr>
+            <a:normAutofit fontScale="77500" lnSpcReduction="20000"/>
+          </a:bodyPr>
+          <a:lstStyle/>
+          <a:p>
+            <a:r>
+              <a:rPr lang="ko-KR" altLang="en-US" dirty="0"/>
+              <a:t>알바</a:t>
+            </a:r>
+            <a:r>
+              <a:rPr lang="en-US" altLang="ko-KR" dirty="0"/>
+              <a:t>,</a:t>
+            </a:r>
+            <a:r>
+              <a:rPr lang="ko-KR" altLang="en-US" dirty="0"/>
+              <a:t>광산 구매 기능 흐름</a:t>
+            </a:r>
+          </a:p>
+        </p:txBody>
+      </p:sp>
+      <p:sp>
+        <p:nvSpPr>
+          <p:cNvPr id="41" name="사각형: 둥근 모서리 40">
+            <a:extLst>
+              <a:ext uri="{FF2B5EF4-FFF2-40B4-BE49-F238E27FC236}">
+                <a16:creationId xmlns:a16="http://schemas.microsoft.com/office/drawing/2014/main" id="{70F99F17-3E3E-43ED-B731-F1F0439409C3}"/>
+              </a:ext>
+            </a:extLst>
+          </p:cNvPr>
+          <p:cNvSpPr/>
+          <p:nvPr/>
+        </p:nvSpPr>
+        <p:spPr>
+          <a:xfrm>
+            <a:off x="412534" y="298722"/>
+            <a:ext cx="2584601" cy="570452"/>
+          </a:xfrm>
+          <a:prstGeom prst="roundRect">
+            <a:avLst/>
+          </a:prstGeom>
+          <a:noFill/>
+          <a:ln>
+            <a:solidFill>
+              <a:schemeClr val="tx1"/>
+            </a:solidFill>
+          </a:ln>
+        </p:spPr>
+        <p:style>
+          <a:lnRef idx="2">
+            <a:schemeClr val="accent1">
+              <a:shade val="50000"/>
+            </a:schemeClr>
+          </a:lnRef>
+          <a:fillRef idx="1">
+            <a:schemeClr val="accent1"/>
+          </a:fillRef>
+          <a:effectRef idx="0">
+            <a:schemeClr val="accent1"/>
+          </a:effectRef>
+          <a:fontRef idx="minor">
+            <a:schemeClr val="lt1"/>
+          </a:fontRef>
+        </p:style>
+        <p:txBody>
+          <a:bodyPr rtlCol="0" anchor="ctr"/>
+          <a:lstStyle/>
+          <a:p>
+            <a:pPr algn="ctr"/>
+            <a:r>
+              <a:rPr lang="ko-KR" altLang="en-US" dirty="0">
+                <a:solidFill>
+                  <a:sysClr val="windowText" lastClr="000000"/>
+                </a:solidFill>
+              </a:rPr>
+              <a:t>구매 버튼 클릭</a:t>
+            </a:r>
+          </a:p>
+        </p:txBody>
+      </p:sp>
+      <p:sp>
+        <p:nvSpPr>
+          <p:cNvPr id="42" name="사각형: 둥근 모서리 41">
+            <a:extLst>
+              <a:ext uri="{FF2B5EF4-FFF2-40B4-BE49-F238E27FC236}">
+                <a16:creationId xmlns:a16="http://schemas.microsoft.com/office/drawing/2014/main" id="{303B3E3E-F67A-4DBA-91E0-BCD920FAB0EA}"/>
+              </a:ext>
+            </a:extLst>
+          </p:cNvPr>
+          <p:cNvSpPr/>
+          <p:nvPr/>
+        </p:nvSpPr>
+        <p:spPr>
+          <a:xfrm>
+            <a:off x="651783" y="3509180"/>
+            <a:ext cx="2197916" cy="576131"/>
+          </a:xfrm>
+          <a:prstGeom prst="roundRect">
+            <a:avLst/>
+          </a:prstGeom>
+          <a:noFill/>
+          <a:ln>
+            <a:solidFill>
+              <a:schemeClr val="tx1"/>
+            </a:solidFill>
+          </a:ln>
+        </p:spPr>
+        <p:style>
+          <a:lnRef idx="2">
+            <a:schemeClr val="accent1">
+              <a:shade val="50000"/>
+            </a:schemeClr>
+          </a:lnRef>
+          <a:fillRef idx="1">
+            <a:schemeClr val="accent1"/>
+          </a:fillRef>
+          <a:effectRef idx="0">
+            <a:schemeClr val="accent1"/>
+          </a:effectRef>
+          <a:fontRef idx="minor">
+            <a:schemeClr val="lt1"/>
+          </a:fontRef>
+        </p:style>
+        <p:txBody>
+          <a:bodyPr rtlCol="0" anchor="ctr"/>
+          <a:lstStyle/>
+          <a:p>
+            <a:pPr algn="ctr"/>
+            <a:r>
+              <a:rPr lang="ko-KR" altLang="en-US" sz="1200" dirty="0">
+                <a:solidFill>
+                  <a:sysClr val="windowText" lastClr="000000"/>
+                </a:solidFill>
+              </a:rPr>
+              <a:t>구매여부 표시 갱신</a:t>
+            </a:r>
+          </a:p>
+        </p:txBody>
+      </p:sp>
+      <p:sp>
+        <p:nvSpPr>
+          <p:cNvPr id="43" name="사각형: 둥근 모서리 42">
+            <a:extLst>
+              <a:ext uri="{FF2B5EF4-FFF2-40B4-BE49-F238E27FC236}">
+                <a16:creationId xmlns:a16="http://schemas.microsoft.com/office/drawing/2014/main" id="{58789E3A-3F37-49CD-9E67-0A8A9D16CBB8}"/>
+              </a:ext>
+            </a:extLst>
+          </p:cNvPr>
+          <p:cNvSpPr/>
+          <p:nvPr/>
+        </p:nvSpPr>
+        <p:spPr>
+          <a:xfrm>
+            <a:off x="3275016" y="1266988"/>
+            <a:ext cx="2584601" cy="570452"/>
+          </a:xfrm>
+          <a:prstGeom prst="roundRect">
+            <a:avLst/>
+          </a:prstGeom>
+          <a:noFill/>
+          <a:ln>
+            <a:solidFill>
+              <a:schemeClr val="tx1"/>
+            </a:solidFill>
+          </a:ln>
+        </p:spPr>
+        <p:style>
+          <a:lnRef idx="2">
+            <a:schemeClr val="accent1">
+              <a:shade val="50000"/>
+            </a:schemeClr>
+          </a:lnRef>
+          <a:fillRef idx="1">
+            <a:schemeClr val="accent1"/>
+          </a:fillRef>
+          <a:effectRef idx="0">
+            <a:schemeClr val="accent1"/>
+          </a:effectRef>
+          <a:fontRef idx="minor">
+            <a:schemeClr val="lt1"/>
+          </a:fontRef>
+        </p:style>
+        <p:txBody>
+          <a:bodyPr rtlCol="0" anchor="ctr"/>
+          <a:lstStyle/>
+          <a:p>
+            <a:pPr algn="ctr"/>
+            <a:r>
+              <a:rPr lang="en-US" altLang="ko-KR" dirty="0">
+                <a:solidFill>
+                  <a:sysClr val="windowText" lastClr="000000"/>
+                </a:solidFill>
+              </a:rPr>
+              <a:t>“</a:t>
+            </a:r>
+            <a:r>
+              <a:rPr lang="ko-KR" altLang="en-US" dirty="0">
+                <a:solidFill>
+                  <a:sysClr val="windowText" lastClr="000000"/>
+                </a:solidFill>
+              </a:rPr>
+              <a:t>소지금이 부족합니다</a:t>
+            </a:r>
+            <a:r>
+              <a:rPr lang="en-US" altLang="ko-KR" dirty="0">
+                <a:solidFill>
+                  <a:sysClr val="windowText" lastClr="000000"/>
+                </a:solidFill>
+              </a:rPr>
+              <a:t>.”</a:t>
+            </a:r>
+            <a:endParaRPr lang="ko-KR" altLang="en-US" dirty="0">
+              <a:solidFill>
+                <a:sysClr val="windowText" lastClr="000000"/>
+              </a:solidFill>
+            </a:endParaRPr>
+          </a:p>
+        </p:txBody>
+      </p:sp>
+      <p:cxnSp>
+        <p:nvCxnSpPr>
+          <p:cNvPr id="44" name="직선 화살표 연결선 43">
+            <a:extLst>
+              <a:ext uri="{FF2B5EF4-FFF2-40B4-BE49-F238E27FC236}">
+                <a16:creationId xmlns:a16="http://schemas.microsoft.com/office/drawing/2014/main" id="{736F6616-EEBC-4F2A-AE4B-9B0E99F59F2C}"/>
+              </a:ext>
+            </a:extLst>
+          </p:cNvPr>
+          <p:cNvCxnSpPr>
+            <a:cxnSpLocks/>
+            <a:stCxn id="41" idx="2"/>
+            <a:endCxn id="53" idx="0"/>
+          </p:cNvCxnSpPr>
+          <p:nvPr/>
+        </p:nvCxnSpPr>
+        <p:spPr>
+          <a:xfrm flipH="1">
+            <a:off x="1704834" y="869174"/>
+            <a:ext cx="1" cy="269249"/>
+          </a:xfrm>
+          <a:prstGeom prst="straightConnector1">
+            <a:avLst/>
+          </a:prstGeom>
+          <a:ln w="38100" cmpd="sng">
+            <a:solidFill>
+              <a:schemeClr val="tx1"/>
+            </a:solidFill>
+            <a:tailEnd type="triangle"/>
+          </a:ln>
+        </p:spPr>
+        <p:style>
+          <a:lnRef idx="1">
+            <a:schemeClr val="accent1"/>
+          </a:lnRef>
+          <a:fillRef idx="0">
+            <a:schemeClr val="accent1"/>
+          </a:fillRef>
+          <a:effectRef idx="0">
+            <a:schemeClr val="accent1"/>
+          </a:effectRef>
+          <a:fontRef idx="minor">
+            <a:schemeClr val="tx1"/>
+          </a:fontRef>
+        </p:style>
+      </p:cxnSp>
+      <p:cxnSp>
+        <p:nvCxnSpPr>
+          <p:cNvPr id="45" name="연결선: 꺾임 44">
+            <a:extLst>
+              <a:ext uri="{FF2B5EF4-FFF2-40B4-BE49-F238E27FC236}">
+                <a16:creationId xmlns:a16="http://schemas.microsoft.com/office/drawing/2014/main" id="{6B305754-938D-4EAC-8504-E0B20B487F74}"/>
+              </a:ext>
+            </a:extLst>
+          </p:cNvPr>
+          <p:cNvCxnSpPr>
+            <a:cxnSpLocks/>
+            <a:stCxn id="47" idx="2"/>
+            <a:endCxn id="59" idx="0"/>
+          </p:cNvCxnSpPr>
+          <p:nvPr/>
+        </p:nvCxnSpPr>
+        <p:spPr>
+          <a:xfrm rot="16200000" flipH="1">
+            <a:off x="2277842" y="2138187"/>
+            <a:ext cx="285226" cy="1431241"/>
+          </a:xfrm>
+          <a:prstGeom prst="bentConnector3">
+            <a:avLst>
+              <a:gd name="adj1" fmla="val 50000"/>
+            </a:avLst>
+          </a:prstGeom>
+          <a:ln w="38100">
+            <a:solidFill>
+              <a:schemeClr val="tx1"/>
+            </a:solidFill>
+            <a:tailEnd type="triangle"/>
+          </a:ln>
+        </p:spPr>
+        <p:style>
+          <a:lnRef idx="1">
+            <a:schemeClr val="accent1"/>
+          </a:lnRef>
+          <a:fillRef idx="0">
+            <a:schemeClr val="accent1"/>
+          </a:fillRef>
+          <a:effectRef idx="0">
+            <a:schemeClr val="accent1"/>
+          </a:effectRef>
+          <a:fontRef idx="minor">
+            <a:schemeClr val="tx1"/>
+          </a:fontRef>
+        </p:style>
+      </p:cxnSp>
+      <p:sp>
+        <p:nvSpPr>
+          <p:cNvPr id="46" name="사각형: 둥근 모서리 45">
+            <a:extLst>
+              <a:ext uri="{FF2B5EF4-FFF2-40B4-BE49-F238E27FC236}">
+                <a16:creationId xmlns:a16="http://schemas.microsoft.com/office/drawing/2014/main" id="{F066ACA2-E859-4B18-A3DF-34E15013A3B9}"/>
+              </a:ext>
+            </a:extLst>
+          </p:cNvPr>
+          <p:cNvSpPr/>
+          <p:nvPr/>
+        </p:nvSpPr>
+        <p:spPr>
+          <a:xfrm>
+            <a:off x="3275016" y="2140743"/>
+            <a:ext cx="2584601" cy="570452"/>
+          </a:xfrm>
+          <a:prstGeom prst="roundRect">
+            <a:avLst/>
+          </a:prstGeom>
+          <a:noFill/>
+          <a:ln>
+            <a:solidFill>
+              <a:schemeClr val="tx1"/>
+            </a:solidFill>
+          </a:ln>
+        </p:spPr>
+        <p:style>
+          <a:lnRef idx="2">
+            <a:schemeClr val="accent1">
+              <a:shade val="50000"/>
+            </a:schemeClr>
+          </a:lnRef>
+          <a:fillRef idx="1">
+            <a:schemeClr val="accent1"/>
+          </a:fillRef>
+          <a:effectRef idx="0">
+            <a:schemeClr val="accent1"/>
+          </a:effectRef>
+          <a:fontRef idx="minor">
+            <a:schemeClr val="lt1"/>
+          </a:fontRef>
+        </p:style>
+        <p:txBody>
+          <a:bodyPr rtlCol="0" anchor="ctr"/>
+          <a:lstStyle/>
+          <a:p>
+            <a:pPr algn="ctr"/>
+            <a:r>
+              <a:rPr lang="ko-KR" altLang="en-US" dirty="0">
+                <a:solidFill>
+                  <a:sysClr val="windowText" lastClr="000000"/>
+                </a:solidFill>
+              </a:rPr>
+              <a:t>과정 종료</a:t>
+            </a:r>
+          </a:p>
+        </p:txBody>
+      </p:sp>
+      <p:sp>
+        <p:nvSpPr>
+          <p:cNvPr id="47" name="사각형: 둥근 모서리 46">
+            <a:extLst>
+              <a:ext uri="{FF2B5EF4-FFF2-40B4-BE49-F238E27FC236}">
+                <a16:creationId xmlns:a16="http://schemas.microsoft.com/office/drawing/2014/main" id="{BB3E407C-8DA3-4311-9189-F382023A703E}"/>
+              </a:ext>
+            </a:extLst>
+          </p:cNvPr>
+          <p:cNvSpPr/>
+          <p:nvPr/>
+        </p:nvSpPr>
+        <p:spPr>
+          <a:xfrm>
+            <a:off x="412534" y="2140743"/>
+            <a:ext cx="2584601" cy="570452"/>
+          </a:xfrm>
+          <a:prstGeom prst="roundRect">
+            <a:avLst/>
+          </a:prstGeom>
+          <a:noFill/>
+          <a:ln>
+            <a:solidFill>
+              <a:schemeClr val="tx1"/>
+            </a:solidFill>
+          </a:ln>
+        </p:spPr>
+        <p:style>
+          <a:lnRef idx="2">
+            <a:schemeClr val="accent1">
+              <a:shade val="50000"/>
+            </a:schemeClr>
+          </a:lnRef>
+          <a:fillRef idx="1">
+            <a:schemeClr val="accent1"/>
+          </a:fillRef>
+          <a:effectRef idx="0">
+            <a:schemeClr val="accent1"/>
+          </a:effectRef>
+          <a:fontRef idx="minor">
+            <a:schemeClr val="lt1"/>
+          </a:fontRef>
+        </p:style>
+        <p:txBody>
+          <a:bodyPr rtlCol="0" anchor="ctr"/>
+          <a:lstStyle/>
+          <a:p>
+            <a:pPr algn="ctr"/>
+            <a:r>
+              <a:rPr lang="ko-KR" altLang="en-US" dirty="0">
+                <a:solidFill>
+                  <a:sysClr val="windowText" lastClr="000000"/>
+                </a:solidFill>
+              </a:rPr>
+              <a:t>구매 내부 기능 동작</a:t>
+            </a:r>
+          </a:p>
+        </p:txBody>
+      </p:sp>
+      <p:sp>
+        <p:nvSpPr>
+          <p:cNvPr id="48" name="순서도: 판단 47">
+            <a:extLst>
+              <a:ext uri="{FF2B5EF4-FFF2-40B4-BE49-F238E27FC236}">
+                <a16:creationId xmlns:a16="http://schemas.microsoft.com/office/drawing/2014/main" id="{49443091-4FA1-4CB1-A8D6-2F6AD8B095B2}"/>
+              </a:ext>
+            </a:extLst>
+          </p:cNvPr>
+          <p:cNvSpPr/>
+          <p:nvPr/>
+        </p:nvSpPr>
+        <p:spPr>
+          <a:xfrm>
+            <a:off x="704961" y="4296440"/>
+            <a:ext cx="2091560" cy="687072"/>
+          </a:xfrm>
+          <a:prstGeom prst="flowChartDecision">
+            <a:avLst/>
+          </a:prstGeom>
+          <a:noFill/>
+          <a:ln>
+            <a:solidFill>
+              <a:schemeClr val="tx1"/>
+            </a:solidFill>
+          </a:ln>
+        </p:spPr>
+        <p:style>
+          <a:lnRef idx="2">
+            <a:schemeClr val="accent1">
+              <a:shade val="50000"/>
+            </a:schemeClr>
+          </a:lnRef>
+          <a:fillRef idx="1">
+            <a:schemeClr val="accent1"/>
+          </a:fillRef>
+          <a:effectRef idx="0">
+            <a:schemeClr val="accent1"/>
+          </a:effectRef>
+          <a:fontRef idx="minor">
+            <a:schemeClr val="lt1"/>
+          </a:fontRef>
+        </p:style>
+        <p:txBody>
+          <a:bodyPr rtlCol="0" anchor="ctr"/>
+          <a:lstStyle/>
+          <a:p>
+            <a:pPr algn="ctr"/>
+            <a:endParaRPr lang="ko-KR" altLang="en-US" sz="1400" dirty="0">
+              <a:solidFill>
+                <a:sysClr val="windowText" lastClr="000000"/>
+              </a:solidFill>
+            </a:endParaRPr>
+          </a:p>
+        </p:txBody>
+      </p:sp>
+      <p:sp>
+        <p:nvSpPr>
+          <p:cNvPr id="49" name="TextBox 48">
+            <a:extLst>
+              <a:ext uri="{FF2B5EF4-FFF2-40B4-BE49-F238E27FC236}">
+                <a16:creationId xmlns:a16="http://schemas.microsoft.com/office/drawing/2014/main" id="{1DE9F2F3-7F28-4E12-903C-FE531EC287CC}"/>
+              </a:ext>
+            </a:extLst>
+          </p:cNvPr>
+          <p:cNvSpPr txBox="1"/>
+          <p:nvPr/>
+        </p:nvSpPr>
+        <p:spPr>
+          <a:xfrm>
+            <a:off x="1358545" y="4512215"/>
+            <a:ext cx="784391" cy="307777"/>
+          </a:xfrm>
+          <a:prstGeom prst="rect">
+            <a:avLst/>
+          </a:prstGeom>
+          <a:noFill/>
+        </p:spPr>
+        <p:txBody>
+          <a:bodyPr wrap="square" rtlCol="0">
+            <a:spAutoFit/>
+          </a:bodyPr>
+          <a:lstStyle/>
+          <a:p>
+            <a:r>
+              <a:rPr lang="en-US" altLang="ko-KR" sz="1400" dirty="0"/>
+              <a:t> </a:t>
+            </a:r>
+            <a:r>
+              <a:rPr lang="ko-KR" altLang="en-US" sz="1400" dirty="0" err="1"/>
+              <a:t>소유중</a:t>
+            </a:r>
+            <a:r>
+              <a:rPr lang="en-US" altLang="ko-KR" sz="1400" dirty="0"/>
+              <a:t>?</a:t>
+            </a:r>
+            <a:endParaRPr lang="ko-KR" altLang="en-US" sz="1400" dirty="0"/>
+          </a:p>
+        </p:txBody>
+      </p:sp>
+      <p:sp>
+        <p:nvSpPr>
+          <p:cNvPr id="50" name="사각형: 둥근 모서리 49">
+            <a:extLst>
+              <a:ext uri="{FF2B5EF4-FFF2-40B4-BE49-F238E27FC236}">
+                <a16:creationId xmlns:a16="http://schemas.microsoft.com/office/drawing/2014/main" id="{210F70B4-B7E4-4BE2-A087-002F4F49D6FE}"/>
+              </a:ext>
+            </a:extLst>
+          </p:cNvPr>
+          <p:cNvSpPr/>
+          <p:nvPr/>
+        </p:nvSpPr>
+        <p:spPr>
+          <a:xfrm>
+            <a:off x="3313725" y="4408918"/>
+            <a:ext cx="1474724" cy="462113"/>
+          </a:xfrm>
+          <a:prstGeom prst="roundRect">
+            <a:avLst/>
+          </a:prstGeom>
+          <a:noFill/>
+          <a:ln>
+            <a:solidFill>
+              <a:schemeClr val="tx1"/>
+            </a:solidFill>
+          </a:ln>
+        </p:spPr>
+        <p:style>
+          <a:lnRef idx="2">
+            <a:schemeClr val="accent1">
+              <a:shade val="50000"/>
+            </a:schemeClr>
+          </a:lnRef>
+          <a:fillRef idx="1">
+            <a:schemeClr val="accent1"/>
+          </a:fillRef>
+          <a:effectRef idx="0">
+            <a:schemeClr val="accent1"/>
+          </a:effectRef>
+          <a:fontRef idx="minor">
+            <a:schemeClr val="lt1"/>
+          </a:fontRef>
+        </p:style>
+        <p:txBody>
+          <a:bodyPr rtlCol="0" anchor="ctr"/>
+          <a:lstStyle/>
+          <a:p>
+            <a:pPr algn="ctr"/>
+            <a:r>
+              <a:rPr lang="ko-KR" altLang="en-US" sz="1200" dirty="0">
+                <a:solidFill>
+                  <a:sysClr val="windowText" lastClr="000000"/>
+                </a:solidFill>
+              </a:rPr>
+              <a:t>구매 버튼 잠금</a:t>
+            </a:r>
+          </a:p>
+        </p:txBody>
+      </p:sp>
+      <p:sp>
+        <p:nvSpPr>
+          <p:cNvPr id="51" name="순서도: 판단 50">
+            <a:extLst>
+              <a:ext uri="{FF2B5EF4-FFF2-40B4-BE49-F238E27FC236}">
+                <a16:creationId xmlns:a16="http://schemas.microsoft.com/office/drawing/2014/main" id="{CA67A56E-8403-4A19-9A48-055034F590A2}"/>
+              </a:ext>
+            </a:extLst>
+          </p:cNvPr>
+          <p:cNvSpPr/>
+          <p:nvPr/>
+        </p:nvSpPr>
+        <p:spPr>
+          <a:xfrm>
+            <a:off x="704961" y="5157499"/>
+            <a:ext cx="2091560" cy="733537"/>
+          </a:xfrm>
+          <a:prstGeom prst="flowChartDecision">
+            <a:avLst/>
+          </a:prstGeom>
+          <a:noFill/>
+          <a:ln>
+            <a:solidFill>
+              <a:schemeClr val="tx1"/>
+            </a:solidFill>
+          </a:ln>
+        </p:spPr>
+        <p:style>
+          <a:lnRef idx="2">
+            <a:schemeClr val="accent1">
+              <a:shade val="50000"/>
+            </a:schemeClr>
+          </a:lnRef>
+          <a:fillRef idx="1">
+            <a:schemeClr val="accent1"/>
+          </a:fillRef>
+          <a:effectRef idx="0">
+            <a:schemeClr val="accent1"/>
+          </a:effectRef>
+          <a:fontRef idx="minor">
+            <a:schemeClr val="lt1"/>
+          </a:fontRef>
+        </p:style>
+        <p:txBody>
+          <a:bodyPr rtlCol="0" anchor="ctr"/>
+          <a:lstStyle/>
+          <a:p>
+            <a:pPr algn="ctr"/>
+            <a:endParaRPr lang="ko-KR" altLang="en-US" sz="1400" dirty="0">
+              <a:solidFill>
+                <a:sysClr val="windowText" lastClr="000000"/>
+              </a:solidFill>
+            </a:endParaRPr>
+          </a:p>
+        </p:txBody>
+      </p:sp>
+      <p:sp>
+        <p:nvSpPr>
+          <p:cNvPr id="52" name="TextBox 51">
+            <a:extLst>
+              <a:ext uri="{FF2B5EF4-FFF2-40B4-BE49-F238E27FC236}">
+                <a16:creationId xmlns:a16="http://schemas.microsoft.com/office/drawing/2014/main" id="{6E07E7EF-5561-4FEC-8CCE-4944F03FEA34}"/>
+              </a:ext>
+            </a:extLst>
+          </p:cNvPr>
+          <p:cNvSpPr txBox="1"/>
+          <p:nvPr/>
+        </p:nvSpPr>
+        <p:spPr>
+          <a:xfrm>
+            <a:off x="704960" y="5387866"/>
+            <a:ext cx="1816523" cy="307777"/>
+          </a:xfrm>
+          <a:prstGeom prst="rect">
+            <a:avLst/>
+          </a:prstGeom>
+          <a:noFill/>
+        </p:spPr>
+        <p:txBody>
+          <a:bodyPr wrap="none" rtlCol="0">
+            <a:spAutoFit/>
+          </a:bodyPr>
+          <a:lstStyle/>
+          <a:p>
+            <a:r>
+              <a:rPr lang="ko-KR" altLang="en-US" sz="1400" dirty="0"/>
+              <a:t> </a:t>
+            </a:r>
+            <a:r>
+              <a:rPr lang="ko-KR" altLang="en-US" sz="1400" dirty="0" err="1"/>
+              <a:t>소지금</a:t>
+            </a:r>
+            <a:r>
+              <a:rPr lang="en-US" altLang="ko-KR" sz="1400" dirty="0"/>
+              <a:t> &gt; </a:t>
+            </a:r>
+            <a:r>
+              <a:rPr lang="ko-KR" altLang="en-US" sz="1400" dirty="0"/>
+              <a:t>구매 비용</a:t>
+            </a:r>
+          </a:p>
+        </p:txBody>
+      </p:sp>
+      <p:sp>
+        <p:nvSpPr>
+          <p:cNvPr id="53" name="순서도: 판단 52">
+            <a:extLst>
+              <a:ext uri="{FF2B5EF4-FFF2-40B4-BE49-F238E27FC236}">
+                <a16:creationId xmlns:a16="http://schemas.microsoft.com/office/drawing/2014/main" id="{A072558C-EF21-48EA-9DA7-B74B2FBFC6BF}"/>
+              </a:ext>
+            </a:extLst>
+          </p:cNvPr>
+          <p:cNvSpPr/>
+          <p:nvPr/>
+        </p:nvSpPr>
+        <p:spPr>
+          <a:xfrm>
+            <a:off x="412534" y="1138423"/>
+            <a:ext cx="2584600" cy="827585"/>
+          </a:xfrm>
+          <a:prstGeom prst="flowChartDecision">
+            <a:avLst/>
+          </a:prstGeom>
+          <a:noFill/>
+          <a:ln>
+            <a:solidFill>
+              <a:schemeClr val="tx1"/>
+            </a:solidFill>
+          </a:ln>
+        </p:spPr>
+        <p:style>
+          <a:lnRef idx="2">
+            <a:schemeClr val="accent1">
+              <a:shade val="50000"/>
+            </a:schemeClr>
+          </a:lnRef>
+          <a:fillRef idx="1">
+            <a:schemeClr val="accent1"/>
+          </a:fillRef>
+          <a:effectRef idx="0">
+            <a:schemeClr val="accent1"/>
+          </a:effectRef>
+          <a:fontRef idx="minor">
+            <a:schemeClr val="lt1"/>
+          </a:fontRef>
+        </p:style>
+        <p:txBody>
+          <a:bodyPr rtlCol="0" anchor="ctr"/>
+          <a:lstStyle/>
+          <a:p>
+            <a:pPr algn="ctr"/>
+            <a:endParaRPr lang="ko-KR" altLang="en-US" sz="1400" dirty="0">
+              <a:solidFill>
+                <a:sysClr val="windowText" lastClr="000000"/>
+              </a:solidFill>
+            </a:endParaRPr>
+          </a:p>
+        </p:txBody>
+      </p:sp>
+      <p:sp>
+        <p:nvSpPr>
+          <p:cNvPr id="54" name="TextBox 53">
+            <a:extLst>
+              <a:ext uri="{FF2B5EF4-FFF2-40B4-BE49-F238E27FC236}">
+                <a16:creationId xmlns:a16="http://schemas.microsoft.com/office/drawing/2014/main" id="{04526DE4-DCDE-442C-B6CB-8FF274517B7E}"/>
+              </a:ext>
+            </a:extLst>
+          </p:cNvPr>
+          <p:cNvSpPr txBox="1"/>
+          <p:nvPr/>
+        </p:nvSpPr>
+        <p:spPr>
+          <a:xfrm>
+            <a:off x="782660" y="1398326"/>
+            <a:ext cx="1754006" cy="307777"/>
+          </a:xfrm>
+          <a:prstGeom prst="rect">
+            <a:avLst/>
+          </a:prstGeom>
+          <a:noFill/>
+        </p:spPr>
+        <p:txBody>
+          <a:bodyPr wrap="none" rtlCol="0">
+            <a:spAutoFit/>
+          </a:bodyPr>
+          <a:lstStyle/>
+          <a:p>
+            <a:pPr algn="ctr"/>
+            <a:r>
+              <a:rPr lang="ko-KR" altLang="en-US" sz="1400" dirty="0" err="1">
+                <a:solidFill>
+                  <a:sysClr val="windowText" lastClr="000000"/>
+                </a:solidFill>
+              </a:rPr>
+              <a:t>소지금</a:t>
+            </a:r>
+            <a:r>
+              <a:rPr lang="ko-KR" altLang="en-US" sz="1400" dirty="0">
+                <a:solidFill>
+                  <a:sysClr val="windowText" lastClr="000000"/>
+                </a:solidFill>
+              </a:rPr>
+              <a:t>  </a:t>
+            </a:r>
+            <a:r>
+              <a:rPr lang="en-US" altLang="ko-KR" sz="1400" dirty="0">
+                <a:solidFill>
+                  <a:sysClr val="windowText" lastClr="000000"/>
+                </a:solidFill>
+              </a:rPr>
+              <a:t>&gt; </a:t>
+            </a:r>
+            <a:r>
+              <a:rPr lang="ko-KR" altLang="en-US" sz="1400" dirty="0">
+                <a:solidFill>
+                  <a:sysClr val="windowText" lastClr="000000"/>
+                </a:solidFill>
+              </a:rPr>
+              <a:t>구매비용</a:t>
+            </a:r>
+          </a:p>
+        </p:txBody>
+      </p:sp>
+      <p:sp>
+        <p:nvSpPr>
+          <p:cNvPr id="55" name="사각형: 둥근 모서리 54">
+            <a:extLst>
+              <a:ext uri="{FF2B5EF4-FFF2-40B4-BE49-F238E27FC236}">
+                <a16:creationId xmlns:a16="http://schemas.microsoft.com/office/drawing/2014/main" id="{D1929C3A-C330-4309-AD9D-E30F9E52C9C8}"/>
+              </a:ext>
+            </a:extLst>
+          </p:cNvPr>
+          <p:cNvSpPr/>
+          <p:nvPr/>
+        </p:nvSpPr>
+        <p:spPr>
+          <a:xfrm>
+            <a:off x="3313725" y="5288148"/>
+            <a:ext cx="1474724" cy="462113"/>
+          </a:xfrm>
+          <a:prstGeom prst="roundRect">
+            <a:avLst/>
+          </a:prstGeom>
+          <a:noFill/>
+          <a:ln>
+            <a:solidFill>
+              <a:schemeClr val="tx1"/>
+            </a:solidFill>
+          </a:ln>
+        </p:spPr>
+        <p:style>
+          <a:lnRef idx="2">
+            <a:schemeClr val="accent1">
+              <a:shade val="50000"/>
+            </a:schemeClr>
+          </a:lnRef>
+          <a:fillRef idx="1">
+            <a:schemeClr val="accent1"/>
+          </a:fillRef>
+          <a:effectRef idx="0">
+            <a:schemeClr val="accent1"/>
+          </a:effectRef>
+          <a:fontRef idx="minor">
+            <a:schemeClr val="lt1"/>
+          </a:fontRef>
+        </p:style>
+        <p:txBody>
+          <a:bodyPr rtlCol="0" anchor="ctr"/>
+          <a:lstStyle/>
+          <a:p>
+            <a:pPr algn="ctr"/>
+            <a:r>
+              <a:rPr lang="ko-KR" altLang="en-US" sz="1200" dirty="0">
+                <a:solidFill>
+                  <a:sysClr val="windowText" lastClr="000000"/>
+                </a:solidFill>
+              </a:rPr>
+              <a:t>구매 버튼 임시 비활성화</a:t>
+            </a:r>
+          </a:p>
+        </p:txBody>
+      </p:sp>
+      <p:sp>
+        <p:nvSpPr>
+          <p:cNvPr id="56" name="사각형: 둥근 모서리 55">
+            <a:extLst>
+              <a:ext uri="{FF2B5EF4-FFF2-40B4-BE49-F238E27FC236}">
+                <a16:creationId xmlns:a16="http://schemas.microsoft.com/office/drawing/2014/main" id="{13715939-2468-4902-8C99-EB276B24E91B}"/>
+              </a:ext>
+            </a:extLst>
+          </p:cNvPr>
+          <p:cNvSpPr/>
+          <p:nvPr/>
+        </p:nvSpPr>
+        <p:spPr>
+          <a:xfrm>
+            <a:off x="915280" y="6028415"/>
+            <a:ext cx="1670922" cy="360270"/>
+          </a:xfrm>
+          <a:prstGeom prst="roundRect">
+            <a:avLst/>
+          </a:prstGeom>
+          <a:noFill/>
+          <a:ln>
+            <a:solidFill>
+              <a:schemeClr val="tx1"/>
+            </a:solidFill>
+          </a:ln>
+        </p:spPr>
+        <p:style>
+          <a:lnRef idx="2">
+            <a:schemeClr val="accent1">
+              <a:shade val="50000"/>
+            </a:schemeClr>
+          </a:lnRef>
+          <a:fillRef idx="1">
+            <a:schemeClr val="accent1"/>
+          </a:fillRef>
+          <a:effectRef idx="0">
+            <a:schemeClr val="accent1"/>
+          </a:effectRef>
+          <a:fontRef idx="minor">
+            <a:schemeClr val="lt1"/>
+          </a:fontRef>
+        </p:style>
+        <p:txBody>
+          <a:bodyPr rtlCol="0" anchor="ctr"/>
+          <a:lstStyle/>
+          <a:p>
+            <a:pPr algn="ctr"/>
+            <a:r>
+              <a:rPr lang="ko-KR" altLang="en-US" sz="1200" dirty="0">
+                <a:solidFill>
+                  <a:sysClr val="windowText" lastClr="000000"/>
+                </a:solidFill>
+              </a:rPr>
+              <a:t>구매 버튼 활성화</a:t>
+            </a:r>
+          </a:p>
+        </p:txBody>
+      </p:sp>
+      <p:sp>
+        <p:nvSpPr>
+          <p:cNvPr id="57" name="순서도: 수행의 시작/종료 56">
+            <a:extLst>
+              <a:ext uri="{FF2B5EF4-FFF2-40B4-BE49-F238E27FC236}">
+                <a16:creationId xmlns:a16="http://schemas.microsoft.com/office/drawing/2014/main" id="{88032F4A-20AD-4360-89C8-4BC829C0E880}"/>
+              </a:ext>
+            </a:extLst>
+          </p:cNvPr>
+          <p:cNvSpPr/>
+          <p:nvPr/>
+        </p:nvSpPr>
+        <p:spPr>
+          <a:xfrm>
+            <a:off x="3343257" y="5975938"/>
+            <a:ext cx="1408922" cy="463074"/>
+          </a:xfrm>
+          <a:prstGeom prst="flowChartTerminator">
+            <a:avLst/>
+          </a:prstGeom>
+          <a:noFill/>
+          <a:ln>
+            <a:solidFill>
+              <a:schemeClr val="tx1"/>
+            </a:solidFill>
+          </a:ln>
+        </p:spPr>
+        <p:style>
+          <a:lnRef idx="2">
+            <a:schemeClr val="accent1">
+              <a:shade val="50000"/>
+            </a:schemeClr>
+          </a:lnRef>
+          <a:fillRef idx="1">
+            <a:schemeClr val="accent1"/>
+          </a:fillRef>
+          <a:effectRef idx="0">
+            <a:schemeClr val="accent1"/>
+          </a:effectRef>
+          <a:fontRef idx="minor">
+            <a:schemeClr val="lt1"/>
+          </a:fontRef>
+        </p:style>
+        <p:txBody>
+          <a:bodyPr rtlCol="0" anchor="ctr"/>
+          <a:lstStyle/>
+          <a:p>
+            <a:pPr algn="ctr"/>
+            <a:r>
+              <a:rPr lang="ko-KR" altLang="en-US" sz="1200" dirty="0">
+                <a:solidFill>
+                  <a:schemeClr val="tx1"/>
+                </a:solidFill>
+              </a:rPr>
+              <a:t>구매 완료</a:t>
+            </a:r>
+          </a:p>
+        </p:txBody>
+      </p:sp>
+      <p:sp>
+        <p:nvSpPr>
+          <p:cNvPr id="58" name="순서도: 처리 57">
+            <a:extLst>
+              <a:ext uri="{FF2B5EF4-FFF2-40B4-BE49-F238E27FC236}">
+                <a16:creationId xmlns:a16="http://schemas.microsoft.com/office/drawing/2014/main" id="{BA10B1C4-6F25-43A9-8FA7-8261C22631B8}"/>
+              </a:ext>
+            </a:extLst>
+          </p:cNvPr>
+          <p:cNvSpPr/>
+          <p:nvPr/>
+        </p:nvSpPr>
+        <p:spPr>
+          <a:xfrm>
+            <a:off x="412534" y="2996421"/>
+            <a:ext cx="5447083" cy="3535217"/>
+          </a:xfrm>
+          <a:prstGeom prst="flowChartProcess">
+            <a:avLst/>
+          </a:prstGeom>
+          <a:noFill/>
+          <a:ln>
+            <a:solidFill>
+              <a:schemeClr val="tx1"/>
+            </a:solidFill>
+          </a:ln>
+        </p:spPr>
+        <p:style>
+          <a:lnRef idx="2">
+            <a:schemeClr val="accent1">
+              <a:shade val="50000"/>
+            </a:schemeClr>
+          </a:lnRef>
+          <a:fillRef idx="1">
+            <a:schemeClr val="accent1"/>
+          </a:fillRef>
+          <a:effectRef idx="0">
+            <a:schemeClr val="accent1"/>
+          </a:effectRef>
+          <a:fontRef idx="minor">
+            <a:schemeClr val="lt1"/>
+          </a:fontRef>
+        </p:style>
+        <p:txBody>
+          <a:bodyPr rtlCol="0" anchor="ctr"/>
+          <a:lstStyle/>
+          <a:p>
+            <a:pPr algn="ctr"/>
+            <a:endParaRPr lang="ko-KR" altLang="en-US"/>
+          </a:p>
+        </p:txBody>
+      </p:sp>
+      <p:sp>
+        <p:nvSpPr>
+          <p:cNvPr id="59" name="순서도: 처리 58">
+            <a:extLst>
+              <a:ext uri="{FF2B5EF4-FFF2-40B4-BE49-F238E27FC236}">
+                <a16:creationId xmlns:a16="http://schemas.microsoft.com/office/drawing/2014/main" id="{DEBEE704-D98C-4154-81E4-677CB0C5B661}"/>
+              </a:ext>
+            </a:extLst>
+          </p:cNvPr>
+          <p:cNvSpPr/>
+          <p:nvPr/>
+        </p:nvSpPr>
+        <p:spPr>
+          <a:xfrm>
+            <a:off x="412534" y="2996421"/>
+            <a:ext cx="5447083" cy="469302"/>
+          </a:xfrm>
+          <a:prstGeom prst="flowChartProcess">
+            <a:avLst/>
+          </a:prstGeom>
+          <a:noFill/>
+          <a:ln>
+            <a:solidFill>
+              <a:schemeClr val="tx1"/>
+            </a:solidFill>
+          </a:ln>
+        </p:spPr>
+        <p:style>
+          <a:lnRef idx="2">
+            <a:schemeClr val="accent1">
+              <a:shade val="50000"/>
+            </a:schemeClr>
+          </a:lnRef>
+          <a:fillRef idx="1">
+            <a:schemeClr val="accent1"/>
+          </a:fillRef>
+          <a:effectRef idx="0">
+            <a:schemeClr val="accent1"/>
+          </a:effectRef>
+          <a:fontRef idx="minor">
+            <a:schemeClr val="lt1"/>
+          </a:fontRef>
+        </p:style>
+        <p:txBody>
+          <a:bodyPr rtlCol="0" anchor="ctr"/>
+          <a:lstStyle/>
+          <a:p>
+            <a:pPr algn="ctr"/>
+            <a:r>
+              <a:rPr lang="en-US" altLang="ko-KR" dirty="0">
+                <a:solidFill>
+                  <a:sysClr val="windowText" lastClr="000000"/>
+                </a:solidFill>
+              </a:rPr>
+              <a:t>UI</a:t>
+            </a:r>
+            <a:r>
+              <a:rPr lang="ko-KR" altLang="en-US" dirty="0">
+                <a:solidFill>
+                  <a:sysClr val="windowText" lastClr="000000"/>
+                </a:solidFill>
+              </a:rPr>
+              <a:t> 갱신</a:t>
+            </a:r>
+          </a:p>
+        </p:txBody>
+      </p:sp>
+      <p:cxnSp>
+        <p:nvCxnSpPr>
+          <p:cNvPr id="60" name="직선 화살표 연결선 59">
+            <a:extLst>
+              <a:ext uri="{FF2B5EF4-FFF2-40B4-BE49-F238E27FC236}">
+                <a16:creationId xmlns:a16="http://schemas.microsoft.com/office/drawing/2014/main" id="{9DC3BD6E-328B-4337-9F67-EF6587719E3D}"/>
+              </a:ext>
+            </a:extLst>
+          </p:cNvPr>
+          <p:cNvCxnSpPr>
+            <a:cxnSpLocks/>
+            <a:stCxn id="53" idx="3"/>
+            <a:endCxn id="43" idx="1"/>
+          </p:cNvCxnSpPr>
+          <p:nvPr/>
+        </p:nvCxnSpPr>
+        <p:spPr>
+          <a:xfrm flipV="1">
+            <a:off x="2997134" y="1552214"/>
+            <a:ext cx="277882" cy="2"/>
+          </a:xfrm>
+          <a:prstGeom prst="straightConnector1">
+            <a:avLst/>
+          </a:prstGeom>
+          <a:ln w="38100" cmpd="sng">
+            <a:solidFill>
+              <a:schemeClr val="tx1"/>
+            </a:solidFill>
+            <a:tailEnd type="triangle"/>
+          </a:ln>
+        </p:spPr>
+        <p:style>
+          <a:lnRef idx="1">
+            <a:schemeClr val="accent1"/>
+          </a:lnRef>
+          <a:fillRef idx="0">
+            <a:schemeClr val="accent1"/>
+          </a:fillRef>
+          <a:effectRef idx="0">
+            <a:schemeClr val="accent1"/>
+          </a:effectRef>
+          <a:fontRef idx="minor">
+            <a:schemeClr val="tx1"/>
+          </a:fontRef>
+        </p:style>
+      </p:cxnSp>
+      <p:cxnSp>
+        <p:nvCxnSpPr>
+          <p:cNvPr id="61" name="직선 화살표 연결선 60">
+            <a:extLst>
+              <a:ext uri="{FF2B5EF4-FFF2-40B4-BE49-F238E27FC236}">
+                <a16:creationId xmlns:a16="http://schemas.microsoft.com/office/drawing/2014/main" id="{BBE22725-7DB2-4C33-B63F-E93A5D2E7F70}"/>
+              </a:ext>
+            </a:extLst>
+          </p:cNvPr>
+          <p:cNvCxnSpPr>
+            <a:cxnSpLocks/>
+            <a:stCxn id="53" idx="2"/>
+            <a:endCxn id="47" idx="0"/>
+          </p:cNvCxnSpPr>
+          <p:nvPr/>
+        </p:nvCxnSpPr>
+        <p:spPr>
+          <a:xfrm>
+            <a:off x="1704834" y="1966008"/>
+            <a:ext cx="1" cy="174735"/>
+          </a:xfrm>
+          <a:prstGeom prst="straightConnector1">
+            <a:avLst/>
+          </a:prstGeom>
+          <a:ln w="38100" cmpd="sng">
+            <a:solidFill>
+              <a:schemeClr val="tx1"/>
+            </a:solidFill>
+            <a:tailEnd type="triangle"/>
+          </a:ln>
+        </p:spPr>
+        <p:style>
+          <a:lnRef idx="1">
+            <a:schemeClr val="accent1"/>
+          </a:lnRef>
+          <a:fillRef idx="0">
+            <a:schemeClr val="accent1"/>
+          </a:fillRef>
+          <a:effectRef idx="0">
+            <a:schemeClr val="accent1"/>
+          </a:effectRef>
+          <a:fontRef idx="minor">
+            <a:schemeClr val="tx1"/>
+          </a:fontRef>
+        </p:style>
+      </p:cxnSp>
+      <p:cxnSp>
+        <p:nvCxnSpPr>
+          <p:cNvPr id="62" name="직선 화살표 연결선 61">
+            <a:extLst>
+              <a:ext uri="{FF2B5EF4-FFF2-40B4-BE49-F238E27FC236}">
+                <a16:creationId xmlns:a16="http://schemas.microsoft.com/office/drawing/2014/main" id="{E5982272-8C92-4BBD-97FF-73C3C21DACE0}"/>
+              </a:ext>
+            </a:extLst>
+          </p:cNvPr>
+          <p:cNvCxnSpPr>
+            <a:cxnSpLocks/>
+            <a:stCxn id="43" idx="2"/>
+            <a:endCxn id="46" idx="0"/>
+          </p:cNvCxnSpPr>
+          <p:nvPr/>
+        </p:nvCxnSpPr>
+        <p:spPr>
+          <a:xfrm>
+            <a:off x="4567317" y="1837440"/>
+            <a:ext cx="0" cy="303303"/>
+          </a:xfrm>
+          <a:prstGeom prst="straightConnector1">
+            <a:avLst/>
+          </a:prstGeom>
+          <a:ln w="38100" cmpd="sng">
+            <a:solidFill>
+              <a:schemeClr val="tx1"/>
+            </a:solidFill>
+            <a:tailEnd type="triangle"/>
+          </a:ln>
+        </p:spPr>
+        <p:style>
+          <a:lnRef idx="1">
+            <a:schemeClr val="accent1"/>
+          </a:lnRef>
+          <a:fillRef idx="0">
+            <a:schemeClr val="accent1"/>
+          </a:fillRef>
+          <a:effectRef idx="0">
+            <a:schemeClr val="accent1"/>
+          </a:effectRef>
+          <a:fontRef idx="minor">
+            <a:schemeClr val="tx1"/>
+          </a:fontRef>
+        </p:style>
+      </p:cxnSp>
+      <p:cxnSp>
+        <p:nvCxnSpPr>
+          <p:cNvPr id="63" name="연결선: 꺾임 62">
+            <a:extLst>
+              <a:ext uri="{FF2B5EF4-FFF2-40B4-BE49-F238E27FC236}">
+                <a16:creationId xmlns:a16="http://schemas.microsoft.com/office/drawing/2014/main" id="{5585485B-3E09-4F3B-BB84-53E25B3DCA46}"/>
+              </a:ext>
+            </a:extLst>
+          </p:cNvPr>
+          <p:cNvCxnSpPr>
+            <a:cxnSpLocks/>
+            <a:stCxn id="50" idx="2"/>
+            <a:endCxn id="51" idx="0"/>
+          </p:cNvCxnSpPr>
+          <p:nvPr/>
+        </p:nvCxnSpPr>
+        <p:spPr>
+          <a:xfrm rot="5400000">
+            <a:off x="2757680" y="3864092"/>
+            <a:ext cx="286468" cy="2300346"/>
+          </a:xfrm>
+          <a:prstGeom prst="bentConnector3">
+            <a:avLst>
+              <a:gd name="adj1" fmla="val 50000"/>
+            </a:avLst>
+          </a:prstGeom>
+          <a:ln w="38100">
+            <a:solidFill>
+              <a:schemeClr val="tx1"/>
+            </a:solidFill>
+            <a:tailEnd type="triangle"/>
+          </a:ln>
+        </p:spPr>
+        <p:style>
+          <a:lnRef idx="1">
+            <a:schemeClr val="accent1"/>
+          </a:lnRef>
+          <a:fillRef idx="0">
+            <a:schemeClr val="accent1"/>
+          </a:fillRef>
+          <a:effectRef idx="0">
+            <a:schemeClr val="accent1"/>
+          </a:effectRef>
+          <a:fontRef idx="minor">
+            <a:schemeClr val="tx1"/>
+          </a:fontRef>
+        </p:style>
+      </p:cxnSp>
+      <p:cxnSp>
+        <p:nvCxnSpPr>
+          <p:cNvPr id="64" name="직선 화살표 연결선 63">
+            <a:extLst>
+              <a:ext uri="{FF2B5EF4-FFF2-40B4-BE49-F238E27FC236}">
+                <a16:creationId xmlns:a16="http://schemas.microsoft.com/office/drawing/2014/main" id="{22190AE6-D015-4F89-ADFC-2A5F71B461E4}"/>
+              </a:ext>
+            </a:extLst>
+          </p:cNvPr>
+          <p:cNvCxnSpPr>
+            <a:cxnSpLocks/>
+            <a:stCxn id="48" idx="3"/>
+            <a:endCxn id="50" idx="1"/>
+          </p:cNvCxnSpPr>
+          <p:nvPr/>
+        </p:nvCxnSpPr>
+        <p:spPr>
+          <a:xfrm flipV="1">
+            <a:off x="2796521" y="4639975"/>
+            <a:ext cx="517204" cy="1"/>
+          </a:xfrm>
+          <a:prstGeom prst="straightConnector1">
+            <a:avLst/>
+          </a:prstGeom>
+          <a:ln w="38100" cmpd="sng">
+            <a:solidFill>
+              <a:schemeClr val="tx1"/>
+            </a:solidFill>
+            <a:tailEnd type="triangle"/>
+          </a:ln>
+        </p:spPr>
+        <p:style>
+          <a:lnRef idx="1">
+            <a:schemeClr val="accent1"/>
+          </a:lnRef>
+          <a:fillRef idx="0">
+            <a:schemeClr val="accent1"/>
+          </a:fillRef>
+          <a:effectRef idx="0">
+            <a:schemeClr val="accent1"/>
+          </a:effectRef>
+          <a:fontRef idx="minor">
+            <a:schemeClr val="tx1"/>
+          </a:fontRef>
+        </p:style>
+      </p:cxnSp>
+      <p:cxnSp>
+        <p:nvCxnSpPr>
+          <p:cNvPr id="65" name="직선 화살표 연결선 64">
+            <a:extLst>
+              <a:ext uri="{FF2B5EF4-FFF2-40B4-BE49-F238E27FC236}">
+                <a16:creationId xmlns:a16="http://schemas.microsoft.com/office/drawing/2014/main" id="{291E197C-5070-4DEC-B438-4A6E3EAECDE6}"/>
+              </a:ext>
+            </a:extLst>
+          </p:cNvPr>
+          <p:cNvCxnSpPr>
+            <a:cxnSpLocks/>
+            <a:stCxn id="42" idx="2"/>
+            <a:endCxn id="48" idx="0"/>
+          </p:cNvCxnSpPr>
+          <p:nvPr/>
+        </p:nvCxnSpPr>
+        <p:spPr>
+          <a:xfrm>
+            <a:off x="1750741" y="4085311"/>
+            <a:ext cx="0" cy="211129"/>
+          </a:xfrm>
+          <a:prstGeom prst="straightConnector1">
+            <a:avLst/>
+          </a:prstGeom>
+          <a:ln w="38100" cmpd="sng">
+            <a:solidFill>
+              <a:schemeClr val="tx1"/>
+            </a:solidFill>
+            <a:tailEnd type="triangle"/>
+          </a:ln>
+        </p:spPr>
+        <p:style>
+          <a:lnRef idx="1">
+            <a:schemeClr val="accent1"/>
+          </a:lnRef>
+          <a:fillRef idx="0">
+            <a:schemeClr val="accent1"/>
+          </a:fillRef>
+          <a:effectRef idx="0">
+            <a:schemeClr val="accent1"/>
+          </a:effectRef>
+          <a:fontRef idx="minor">
+            <a:schemeClr val="tx1"/>
+          </a:fontRef>
+        </p:style>
+      </p:cxnSp>
+      <p:cxnSp>
+        <p:nvCxnSpPr>
+          <p:cNvPr id="66" name="직선 화살표 연결선 65">
+            <a:extLst>
+              <a:ext uri="{FF2B5EF4-FFF2-40B4-BE49-F238E27FC236}">
+                <a16:creationId xmlns:a16="http://schemas.microsoft.com/office/drawing/2014/main" id="{80F29ECA-7FAA-49E0-9D7B-40598FF61A1B}"/>
+              </a:ext>
+            </a:extLst>
+          </p:cNvPr>
+          <p:cNvCxnSpPr>
+            <a:cxnSpLocks/>
+            <a:stCxn id="51" idx="2"/>
+            <a:endCxn id="56" idx="0"/>
+          </p:cNvCxnSpPr>
+          <p:nvPr/>
+        </p:nvCxnSpPr>
+        <p:spPr>
+          <a:xfrm>
+            <a:off x="1750741" y="5891036"/>
+            <a:ext cx="0" cy="137379"/>
+          </a:xfrm>
+          <a:prstGeom prst="straightConnector1">
+            <a:avLst/>
+          </a:prstGeom>
+          <a:ln w="38100" cmpd="sng">
+            <a:solidFill>
+              <a:schemeClr val="tx1"/>
+            </a:solidFill>
+            <a:tailEnd type="triangle"/>
+          </a:ln>
+        </p:spPr>
+        <p:style>
+          <a:lnRef idx="1">
+            <a:schemeClr val="accent1"/>
+          </a:lnRef>
+          <a:fillRef idx="0">
+            <a:schemeClr val="accent1"/>
+          </a:fillRef>
+          <a:effectRef idx="0">
+            <a:schemeClr val="accent1"/>
+          </a:effectRef>
+          <a:fontRef idx="minor">
+            <a:schemeClr val="tx1"/>
+          </a:fontRef>
+        </p:style>
+      </p:cxnSp>
+      <p:cxnSp>
+        <p:nvCxnSpPr>
+          <p:cNvPr id="67" name="직선 화살표 연결선 66">
+            <a:extLst>
+              <a:ext uri="{FF2B5EF4-FFF2-40B4-BE49-F238E27FC236}">
+                <a16:creationId xmlns:a16="http://schemas.microsoft.com/office/drawing/2014/main" id="{4F39762E-FD44-4F58-B668-8458DF99E6D9}"/>
+              </a:ext>
+            </a:extLst>
+          </p:cNvPr>
+          <p:cNvCxnSpPr>
+            <a:cxnSpLocks/>
+            <a:stCxn id="51" idx="3"/>
+            <a:endCxn id="55" idx="1"/>
+          </p:cNvCxnSpPr>
+          <p:nvPr/>
+        </p:nvCxnSpPr>
+        <p:spPr>
+          <a:xfrm flipV="1">
+            <a:off x="2796521" y="5519205"/>
+            <a:ext cx="517204" cy="5063"/>
+          </a:xfrm>
+          <a:prstGeom prst="straightConnector1">
+            <a:avLst/>
+          </a:prstGeom>
+          <a:ln w="38100" cmpd="sng">
+            <a:solidFill>
+              <a:schemeClr val="tx1"/>
+            </a:solidFill>
+            <a:tailEnd type="triangle"/>
+          </a:ln>
+        </p:spPr>
+        <p:style>
+          <a:lnRef idx="1">
+            <a:schemeClr val="accent1"/>
+          </a:lnRef>
+          <a:fillRef idx="0">
+            <a:schemeClr val="accent1"/>
+          </a:fillRef>
+          <a:effectRef idx="0">
+            <a:schemeClr val="accent1"/>
+          </a:effectRef>
+          <a:fontRef idx="minor">
+            <a:schemeClr val="tx1"/>
+          </a:fontRef>
+        </p:style>
+      </p:cxnSp>
+      <p:cxnSp>
+        <p:nvCxnSpPr>
+          <p:cNvPr id="68" name="직선 화살표 연결선 67">
+            <a:extLst>
+              <a:ext uri="{FF2B5EF4-FFF2-40B4-BE49-F238E27FC236}">
+                <a16:creationId xmlns:a16="http://schemas.microsoft.com/office/drawing/2014/main" id="{7FA42B1D-B9D0-4DA6-80F5-5B488200A98A}"/>
+              </a:ext>
+            </a:extLst>
+          </p:cNvPr>
+          <p:cNvCxnSpPr>
+            <a:cxnSpLocks/>
+            <a:stCxn id="55" idx="2"/>
+            <a:endCxn id="57" idx="0"/>
+          </p:cNvCxnSpPr>
+          <p:nvPr/>
+        </p:nvCxnSpPr>
+        <p:spPr>
+          <a:xfrm flipH="1">
+            <a:off x="4047718" y="5750261"/>
+            <a:ext cx="3369" cy="225677"/>
+          </a:xfrm>
+          <a:prstGeom prst="straightConnector1">
+            <a:avLst/>
+          </a:prstGeom>
+          <a:ln w="38100" cmpd="sng">
+            <a:solidFill>
+              <a:schemeClr val="tx1"/>
+            </a:solidFill>
+            <a:tailEnd type="triangle"/>
+          </a:ln>
+        </p:spPr>
+        <p:style>
+          <a:lnRef idx="1">
+            <a:schemeClr val="accent1"/>
+          </a:lnRef>
+          <a:fillRef idx="0">
+            <a:schemeClr val="accent1"/>
+          </a:fillRef>
+          <a:effectRef idx="0">
+            <a:schemeClr val="accent1"/>
+          </a:effectRef>
+          <a:fontRef idx="minor">
+            <a:schemeClr val="tx1"/>
+          </a:fontRef>
+        </p:style>
+      </p:cxnSp>
+      <p:cxnSp>
+        <p:nvCxnSpPr>
+          <p:cNvPr id="69" name="직선 화살표 연결선 68">
+            <a:extLst>
+              <a:ext uri="{FF2B5EF4-FFF2-40B4-BE49-F238E27FC236}">
+                <a16:creationId xmlns:a16="http://schemas.microsoft.com/office/drawing/2014/main" id="{5369A3AA-C2D9-4432-B40E-D1F13B6BF1F1}"/>
+              </a:ext>
+            </a:extLst>
+          </p:cNvPr>
+          <p:cNvCxnSpPr>
+            <a:cxnSpLocks/>
+            <a:stCxn id="56" idx="3"/>
+            <a:endCxn id="57" idx="1"/>
+          </p:cNvCxnSpPr>
+          <p:nvPr/>
+        </p:nvCxnSpPr>
+        <p:spPr>
+          <a:xfrm flipV="1">
+            <a:off x="2586202" y="6207475"/>
+            <a:ext cx="757055" cy="1075"/>
+          </a:xfrm>
+          <a:prstGeom prst="straightConnector1">
+            <a:avLst/>
+          </a:prstGeom>
+          <a:ln w="38100" cmpd="sng">
+            <a:solidFill>
+              <a:schemeClr val="tx1"/>
+            </a:solidFill>
+            <a:tailEnd type="triangle"/>
+          </a:ln>
+        </p:spPr>
+        <p:style>
+          <a:lnRef idx="1">
+            <a:schemeClr val="accent1"/>
+          </a:lnRef>
+          <a:fillRef idx="0">
+            <a:schemeClr val="accent1"/>
+          </a:fillRef>
+          <a:effectRef idx="0">
+            <a:schemeClr val="accent1"/>
+          </a:effectRef>
+          <a:fontRef idx="minor">
+            <a:schemeClr val="tx1"/>
+          </a:fontRef>
+        </p:style>
+      </p:cxnSp>
+      <p:sp>
+        <p:nvSpPr>
+          <p:cNvPr id="2" name="TextBox 1">
+            <a:extLst>
+              <a:ext uri="{FF2B5EF4-FFF2-40B4-BE49-F238E27FC236}">
+                <a16:creationId xmlns:a16="http://schemas.microsoft.com/office/drawing/2014/main" id="{91E992B1-60E5-46A3-B4D3-E94DB5026610}"/>
+              </a:ext>
+            </a:extLst>
+          </p:cNvPr>
+          <p:cNvSpPr txBox="1"/>
+          <p:nvPr/>
+        </p:nvSpPr>
+        <p:spPr>
+          <a:xfrm>
+            <a:off x="2345023" y="4214404"/>
+            <a:ext cx="624658" cy="369332"/>
+          </a:xfrm>
+          <a:prstGeom prst="rect">
+            <a:avLst/>
+          </a:prstGeom>
+          <a:noFill/>
+        </p:spPr>
+        <p:txBody>
+          <a:bodyPr wrap="none" rtlCol="0">
+            <a:spAutoFit/>
+          </a:bodyPr>
+          <a:lstStyle/>
+          <a:p>
+            <a:r>
+              <a:rPr lang="en-US" altLang="ko-KR" dirty="0"/>
+              <a:t>True</a:t>
+            </a:r>
+            <a:endParaRPr lang="ko-KR" altLang="en-US" dirty="0"/>
+          </a:p>
+        </p:txBody>
+      </p:sp>
+      <p:sp>
+        <p:nvSpPr>
+          <p:cNvPr id="70" name="TextBox 69">
+            <a:extLst>
+              <a:ext uri="{FF2B5EF4-FFF2-40B4-BE49-F238E27FC236}">
+                <a16:creationId xmlns:a16="http://schemas.microsoft.com/office/drawing/2014/main" id="{8B2F333D-D26F-46A6-9A07-4A30DF0030AF}"/>
+              </a:ext>
+            </a:extLst>
+          </p:cNvPr>
+          <p:cNvSpPr txBox="1"/>
+          <p:nvPr/>
+        </p:nvSpPr>
+        <p:spPr>
+          <a:xfrm>
+            <a:off x="2345023" y="5120101"/>
+            <a:ext cx="689997" cy="369332"/>
+          </a:xfrm>
+          <a:prstGeom prst="rect">
+            <a:avLst/>
+          </a:prstGeom>
+          <a:noFill/>
+        </p:spPr>
+        <p:txBody>
+          <a:bodyPr wrap="none" rtlCol="0">
+            <a:spAutoFit/>
+          </a:bodyPr>
+          <a:lstStyle/>
+          <a:p>
+            <a:r>
+              <a:rPr lang="en-US" altLang="ko-KR" dirty="0"/>
+              <a:t>False</a:t>
+            </a:r>
+            <a:endParaRPr lang="ko-KR" altLang="en-US" dirty="0"/>
+          </a:p>
+        </p:txBody>
+      </p:sp>
+      <p:sp>
+        <p:nvSpPr>
+          <p:cNvPr id="71" name="TextBox 70">
+            <a:extLst>
+              <a:ext uri="{FF2B5EF4-FFF2-40B4-BE49-F238E27FC236}">
+                <a16:creationId xmlns:a16="http://schemas.microsoft.com/office/drawing/2014/main" id="{723487C8-B8B0-41DA-869C-AA510EF77189}"/>
+              </a:ext>
+            </a:extLst>
+          </p:cNvPr>
+          <p:cNvSpPr txBox="1"/>
+          <p:nvPr/>
+        </p:nvSpPr>
+        <p:spPr>
+          <a:xfrm>
+            <a:off x="934307" y="4788167"/>
+            <a:ext cx="689997" cy="369332"/>
+          </a:xfrm>
+          <a:prstGeom prst="rect">
+            <a:avLst/>
+          </a:prstGeom>
+          <a:noFill/>
+        </p:spPr>
+        <p:txBody>
+          <a:bodyPr wrap="none" rtlCol="0">
+            <a:spAutoFit/>
+          </a:bodyPr>
+          <a:lstStyle/>
+          <a:p>
+            <a:r>
+              <a:rPr lang="en-US" altLang="ko-KR" dirty="0"/>
+              <a:t>False</a:t>
+            </a:r>
+            <a:endParaRPr lang="ko-KR" altLang="en-US" dirty="0"/>
+          </a:p>
+        </p:txBody>
+      </p:sp>
+      <p:sp>
+        <p:nvSpPr>
+          <p:cNvPr id="72" name="TextBox 71">
+            <a:extLst>
+              <a:ext uri="{FF2B5EF4-FFF2-40B4-BE49-F238E27FC236}">
+                <a16:creationId xmlns:a16="http://schemas.microsoft.com/office/drawing/2014/main" id="{EFA6D995-7A50-4D3C-B75B-D12C80D75DE4}"/>
+              </a:ext>
+            </a:extLst>
+          </p:cNvPr>
+          <p:cNvSpPr txBox="1"/>
+          <p:nvPr/>
+        </p:nvSpPr>
+        <p:spPr>
+          <a:xfrm>
+            <a:off x="934307" y="5648356"/>
+            <a:ext cx="624658" cy="369332"/>
+          </a:xfrm>
+          <a:prstGeom prst="rect">
+            <a:avLst/>
+          </a:prstGeom>
+          <a:noFill/>
+        </p:spPr>
+        <p:txBody>
+          <a:bodyPr wrap="none" rtlCol="0">
+            <a:spAutoFit/>
+          </a:bodyPr>
+          <a:lstStyle/>
+          <a:p>
+            <a:r>
+              <a:rPr lang="en-US" altLang="ko-KR" dirty="0"/>
+              <a:t>True</a:t>
+            </a:r>
+            <a:endParaRPr lang="ko-KR" altLang="en-US" dirty="0"/>
+          </a:p>
+        </p:txBody>
+      </p:sp>
+      <p:sp>
+        <p:nvSpPr>
+          <p:cNvPr id="73" name="부제목 2">
+            <a:extLst>
+              <a:ext uri="{FF2B5EF4-FFF2-40B4-BE49-F238E27FC236}">
+                <a16:creationId xmlns:a16="http://schemas.microsoft.com/office/drawing/2014/main" id="{99CDB5C7-A85B-4442-86D0-522DFFFFA455}"/>
+              </a:ext>
+            </a:extLst>
+          </p:cNvPr>
+          <p:cNvSpPr txBox="1">
+            <a:spLocks/>
+          </p:cNvSpPr>
+          <p:nvPr/>
+        </p:nvSpPr>
+        <p:spPr>
+          <a:xfrm>
+            <a:off x="9182567" y="353552"/>
+            <a:ext cx="2920510" cy="469303"/>
+          </a:xfrm>
+          <a:prstGeom prst="rect">
+            <a:avLst/>
+          </a:prstGeom>
+        </p:spPr>
+        <p:txBody>
+          <a:bodyPr vert="horz" lIns="91440" tIns="45720" rIns="91440" bIns="45720" rtlCol="0">
+            <a:normAutofit fontScale="92500"/>
+          </a:bodyPr>
+          <a:lstStyle>
+            <a:lvl1pPr marL="0" indent="0" algn="ctr" defTabSz="914400" rtl="0" eaLnBrk="1" latinLnBrk="1" hangingPunct="1">
+              <a:lnSpc>
+                <a:spcPct val="90000"/>
+              </a:lnSpc>
+              <a:spcBef>
+                <a:spcPts val="1000"/>
+              </a:spcBef>
+              <a:buFont typeface="Arial" panose="020B0604020202020204" pitchFamily="34" charset="0"/>
+              <a:buNone/>
+              <a:defRPr sz="2400" kern="1200">
+                <a:solidFill>
+                  <a:schemeClr val="tx1"/>
+                </a:solidFill>
+                <a:latin typeface="+mn-lt"/>
+                <a:ea typeface="+mn-ea"/>
+                <a:cs typeface="+mn-cs"/>
+              </a:defRPr>
+            </a:lvl1pPr>
+            <a:lvl2pPr marL="457200" indent="0" algn="ctr" defTabSz="914400" rtl="0" eaLnBrk="1" latinLnBrk="1" hangingPunct="1">
+              <a:lnSpc>
+                <a:spcPct val="90000"/>
+              </a:lnSpc>
+              <a:spcBef>
+                <a:spcPts val="500"/>
+              </a:spcBef>
+              <a:buFont typeface="Arial" panose="020B0604020202020204" pitchFamily="34" charset="0"/>
+              <a:buNone/>
+              <a:defRPr sz="2000" kern="1200">
+                <a:solidFill>
+                  <a:schemeClr val="tx1"/>
+                </a:solidFill>
+                <a:latin typeface="+mn-lt"/>
+                <a:ea typeface="+mn-ea"/>
+                <a:cs typeface="+mn-cs"/>
+              </a:defRPr>
+            </a:lvl2pPr>
+            <a:lvl3pPr marL="914400" indent="0" algn="ctr" defTabSz="914400" rtl="0" eaLnBrk="1" latinLnBrk="1" hangingPunct="1">
+              <a:lnSpc>
+                <a:spcPct val="90000"/>
+              </a:lnSpc>
+              <a:spcBef>
+                <a:spcPts val="500"/>
+              </a:spcBef>
+              <a:buFont typeface="Arial" panose="020B0604020202020204" pitchFamily="34" charset="0"/>
+              <a:buNone/>
+              <a:defRPr sz="1800" kern="1200">
+                <a:solidFill>
+                  <a:schemeClr val="tx1"/>
+                </a:solidFill>
+                <a:latin typeface="+mn-lt"/>
+                <a:ea typeface="+mn-ea"/>
+                <a:cs typeface="+mn-cs"/>
+              </a:defRPr>
+            </a:lvl3pPr>
+            <a:lvl4pPr marL="1371600" indent="0" algn="ctr" defTabSz="914400" rtl="0" eaLnBrk="1" latinLnBrk="1" hangingPunct="1">
+              <a:lnSpc>
+                <a:spcPct val="90000"/>
+              </a:lnSpc>
+              <a:spcBef>
+                <a:spcPts val="500"/>
+              </a:spcBef>
+              <a:buFont typeface="Arial" panose="020B0604020202020204" pitchFamily="34" charset="0"/>
+              <a:buNone/>
+              <a:defRPr sz="1600" kern="1200">
+                <a:solidFill>
+                  <a:schemeClr val="tx1"/>
+                </a:solidFill>
+                <a:latin typeface="+mn-lt"/>
+                <a:ea typeface="+mn-ea"/>
+                <a:cs typeface="+mn-cs"/>
+              </a:defRPr>
+            </a:lvl4pPr>
+            <a:lvl5pPr marL="1828800" indent="0" algn="ctr" defTabSz="914400" rtl="0" eaLnBrk="1" latinLnBrk="1" hangingPunct="1">
+              <a:lnSpc>
+                <a:spcPct val="90000"/>
+              </a:lnSpc>
+              <a:spcBef>
+                <a:spcPts val="500"/>
+              </a:spcBef>
+              <a:buFont typeface="Arial" panose="020B0604020202020204" pitchFamily="34" charset="0"/>
+              <a:buNone/>
+              <a:defRPr sz="1600" kern="1200">
+                <a:solidFill>
+                  <a:schemeClr val="tx1"/>
+                </a:solidFill>
+                <a:latin typeface="+mn-lt"/>
+                <a:ea typeface="+mn-ea"/>
+                <a:cs typeface="+mn-cs"/>
+              </a:defRPr>
+            </a:lvl5pPr>
+            <a:lvl6pPr marL="2286000" indent="0" algn="ctr" defTabSz="914400" rtl="0" eaLnBrk="1" latinLnBrk="1" hangingPunct="1">
+              <a:lnSpc>
+                <a:spcPct val="90000"/>
+              </a:lnSpc>
+              <a:spcBef>
+                <a:spcPts val="500"/>
+              </a:spcBef>
+              <a:buFont typeface="Arial" panose="020B0604020202020204" pitchFamily="34" charset="0"/>
+              <a:buNone/>
+              <a:defRPr sz="1600" kern="1200">
+                <a:solidFill>
+                  <a:schemeClr val="tx1"/>
+                </a:solidFill>
+                <a:latin typeface="+mn-lt"/>
+                <a:ea typeface="+mn-ea"/>
+                <a:cs typeface="+mn-cs"/>
+              </a:defRPr>
+            </a:lvl6pPr>
+            <a:lvl7pPr marL="2743200" indent="0" algn="ctr" defTabSz="914400" rtl="0" eaLnBrk="1" latinLnBrk="1" hangingPunct="1">
+              <a:lnSpc>
+                <a:spcPct val="90000"/>
+              </a:lnSpc>
+              <a:spcBef>
+                <a:spcPts val="500"/>
+              </a:spcBef>
+              <a:buFont typeface="Arial" panose="020B0604020202020204" pitchFamily="34" charset="0"/>
+              <a:buNone/>
+              <a:defRPr sz="1600" kern="1200">
+                <a:solidFill>
+                  <a:schemeClr val="tx1"/>
+                </a:solidFill>
+                <a:latin typeface="+mn-lt"/>
+                <a:ea typeface="+mn-ea"/>
+                <a:cs typeface="+mn-cs"/>
+              </a:defRPr>
+            </a:lvl7pPr>
+            <a:lvl8pPr marL="3200400" indent="0" algn="ctr" defTabSz="914400" rtl="0" eaLnBrk="1" latinLnBrk="1" hangingPunct="1">
+              <a:lnSpc>
+                <a:spcPct val="90000"/>
+              </a:lnSpc>
+              <a:spcBef>
+                <a:spcPts val="500"/>
+              </a:spcBef>
+              <a:buFont typeface="Arial" panose="020B0604020202020204" pitchFamily="34" charset="0"/>
+              <a:buNone/>
+              <a:defRPr sz="1600" kern="1200">
+                <a:solidFill>
+                  <a:schemeClr val="tx1"/>
+                </a:solidFill>
+                <a:latin typeface="+mn-lt"/>
+                <a:ea typeface="+mn-ea"/>
+                <a:cs typeface="+mn-cs"/>
+              </a:defRPr>
+            </a:lvl8pPr>
+            <a:lvl9pPr marL="3657600" indent="0" algn="ctr" defTabSz="914400" rtl="0" eaLnBrk="1" latinLnBrk="1" hangingPunct="1">
+              <a:lnSpc>
+                <a:spcPct val="90000"/>
+              </a:lnSpc>
+              <a:spcBef>
+                <a:spcPts val="500"/>
+              </a:spcBef>
+              <a:buFont typeface="Arial" panose="020B0604020202020204" pitchFamily="34" charset="0"/>
+              <a:buNone/>
+              <a:defRPr sz="1600" kern="1200">
+                <a:solidFill>
+                  <a:schemeClr val="tx1"/>
+                </a:solidFill>
+                <a:latin typeface="+mn-lt"/>
+                <a:ea typeface="+mn-ea"/>
+                <a:cs typeface="+mn-cs"/>
+              </a:defRPr>
+            </a:lvl9pPr>
+          </a:lstStyle>
+          <a:p>
+            <a:r>
+              <a:rPr lang="ko-KR" altLang="en-US" dirty="0"/>
+              <a:t>원석 가공 기능 흐름</a:t>
+            </a:r>
+          </a:p>
+        </p:txBody>
+      </p:sp>
+      <p:sp>
+        <p:nvSpPr>
+          <p:cNvPr id="74" name="사각형: 둥근 모서리 73">
+            <a:extLst>
+              <a:ext uri="{FF2B5EF4-FFF2-40B4-BE49-F238E27FC236}">
+                <a16:creationId xmlns:a16="http://schemas.microsoft.com/office/drawing/2014/main" id="{6A1F3CEF-02A4-4AF1-8D1D-CFD0F8DC2C7F}"/>
+              </a:ext>
+            </a:extLst>
+          </p:cNvPr>
+          <p:cNvSpPr/>
+          <p:nvPr/>
+        </p:nvSpPr>
+        <p:spPr>
+          <a:xfrm>
+            <a:off x="6320085" y="298722"/>
+            <a:ext cx="2584601" cy="570452"/>
+          </a:xfrm>
+          <a:prstGeom prst="roundRect">
+            <a:avLst/>
+          </a:prstGeom>
+          <a:noFill/>
+          <a:ln>
+            <a:solidFill>
+              <a:schemeClr val="tx1"/>
+            </a:solidFill>
+          </a:ln>
+        </p:spPr>
+        <p:style>
+          <a:lnRef idx="2">
+            <a:schemeClr val="accent1">
+              <a:shade val="50000"/>
+            </a:schemeClr>
+          </a:lnRef>
+          <a:fillRef idx="1">
+            <a:schemeClr val="accent1"/>
+          </a:fillRef>
+          <a:effectRef idx="0">
+            <a:schemeClr val="accent1"/>
+          </a:effectRef>
+          <a:fontRef idx="minor">
+            <a:schemeClr val="lt1"/>
+          </a:fontRef>
+        </p:style>
+        <p:txBody>
+          <a:bodyPr rtlCol="0" anchor="ctr"/>
+          <a:lstStyle/>
+          <a:p>
+            <a:pPr algn="ctr"/>
+            <a:r>
+              <a:rPr lang="ko-KR" altLang="en-US" dirty="0">
+                <a:solidFill>
+                  <a:sysClr val="windowText" lastClr="000000"/>
+                </a:solidFill>
+              </a:rPr>
+              <a:t>원석가공 버튼 클릭</a:t>
+            </a:r>
+          </a:p>
+        </p:txBody>
+      </p:sp>
+      <p:sp>
+        <p:nvSpPr>
+          <p:cNvPr id="75" name="사각형: 둥근 모서리 74">
+            <a:extLst>
+              <a:ext uri="{FF2B5EF4-FFF2-40B4-BE49-F238E27FC236}">
+                <a16:creationId xmlns:a16="http://schemas.microsoft.com/office/drawing/2014/main" id="{08095C45-03AB-42D1-8468-887DABEA82AD}"/>
+              </a:ext>
+            </a:extLst>
+          </p:cNvPr>
+          <p:cNvSpPr/>
+          <p:nvPr/>
+        </p:nvSpPr>
+        <p:spPr>
+          <a:xfrm>
+            <a:off x="6559334" y="3509180"/>
+            <a:ext cx="2197916" cy="576131"/>
+          </a:xfrm>
+          <a:prstGeom prst="roundRect">
+            <a:avLst/>
+          </a:prstGeom>
+          <a:noFill/>
+          <a:ln>
+            <a:solidFill>
+              <a:schemeClr val="tx1"/>
+            </a:solidFill>
+          </a:ln>
+        </p:spPr>
+        <p:style>
+          <a:lnRef idx="2">
+            <a:schemeClr val="accent1">
+              <a:shade val="50000"/>
+            </a:schemeClr>
+          </a:lnRef>
+          <a:fillRef idx="1">
+            <a:schemeClr val="accent1"/>
+          </a:fillRef>
+          <a:effectRef idx="0">
+            <a:schemeClr val="accent1"/>
+          </a:effectRef>
+          <a:fontRef idx="minor">
+            <a:schemeClr val="lt1"/>
+          </a:fontRef>
+        </p:style>
+        <p:txBody>
+          <a:bodyPr rtlCol="0" anchor="ctr"/>
+          <a:lstStyle/>
+          <a:p>
+            <a:pPr algn="ctr"/>
+            <a:r>
+              <a:rPr lang="ko-KR" altLang="en-US" sz="1200" dirty="0">
+                <a:solidFill>
+                  <a:sysClr val="windowText" lastClr="000000"/>
+                </a:solidFill>
+              </a:rPr>
+              <a:t>원석종류 표시 갱신</a:t>
+            </a:r>
+            <a:endParaRPr lang="en-US" altLang="ko-KR" sz="1200" dirty="0">
+              <a:solidFill>
+                <a:sysClr val="windowText" lastClr="000000"/>
+              </a:solidFill>
+            </a:endParaRPr>
+          </a:p>
+          <a:p>
+            <a:pPr algn="ctr"/>
+            <a:r>
+              <a:rPr lang="ko-KR" altLang="en-US" sz="1200" dirty="0">
+                <a:solidFill>
+                  <a:sysClr val="windowText" lastClr="000000"/>
+                </a:solidFill>
+              </a:rPr>
+              <a:t>시간타이머 동작</a:t>
+            </a:r>
+          </a:p>
+        </p:txBody>
+      </p:sp>
+      <p:sp>
+        <p:nvSpPr>
+          <p:cNvPr id="76" name="사각형: 둥근 모서리 75">
+            <a:extLst>
+              <a:ext uri="{FF2B5EF4-FFF2-40B4-BE49-F238E27FC236}">
+                <a16:creationId xmlns:a16="http://schemas.microsoft.com/office/drawing/2014/main" id="{41AC693E-E653-48D1-BA6D-A013B2CF9651}"/>
+              </a:ext>
+            </a:extLst>
+          </p:cNvPr>
+          <p:cNvSpPr/>
+          <p:nvPr/>
+        </p:nvSpPr>
+        <p:spPr>
+          <a:xfrm>
+            <a:off x="9182567" y="1266988"/>
+            <a:ext cx="2584601" cy="570452"/>
+          </a:xfrm>
+          <a:prstGeom prst="roundRect">
+            <a:avLst/>
+          </a:prstGeom>
+          <a:noFill/>
+          <a:ln>
+            <a:solidFill>
+              <a:schemeClr val="tx1"/>
+            </a:solidFill>
+          </a:ln>
+        </p:spPr>
+        <p:style>
+          <a:lnRef idx="2">
+            <a:schemeClr val="accent1">
+              <a:shade val="50000"/>
+            </a:schemeClr>
+          </a:lnRef>
+          <a:fillRef idx="1">
+            <a:schemeClr val="accent1"/>
+          </a:fillRef>
+          <a:effectRef idx="0">
+            <a:schemeClr val="accent1"/>
+          </a:effectRef>
+          <a:fontRef idx="minor">
+            <a:schemeClr val="lt1"/>
+          </a:fontRef>
+        </p:style>
+        <p:txBody>
+          <a:bodyPr rtlCol="0" anchor="ctr"/>
+          <a:lstStyle/>
+          <a:p>
+            <a:pPr algn="ctr"/>
+            <a:r>
+              <a:rPr lang="en-US" altLang="ko-KR" dirty="0">
+                <a:solidFill>
+                  <a:sysClr val="windowText" lastClr="000000"/>
+                </a:solidFill>
+              </a:rPr>
+              <a:t>“</a:t>
+            </a:r>
+            <a:r>
+              <a:rPr lang="ko-KR" altLang="en-US" dirty="0">
+                <a:solidFill>
+                  <a:sysClr val="windowText" lastClr="000000"/>
+                </a:solidFill>
+              </a:rPr>
+              <a:t>원석이 부족합니다</a:t>
+            </a:r>
+            <a:r>
+              <a:rPr lang="en-US" altLang="ko-KR" dirty="0">
+                <a:solidFill>
+                  <a:sysClr val="windowText" lastClr="000000"/>
+                </a:solidFill>
+              </a:rPr>
+              <a:t>.”</a:t>
+            </a:r>
+            <a:endParaRPr lang="ko-KR" altLang="en-US" dirty="0">
+              <a:solidFill>
+                <a:sysClr val="windowText" lastClr="000000"/>
+              </a:solidFill>
+            </a:endParaRPr>
+          </a:p>
+        </p:txBody>
+      </p:sp>
+      <p:cxnSp>
+        <p:nvCxnSpPr>
+          <p:cNvPr id="77" name="직선 화살표 연결선 76">
+            <a:extLst>
+              <a:ext uri="{FF2B5EF4-FFF2-40B4-BE49-F238E27FC236}">
+                <a16:creationId xmlns:a16="http://schemas.microsoft.com/office/drawing/2014/main" id="{0743B2D8-0D54-4F2C-9753-925AE436D1EA}"/>
+              </a:ext>
+            </a:extLst>
+          </p:cNvPr>
+          <p:cNvCxnSpPr>
+            <a:cxnSpLocks/>
+            <a:stCxn id="74" idx="2"/>
+            <a:endCxn id="86" idx="0"/>
+          </p:cNvCxnSpPr>
+          <p:nvPr/>
+        </p:nvCxnSpPr>
+        <p:spPr>
+          <a:xfrm flipH="1">
+            <a:off x="7612385" y="869174"/>
+            <a:ext cx="1" cy="269249"/>
+          </a:xfrm>
+          <a:prstGeom prst="straightConnector1">
+            <a:avLst/>
+          </a:prstGeom>
+          <a:ln w="38100" cmpd="sng">
+            <a:solidFill>
+              <a:schemeClr val="tx1"/>
+            </a:solidFill>
+            <a:tailEnd type="triangle"/>
+          </a:ln>
+        </p:spPr>
+        <p:style>
+          <a:lnRef idx="1">
+            <a:schemeClr val="accent1"/>
+          </a:lnRef>
+          <a:fillRef idx="0">
+            <a:schemeClr val="accent1"/>
+          </a:fillRef>
+          <a:effectRef idx="0">
+            <a:schemeClr val="accent1"/>
+          </a:effectRef>
+          <a:fontRef idx="minor">
+            <a:schemeClr val="tx1"/>
+          </a:fontRef>
+        </p:style>
+      </p:cxnSp>
+      <p:cxnSp>
+        <p:nvCxnSpPr>
+          <p:cNvPr id="78" name="연결선: 꺾임 77">
+            <a:extLst>
+              <a:ext uri="{FF2B5EF4-FFF2-40B4-BE49-F238E27FC236}">
+                <a16:creationId xmlns:a16="http://schemas.microsoft.com/office/drawing/2014/main" id="{B38B8C12-D361-4B5B-8188-348AC8FF2595}"/>
+              </a:ext>
+            </a:extLst>
+          </p:cNvPr>
+          <p:cNvCxnSpPr>
+            <a:cxnSpLocks/>
+            <a:stCxn id="80" idx="2"/>
+            <a:endCxn id="92" idx="0"/>
+          </p:cNvCxnSpPr>
+          <p:nvPr/>
+        </p:nvCxnSpPr>
+        <p:spPr>
+          <a:xfrm rot="16200000" flipH="1">
+            <a:off x="8185393" y="2138187"/>
+            <a:ext cx="285226" cy="1431241"/>
+          </a:xfrm>
+          <a:prstGeom prst="bentConnector3">
+            <a:avLst>
+              <a:gd name="adj1" fmla="val 50000"/>
+            </a:avLst>
+          </a:prstGeom>
+          <a:ln w="38100">
+            <a:solidFill>
+              <a:schemeClr val="tx1"/>
+            </a:solidFill>
+            <a:tailEnd type="triangle"/>
+          </a:ln>
+        </p:spPr>
+        <p:style>
+          <a:lnRef idx="1">
+            <a:schemeClr val="accent1"/>
+          </a:lnRef>
+          <a:fillRef idx="0">
+            <a:schemeClr val="accent1"/>
+          </a:fillRef>
+          <a:effectRef idx="0">
+            <a:schemeClr val="accent1"/>
+          </a:effectRef>
+          <a:fontRef idx="minor">
+            <a:schemeClr val="tx1"/>
+          </a:fontRef>
+        </p:style>
+      </p:cxnSp>
+      <p:sp>
+        <p:nvSpPr>
+          <p:cNvPr id="79" name="사각형: 둥근 모서리 78">
+            <a:extLst>
+              <a:ext uri="{FF2B5EF4-FFF2-40B4-BE49-F238E27FC236}">
+                <a16:creationId xmlns:a16="http://schemas.microsoft.com/office/drawing/2014/main" id="{49458E09-7603-4994-A4D4-4B349FA79234}"/>
+              </a:ext>
+            </a:extLst>
+          </p:cNvPr>
+          <p:cNvSpPr/>
+          <p:nvPr/>
+        </p:nvSpPr>
+        <p:spPr>
+          <a:xfrm>
+            <a:off x="9182567" y="2140743"/>
+            <a:ext cx="2584601" cy="570452"/>
+          </a:xfrm>
+          <a:prstGeom prst="roundRect">
+            <a:avLst/>
+          </a:prstGeom>
+          <a:noFill/>
+          <a:ln>
+            <a:solidFill>
+              <a:schemeClr val="tx1"/>
+            </a:solidFill>
+          </a:ln>
+        </p:spPr>
+        <p:style>
+          <a:lnRef idx="2">
+            <a:schemeClr val="accent1">
+              <a:shade val="50000"/>
+            </a:schemeClr>
+          </a:lnRef>
+          <a:fillRef idx="1">
+            <a:schemeClr val="accent1"/>
+          </a:fillRef>
+          <a:effectRef idx="0">
+            <a:schemeClr val="accent1"/>
+          </a:effectRef>
+          <a:fontRef idx="minor">
+            <a:schemeClr val="lt1"/>
+          </a:fontRef>
+        </p:style>
+        <p:txBody>
+          <a:bodyPr rtlCol="0" anchor="ctr"/>
+          <a:lstStyle/>
+          <a:p>
+            <a:pPr algn="ctr"/>
+            <a:r>
+              <a:rPr lang="ko-KR" altLang="en-US" dirty="0">
+                <a:solidFill>
+                  <a:sysClr val="windowText" lastClr="000000"/>
+                </a:solidFill>
+              </a:rPr>
+              <a:t>과정 종료</a:t>
+            </a:r>
+          </a:p>
+        </p:txBody>
+      </p:sp>
+      <p:sp>
+        <p:nvSpPr>
+          <p:cNvPr id="80" name="사각형: 둥근 모서리 79">
+            <a:extLst>
+              <a:ext uri="{FF2B5EF4-FFF2-40B4-BE49-F238E27FC236}">
+                <a16:creationId xmlns:a16="http://schemas.microsoft.com/office/drawing/2014/main" id="{4C3AD8B5-FDC9-4962-A02A-612F6382EA14}"/>
+              </a:ext>
+            </a:extLst>
+          </p:cNvPr>
+          <p:cNvSpPr/>
+          <p:nvPr/>
+        </p:nvSpPr>
+        <p:spPr>
+          <a:xfrm>
+            <a:off x="6320085" y="2140743"/>
+            <a:ext cx="2584601" cy="570452"/>
+          </a:xfrm>
+          <a:prstGeom prst="roundRect">
+            <a:avLst/>
+          </a:prstGeom>
+          <a:noFill/>
+          <a:ln>
+            <a:solidFill>
+              <a:schemeClr val="tx1"/>
+            </a:solidFill>
+          </a:ln>
+        </p:spPr>
+        <p:style>
+          <a:lnRef idx="2">
+            <a:schemeClr val="accent1">
+              <a:shade val="50000"/>
+            </a:schemeClr>
+          </a:lnRef>
+          <a:fillRef idx="1">
+            <a:schemeClr val="accent1"/>
+          </a:fillRef>
+          <a:effectRef idx="0">
+            <a:schemeClr val="accent1"/>
+          </a:effectRef>
+          <a:fontRef idx="minor">
+            <a:schemeClr val="lt1"/>
+          </a:fontRef>
+        </p:style>
+        <p:txBody>
+          <a:bodyPr rtlCol="0" anchor="ctr"/>
+          <a:lstStyle/>
+          <a:p>
+            <a:pPr algn="ctr"/>
+            <a:r>
+              <a:rPr lang="ko-KR" altLang="en-US" dirty="0">
+                <a:solidFill>
+                  <a:sysClr val="windowText" lastClr="000000"/>
+                </a:solidFill>
+              </a:rPr>
+              <a:t>원석가공 기능 동작</a:t>
+            </a:r>
+          </a:p>
+        </p:txBody>
+      </p:sp>
+      <p:sp>
+        <p:nvSpPr>
+          <p:cNvPr id="81" name="순서도: 판단 80">
+            <a:extLst>
+              <a:ext uri="{FF2B5EF4-FFF2-40B4-BE49-F238E27FC236}">
+                <a16:creationId xmlns:a16="http://schemas.microsoft.com/office/drawing/2014/main" id="{C905D078-069F-4D26-A157-C609446A42ED}"/>
+              </a:ext>
+            </a:extLst>
+          </p:cNvPr>
+          <p:cNvSpPr/>
+          <p:nvPr/>
+        </p:nvSpPr>
+        <p:spPr>
+          <a:xfrm>
+            <a:off x="6717671" y="4260696"/>
+            <a:ext cx="1881241" cy="518433"/>
+          </a:xfrm>
+          <a:prstGeom prst="flowChartDecision">
+            <a:avLst/>
+          </a:prstGeom>
+          <a:noFill/>
+          <a:ln>
+            <a:solidFill>
+              <a:schemeClr val="tx1"/>
+            </a:solidFill>
+          </a:ln>
+        </p:spPr>
+        <p:style>
+          <a:lnRef idx="2">
+            <a:schemeClr val="accent1">
+              <a:shade val="50000"/>
+            </a:schemeClr>
+          </a:lnRef>
+          <a:fillRef idx="1">
+            <a:schemeClr val="accent1"/>
+          </a:fillRef>
+          <a:effectRef idx="0">
+            <a:schemeClr val="accent1"/>
+          </a:effectRef>
+          <a:fontRef idx="minor">
+            <a:schemeClr val="lt1"/>
+          </a:fontRef>
+        </p:style>
+        <p:txBody>
+          <a:bodyPr rtlCol="0" anchor="ctr"/>
+          <a:lstStyle/>
+          <a:p>
+            <a:pPr algn="ctr"/>
+            <a:endParaRPr lang="ko-KR" altLang="en-US" sz="1400" dirty="0">
+              <a:solidFill>
+                <a:sysClr val="windowText" lastClr="000000"/>
+              </a:solidFill>
+            </a:endParaRPr>
+          </a:p>
+        </p:txBody>
+      </p:sp>
+      <p:sp>
+        <p:nvSpPr>
+          <p:cNvPr id="82" name="TextBox 81">
+            <a:extLst>
+              <a:ext uri="{FF2B5EF4-FFF2-40B4-BE49-F238E27FC236}">
+                <a16:creationId xmlns:a16="http://schemas.microsoft.com/office/drawing/2014/main" id="{70928332-7070-46B6-B73A-285248E57317}"/>
+              </a:ext>
+            </a:extLst>
+          </p:cNvPr>
+          <p:cNvSpPr txBox="1"/>
+          <p:nvPr/>
+        </p:nvSpPr>
+        <p:spPr>
+          <a:xfrm>
+            <a:off x="6917642" y="4391137"/>
+            <a:ext cx="1508101" cy="307777"/>
+          </a:xfrm>
+          <a:prstGeom prst="rect">
+            <a:avLst/>
+          </a:prstGeom>
+          <a:noFill/>
+        </p:spPr>
+        <p:txBody>
+          <a:bodyPr wrap="square" rtlCol="0">
+            <a:spAutoFit/>
+          </a:bodyPr>
+          <a:lstStyle/>
+          <a:p>
+            <a:r>
+              <a:rPr lang="ko-KR" altLang="en-US" sz="1400" dirty="0" err="1"/>
+              <a:t>터치수</a:t>
+            </a:r>
+            <a:r>
+              <a:rPr lang="ko-KR" altLang="en-US" sz="1400" dirty="0"/>
+              <a:t> </a:t>
+            </a:r>
+            <a:r>
+              <a:rPr lang="en-US" altLang="ko-KR" sz="1400" dirty="0"/>
+              <a:t>100 </a:t>
+            </a:r>
+            <a:r>
+              <a:rPr lang="ko-KR" altLang="en-US" sz="1400" dirty="0"/>
+              <a:t>이상</a:t>
+            </a:r>
+          </a:p>
+        </p:txBody>
+      </p:sp>
+      <p:sp>
+        <p:nvSpPr>
+          <p:cNvPr id="86" name="순서도: 판단 85">
+            <a:extLst>
+              <a:ext uri="{FF2B5EF4-FFF2-40B4-BE49-F238E27FC236}">
+                <a16:creationId xmlns:a16="http://schemas.microsoft.com/office/drawing/2014/main" id="{AF6BF37C-949C-4FF0-9899-2ADEA521AAC6}"/>
+              </a:ext>
+            </a:extLst>
+          </p:cNvPr>
+          <p:cNvSpPr/>
+          <p:nvPr/>
+        </p:nvSpPr>
+        <p:spPr>
+          <a:xfrm>
+            <a:off x="6320085" y="1138423"/>
+            <a:ext cx="2584600" cy="827585"/>
+          </a:xfrm>
+          <a:prstGeom prst="flowChartDecision">
+            <a:avLst/>
+          </a:prstGeom>
+          <a:noFill/>
+          <a:ln>
+            <a:solidFill>
+              <a:schemeClr val="tx1"/>
+            </a:solidFill>
+          </a:ln>
+        </p:spPr>
+        <p:style>
+          <a:lnRef idx="2">
+            <a:schemeClr val="accent1">
+              <a:shade val="50000"/>
+            </a:schemeClr>
+          </a:lnRef>
+          <a:fillRef idx="1">
+            <a:schemeClr val="accent1"/>
+          </a:fillRef>
+          <a:effectRef idx="0">
+            <a:schemeClr val="accent1"/>
+          </a:effectRef>
+          <a:fontRef idx="minor">
+            <a:schemeClr val="lt1"/>
+          </a:fontRef>
+        </p:style>
+        <p:txBody>
+          <a:bodyPr rtlCol="0" anchor="ctr"/>
+          <a:lstStyle/>
+          <a:p>
+            <a:pPr algn="ctr"/>
+            <a:endParaRPr lang="ko-KR" altLang="en-US" sz="1400" dirty="0">
+              <a:solidFill>
+                <a:sysClr val="windowText" lastClr="000000"/>
+              </a:solidFill>
+            </a:endParaRPr>
+          </a:p>
+        </p:txBody>
+      </p:sp>
+      <p:sp>
+        <p:nvSpPr>
+          <p:cNvPr id="87" name="TextBox 86">
+            <a:extLst>
+              <a:ext uri="{FF2B5EF4-FFF2-40B4-BE49-F238E27FC236}">
+                <a16:creationId xmlns:a16="http://schemas.microsoft.com/office/drawing/2014/main" id="{798A3201-D7F7-430F-AF20-112ECDBCFB75}"/>
+              </a:ext>
+            </a:extLst>
+          </p:cNvPr>
+          <p:cNvSpPr txBox="1"/>
+          <p:nvPr/>
+        </p:nvSpPr>
+        <p:spPr>
+          <a:xfrm>
+            <a:off x="6361597" y="1398326"/>
+            <a:ext cx="2411238" cy="276999"/>
+          </a:xfrm>
+          <a:prstGeom prst="rect">
+            <a:avLst/>
+          </a:prstGeom>
+          <a:noFill/>
+        </p:spPr>
+        <p:txBody>
+          <a:bodyPr wrap="none" rtlCol="0">
+            <a:spAutoFit/>
+          </a:bodyPr>
+          <a:lstStyle/>
+          <a:p>
+            <a:pPr algn="ctr"/>
+            <a:r>
+              <a:rPr lang="ko-KR" altLang="en-US" sz="1200" dirty="0">
+                <a:solidFill>
+                  <a:sysClr val="windowText" lastClr="000000"/>
+                </a:solidFill>
+              </a:rPr>
+              <a:t>소유숫자  </a:t>
+            </a:r>
+            <a:r>
+              <a:rPr lang="en-US" altLang="ko-KR" sz="1200" dirty="0">
+                <a:solidFill>
+                  <a:sysClr val="windowText" lastClr="000000"/>
+                </a:solidFill>
+              </a:rPr>
+              <a:t>&gt; </a:t>
+            </a:r>
+            <a:r>
+              <a:rPr lang="ko-KR" altLang="en-US" sz="1200" dirty="0">
+                <a:solidFill>
+                  <a:sysClr val="windowText" lastClr="000000"/>
+                </a:solidFill>
+              </a:rPr>
+              <a:t>가공에 필요한 숫자</a:t>
+            </a:r>
+          </a:p>
+        </p:txBody>
+      </p:sp>
+      <p:sp>
+        <p:nvSpPr>
+          <p:cNvPr id="91" name="순서도: 처리 90">
+            <a:extLst>
+              <a:ext uri="{FF2B5EF4-FFF2-40B4-BE49-F238E27FC236}">
+                <a16:creationId xmlns:a16="http://schemas.microsoft.com/office/drawing/2014/main" id="{8998AA1B-D9B6-4495-8424-EAF0AFD464F6}"/>
+              </a:ext>
+            </a:extLst>
+          </p:cNvPr>
+          <p:cNvSpPr/>
+          <p:nvPr/>
+        </p:nvSpPr>
+        <p:spPr>
+          <a:xfrm>
+            <a:off x="6320085" y="2996421"/>
+            <a:ext cx="5447083" cy="3535217"/>
+          </a:xfrm>
+          <a:prstGeom prst="flowChartProcess">
+            <a:avLst/>
+          </a:prstGeom>
+          <a:noFill/>
+          <a:ln>
+            <a:solidFill>
+              <a:schemeClr val="tx1"/>
+            </a:solidFill>
+          </a:ln>
+        </p:spPr>
+        <p:style>
+          <a:lnRef idx="2">
+            <a:schemeClr val="accent1">
+              <a:shade val="50000"/>
+            </a:schemeClr>
+          </a:lnRef>
+          <a:fillRef idx="1">
+            <a:schemeClr val="accent1"/>
+          </a:fillRef>
+          <a:effectRef idx="0">
+            <a:schemeClr val="accent1"/>
+          </a:effectRef>
+          <a:fontRef idx="minor">
+            <a:schemeClr val="lt1"/>
+          </a:fontRef>
+        </p:style>
+        <p:txBody>
+          <a:bodyPr rtlCol="0" anchor="ctr"/>
+          <a:lstStyle/>
+          <a:p>
+            <a:pPr algn="ctr"/>
+            <a:endParaRPr lang="ko-KR" altLang="en-US"/>
+          </a:p>
+        </p:txBody>
+      </p:sp>
+      <p:sp>
+        <p:nvSpPr>
+          <p:cNvPr id="92" name="순서도: 처리 91">
+            <a:extLst>
+              <a:ext uri="{FF2B5EF4-FFF2-40B4-BE49-F238E27FC236}">
+                <a16:creationId xmlns:a16="http://schemas.microsoft.com/office/drawing/2014/main" id="{C0C68E68-DB65-424A-B26B-71BCA7F17967}"/>
+              </a:ext>
+            </a:extLst>
+          </p:cNvPr>
+          <p:cNvSpPr/>
+          <p:nvPr/>
+        </p:nvSpPr>
+        <p:spPr>
+          <a:xfrm>
+            <a:off x="6320085" y="2996421"/>
+            <a:ext cx="5447083" cy="469302"/>
+          </a:xfrm>
+          <a:prstGeom prst="flowChartProcess">
+            <a:avLst/>
+          </a:prstGeom>
+          <a:noFill/>
+          <a:ln>
+            <a:solidFill>
+              <a:schemeClr val="tx1"/>
+            </a:solidFill>
+          </a:ln>
+        </p:spPr>
+        <p:style>
+          <a:lnRef idx="2">
+            <a:schemeClr val="accent1">
+              <a:shade val="50000"/>
+            </a:schemeClr>
+          </a:lnRef>
+          <a:fillRef idx="1">
+            <a:schemeClr val="accent1"/>
+          </a:fillRef>
+          <a:effectRef idx="0">
+            <a:schemeClr val="accent1"/>
+          </a:effectRef>
+          <a:fontRef idx="minor">
+            <a:schemeClr val="lt1"/>
+          </a:fontRef>
+        </p:style>
+        <p:txBody>
+          <a:bodyPr rtlCol="0" anchor="ctr"/>
+          <a:lstStyle/>
+          <a:p>
+            <a:pPr algn="ctr"/>
+            <a:r>
+              <a:rPr lang="en-US" altLang="ko-KR" dirty="0">
+                <a:solidFill>
+                  <a:sysClr val="windowText" lastClr="000000"/>
+                </a:solidFill>
+              </a:rPr>
+              <a:t>UI</a:t>
+            </a:r>
+            <a:r>
+              <a:rPr lang="ko-KR" altLang="en-US" dirty="0">
+                <a:solidFill>
+                  <a:sysClr val="windowText" lastClr="000000"/>
+                </a:solidFill>
+              </a:rPr>
+              <a:t> 갱신</a:t>
+            </a:r>
+          </a:p>
+        </p:txBody>
+      </p:sp>
+      <p:cxnSp>
+        <p:nvCxnSpPr>
+          <p:cNvPr id="93" name="직선 화살표 연결선 92">
+            <a:extLst>
+              <a:ext uri="{FF2B5EF4-FFF2-40B4-BE49-F238E27FC236}">
+                <a16:creationId xmlns:a16="http://schemas.microsoft.com/office/drawing/2014/main" id="{1317B948-00C1-4365-A6E3-B5A18D0752B5}"/>
+              </a:ext>
+            </a:extLst>
+          </p:cNvPr>
+          <p:cNvCxnSpPr>
+            <a:cxnSpLocks/>
+            <a:stCxn id="86" idx="3"/>
+            <a:endCxn id="76" idx="1"/>
+          </p:cNvCxnSpPr>
+          <p:nvPr/>
+        </p:nvCxnSpPr>
+        <p:spPr>
+          <a:xfrm flipV="1">
+            <a:off x="8904685" y="1552214"/>
+            <a:ext cx="277882" cy="2"/>
+          </a:xfrm>
+          <a:prstGeom prst="straightConnector1">
+            <a:avLst/>
+          </a:prstGeom>
+          <a:ln w="38100" cmpd="sng">
+            <a:solidFill>
+              <a:schemeClr val="tx1"/>
+            </a:solidFill>
+            <a:tailEnd type="triangle"/>
+          </a:ln>
+        </p:spPr>
+        <p:style>
+          <a:lnRef idx="1">
+            <a:schemeClr val="accent1"/>
+          </a:lnRef>
+          <a:fillRef idx="0">
+            <a:schemeClr val="accent1"/>
+          </a:fillRef>
+          <a:effectRef idx="0">
+            <a:schemeClr val="accent1"/>
+          </a:effectRef>
+          <a:fontRef idx="minor">
+            <a:schemeClr val="tx1"/>
+          </a:fontRef>
+        </p:style>
+      </p:cxnSp>
+      <p:cxnSp>
+        <p:nvCxnSpPr>
+          <p:cNvPr id="94" name="직선 화살표 연결선 93">
+            <a:extLst>
+              <a:ext uri="{FF2B5EF4-FFF2-40B4-BE49-F238E27FC236}">
+                <a16:creationId xmlns:a16="http://schemas.microsoft.com/office/drawing/2014/main" id="{5961FB0B-8C4F-4496-AA92-6DCD191E7A7B}"/>
+              </a:ext>
+            </a:extLst>
+          </p:cNvPr>
+          <p:cNvCxnSpPr>
+            <a:cxnSpLocks/>
+            <a:stCxn id="86" idx="2"/>
+            <a:endCxn id="80" idx="0"/>
+          </p:cNvCxnSpPr>
+          <p:nvPr/>
+        </p:nvCxnSpPr>
+        <p:spPr>
+          <a:xfrm>
+            <a:off x="7612385" y="1966008"/>
+            <a:ext cx="1" cy="174735"/>
+          </a:xfrm>
+          <a:prstGeom prst="straightConnector1">
+            <a:avLst/>
+          </a:prstGeom>
+          <a:ln w="38100" cmpd="sng">
+            <a:solidFill>
+              <a:schemeClr val="tx1"/>
+            </a:solidFill>
+            <a:tailEnd type="triangle"/>
+          </a:ln>
+        </p:spPr>
+        <p:style>
+          <a:lnRef idx="1">
+            <a:schemeClr val="accent1"/>
+          </a:lnRef>
+          <a:fillRef idx="0">
+            <a:schemeClr val="accent1"/>
+          </a:fillRef>
+          <a:effectRef idx="0">
+            <a:schemeClr val="accent1"/>
+          </a:effectRef>
+          <a:fontRef idx="minor">
+            <a:schemeClr val="tx1"/>
+          </a:fontRef>
+        </p:style>
+      </p:cxnSp>
+      <p:cxnSp>
+        <p:nvCxnSpPr>
+          <p:cNvPr id="95" name="직선 화살표 연결선 94">
+            <a:extLst>
+              <a:ext uri="{FF2B5EF4-FFF2-40B4-BE49-F238E27FC236}">
+                <a16:creationId xmlns:a16="http://schemas.microsoft.com/office/drawing/2014/main" id="{8EE825B9-1D6E-4DE9-84F7-6BA4C68B1E30}"/>
+              </a:ext>
+            </a:extLst>
+          </p:cNvPr>
+          <p:cNvCxnSpPr>
+            <a:cxnSpLocks/>
+            <a:stCxn id="76" idx="2"/>
+            <a:endCxn id="79" idx="0"/>
+          </p:cNvCxnSpPr>
+          <p:nvPr/>
+        </p:nvCxnSpPr>
+        <p:spPr>
+          <a:xfrm>
+            <a:off x="10474868" y="1837440"/>
+            <a:ext cx="0" cy="303303"/>
+          </a:xfrm>
+          <a:prstGeom prst="straightConnector1">
+            <a:avLst/>
+          </a:prstGeom>
+          <a:ln w="38100" cmpd="sng">
+            <a:solidFill>
+              <a:schemeClr val="tx1"/>
+            </a:solidFill>
+            <a:tailEnd type="triangle"/>
+          </a:ln>
+        </p:spPr>
+        <p:style>
+          <a:lnRef idx="1">
+            <a:schemeClr val="accent1"/>
+          </a:lnRef>
+          <a:fillRef idx="0">
+            <a:schemeClr val="accent1"/>
+          </a:fillRef>
+          <a:effectRef idx="0">
+            <a:schemeClr val="accent1"/>
+          </a:effectRef>
+          <a:fontRef idx="minor">
+            <a:schemeClr val="tx1"/>
+          </a:fontRef>
+        </p:style>
+      </p:cxnSp>
+      <p:cxnSp>
+        <p:nvCxnSpPr>
+          <p:cNvPr id="97" name="직선 화살표 연결선 96">
+            <a:extLst>
+              <a:ext uri="{FF2B5EF4-FFF2-40B4-BE49-F238E27FC236}">
+                <a16:creationId xmlns:a16="http://schemas.microsoft.com/office/drawing/2014/main" id="{2A9DD2B8-98DF-4CA8-8F76-6817A28478C3}"/>
+              </a:ext>
+            </a:extLst>
+          </p:cNvPr>
+          <p:cNvCxnSpPr>
+            <a:cxnSpLocks/>
+            <a:stCxn id="81" idx="3"/>
+            <a:endCxn id="171" idx="1"/>
+          </p:cNvCxnSpPr>
+          <p:nvPr/>
+        </p:nvCxnSpPr>
+        <p:spPr>
+          <a:xfrm flipV="1">
+            <a:off x="8598912" y="4512215"/>
+            <a:ext cx="657273" cy="7698"/>
+          </a:xfrm>
+          <a:prstGeom prst="straightConnector1">
+            <a:avLst/>
+          </a:prstGeom>
+          <a:ln w="38100" cmpd="sng">
+            <a:solidFill>
+              <a:schemeClr val="tx1"/>
+            </a:solidFill>
+            <a:tailEnd type="triangle"/>
+          </a:ln>
+        </p:spPr>
+        <p:style>
+          <a:lnRef idx="1">
+            <a:schemeClr val="accent1"/>
+          </a:lnRef>
+          <a:fillRef idx="0">
+            <a:schemeClr val="accent1"/>
+          </a:fillRef>
+          <a:effectRef idx="0">
+            <a:schemeClr val="accent1"/>
+          </a:effectRef>
+          <a:fontRef idx="minor">
+            <a:schemeClr val="tx1"/>
+          </a:fontRef>
+        </p:style>
+      </p:cxnSp>
+      <p:cxnSp>
+        <p:nvCxnSpPr>
+          <p:cNvPr id="98" name="직선 화살표 연결선 97">
+            <a:extLst>
+              <a:ext uri="{FF2B5EF4-FFF2-40B4-BE49-F238E27FC236}">
+                <a16:creationId xmlns:a16="http://schemas.microsoft.com/office/drawing/2014/main" id="{E09468C4-EACD-438A-B6B7-934D94BE240C}"/>
+              </a:ext>
+            </a:extLst>
+          </p:cNvPr>
+          <p:cNvCxnSpPr>
+            <a:cxnSpLocks/>
+            <a:stCxn id="75" idx="2"/>
+            <a:endCxn id="81" idx="0"/>
+          </p:cNvCxnSpPr>
+          <p:nvPr/>
+        </p:nvCxnSpPr>
+        <p:spPr>
+          <a:xfrm>
+            <a:off x="7658292" y="4085311"/>
+            <a:ext cx="0" cy="175385"/>
+          </a:xfrm>
+          <a:prstGeom prst="straightConnector1">
+            <a:avLst/>
+          </a:prstGeom>
+          <a:ln w="38100" cmpd="sng">
+            <a:solidFill>
+              <a:schemeClr val="tx1"/>
+            </a:solidFill>
+            <a:tailEnd type="triangle"/>
+          </a:ln>
+        </p:spPr>
+        <p:style>
+          <a:lnRef idx="1">
+            <a:schemeClr val="accent1"/>
+          </a:lnRef>
+          <a:fillRef idx="0">
+            <a:schemeClr val="accent1"/>
+          </a:fillRef>
+          <a:effectRef idx="0">
+            <a:schemeClr val="accent1"/>
+          </a:effectRef>
+          <a:fontRef idx="minor">
+            <a:schemeClr val="tx1"/>
+          </a:fontRef>
+        </p:style>
+      </p:cxnSp>
+      <p:cxnSp>
+        <p:nvCxnSpPr>
+          <p:cNvPr id="100" name="직선 화살표 연결선 99">
+            <a:extLst>
+              <a:ext uri="{FF2B5EF4-FFF2-40B4-BE49-F238E27FC236}">
+                <a16:creationId xmlns:a16="http://schemas.microsoft.com/office/drawing/2014/main" id="{F7C1604D-6136-4BF1-97C6-306B319F28D4}"/>
+              </a:ext>
+            </a:extLst>
+          </p:cNvPr>
+          <p:cNvCxnSpPr>
+            <a:cxnSpLocks/>
+            <a:stCxn id="140" idx="3"/>
+            <a:endCxn id="170" idx="1"/>
+          </p:cNvCxnSpPr>
+          <p:nvPr/>
+        </p:nvCxnSpPr>
+        <p:spPr>
+          <a:xfrm flipV="1">
+            <a:off x="8598912" y="5183807"/>
+            <a:ext cx="657273" cy="744"/>
+          </a:xfrm>
+          <a:prstGeom prst="straightConnector1">
+            <a:avLst/>
+          </a:prstGeom>
+          <a:ln w="38100" cmpd="sng">
+            <a:solidFill>
+              <a:schemeClr val="tx1"/>
+            </a:solidFill>
+            <a:tailEnd type="triangle"/>
+          </a:ln>
+        </p:spPr>
+        <p:style>
+          <a:lnRef idx="1">
+            <a:schemeClr val="accent1"/>
+          </a:lnRef>
+          <a:fillRef idx="0">
+            <a:schemeClr val="accent1"/>
+          </a:fillRef>
+          <a:effectRef idx="0">
+            <a:schemeClr val="accent1"/>
+          </a:effectRef>
+          <a:fontRef idx="minor">
+            <a:schemeClr val="tx1"/>
+          </a:fontRef>
+        </p:style>
+      </p:cxnSp>
+      <p:sp>
+        <p:nvSpPr>
+          <p:cNvPr id="103" name="TextBox 102">
+            <a:extLst>
+              <a:ext uri="{FF2B5EF4-FFF2-40B4-BE49-F238E27FC236}">
+                <a16:creationId xmlns:a16="http://schemas.microsoft.com/office/drawing/2014/main" id="{496D4AED-945E-441B-9140-EEFE0A710B85}"/>
+              </a:ext>
+            </a:extLst>
+          </p:cNvPr>
+          <p:cNvSpPr txBox="1"/>
+          <p:nvPr/>
+        </p:nvSpPr>
+        <p:spPr>
+          <a:xfrm>
+            <a:off x="8252574" y="4214404"/>
+            <a:ext cx="624658" cy="369332"/>
+          </a:xfrm>
+          <a:prstGeom prst="rect">
+            <a:avLst/>
+          </a:prstGeom>
+          <a:noFill/>
+        </p:spPr>
+        <p:txBody>
+          <a:bodyPr wrap="none" rtlCol="0">
+            <a:spAutoFit/>
+          </a:bodyPr>
+          <a:lstStyle/>
+          <a:p>
+            <a:r>
+              <a:rPr lang="en-US" altLang="ko-KR" dirty="0"/>
+              <a:t>True</a:t>
+            </a:r>
+            <a:endParaRPr lang="ko-KR" altLang="en-US" dirty="0"/>
+          </a:p>
+        </p:txBody>
+      </p:sp>
+      <p:sp>
+        <p:nvSpPr>
+          <p:cNvPr id="104" name="TextBox 103">
+            <a:extLst>
+              <a:ext uri="{FF2B5EF4-FFF2-40B4-BE49-F238E27FC236}">
+                <a16:creationId xmlns:a16="http://schemas.microsoft.com/office/drawing/2014/main" id="{F47E36A5-C3FF-4D24-89BC-6324EDCA4971}"/>
+              </a:ext>
+            </a:extLst>
+          </p:cNvPr>
+          <p:cNvSpPr txBox="1"/>
+          <p:nvPr/>
+        </p:nvSpPr>
+        <p:spPr>
+          <a:xfrm>
+            <a:off x="8252574" y="4869014"/>
+            <a:ext cx="624658" cy="369332"/>
+          </a:xfrm>
+          <a:prstGeom prst="rect">
+            <a:avLst/>
+          </a:prstGeom>
+          <a:noFill/>
+        </p:spPr>
+        <p:txBody>
+          <a:bodyPr wrap="none" rtlCol="0">
+            <a:spAutoFit/>
+          </a:bodyPr>
+          <a:lstStyle/>
+          <a:p>
+            <a:r>
+              <a:rPr lang="en-US" altLang="ko-KR" dirty="0"/>
+              <a:t>True</a:t>
+            </a:r>
+            <a:endParaRPr lang="ko-KR" altLang="en-US" dirty="0"/>
+          </a:p>
+        </p:txBody>
+      </p:sp>
+      <p:sp>
+        <p:nvSpPr>
+          <p:cNvPr id="105" name="TextBox 104">
+            <a:extLst>
+              <a:ext uri="{FF2B5EF4-FFF2-40B4-BE49-F238E27FC236}">
+                <a16:creationId xmlns:a16="http://schemas.microsoft.com/office/drawing/2014/main" id="{F6D833AB-0924-4FAD-9397-71A083D262F6}"/>
+              </a:ext>
+            </a:extLst>
+          </p:cNvPr>
+          <p:cNvSpPr txBox="1"/>
+          <p:nvPr/>
+        </p:nvSpPr>
+        <p:spPr>
+          <a:xfrm>
+            <a:off x="6412036" y="4582938"/>
+            <a:ext cx="689997" cy="369332"/>
+          </a:xfrm>
+          <a:prstGeom prst="rect">
+            <a:avLst/>
+          </a:prstGeom>
+          <a:noFill/>
+        </p:spPr>
+        <p:txBody>
+          <a:bodyPr wrap="none" rtlCol="0">
+            <a:spAutoFit/>
+          </a:bodyPr>
+          <a:lstStyle/>
+          <a:p>
+            <a:r>
+              <a:rPr lang="en-US" altLang="ko-KR" dirty="0"/>
+              <a:t>False</a:t>
+            </a:r>
+            <a:endParaRPr lang="ko-KR" altLang="en-US" dirty="0"/>
+          </a:p>
+        </p:txBody>
+      </p:sp>
+      <p:cxnSp>
+        <p:nvCxnSpPr>
+          <p:cNvPr id="114" name="직선 화살표 연결선 113">
+            <a:extLst>
+              <a:ext uri="{FF2B5EF4-FFF2-40B4-BE49-F238E27FC236}">
+                <a16:creationId xmlns:a16="http://schemas.microsoft.com/office/drawing/2014/main" id="{27D8DE09-D598-4B06-A7F0-5BB0A399099A}"/>
+              </a:ext>
+            </a:extLst>
+          </p:cNvPr>
+          <p:cNvCxnSpPr>
+            <a:cxnSpLocks/>
+            <a:stCxn id="81" idx="2"/>
+            <a:endCxn id="140" idx="0"/>
+          </p:cNvCxnSpPr>
+          <p:nvPr/>
+        </p:nvCxnSpPr>
+        <p:spPr>
+          <a:xfrm>
+            <a:off x="7658292" y="4779129"/>
+            <a:ext cx="0" cy="146205"/>
+          </a:xfrm>
+          <a:prstGeom prst="straightConnector1">
+            <a:avLst/>
+          </a:prstGeom>
+          <a:ln w="38100" cmpd="sng">
+            <a:solidFill>
+              <a:schemeClr val="tx1"/>
+            </a:solidFill>
+            <a:tailEnd type="triangle"/>
+          </a:ln>
+        </p:spPr>
+        <p:style>
+          <a:lnRef idx="1">
+            <a:schemeClr val="accent1"/>
+          </a:lnRef>
+          <a:fillRef idx="0">
+            <a:schemeClr val="accent1"/>
+          </a:fillRef>
+          <a:effectRef idx="0">
+            <a:schemeClr val="accent1"/>
+          </a:effectRef>
+          <a:fontRef idx="minor">
+            <a:schemeClr val="tx1"/>
+          </a:fontRef>
+        </p:style>
+      </p:cxnSp>
+      <p:sp>
+        <p:nvSpPr>
+          <p:cNvPr id="140" name="순서도: 판단 139">
+            <a:extLst>
+              <a:ext uri="{FF2B5EF4-FFF2-40B4-BE49-F238E27FC236}">
+                <a16:creationId xmlns:a16="http://schemas.microsoft.com/office/drawing/2014/main" id="{23DA201C-3A53-42FB-B9A4-4AC21EC6A8F8}"/>
+              </a:ext>
+            </a:extLst>
+          </p:cNvPr>
+          <p:cNvSpPr/>
+          <p:nvPr/>
+        </p:nvSpPr>
+        <p:spPr>
+          <a:xfrm>
+            <a:off x="6717671" y="4925334"/>
+            <a:ext cx="1881241" cy="518433"/>
+          </a:xfrm>
+          <a:prstGeom prst="flowChartDecision">
+            <a:avLst/>
+          </a:prstGeom>
+          <a:noFill/>
+          <a:ln>
+            <a:solidFill>
+              <a:schemeClr val="tx1"/>
+            </a:solidFill>
+          </a:ln>
+        </p:spPr>
+        <p:style>
+          <a:lnRef idx="2">
+            <a:schemeClr val="accent1">
+              <a:shade val="50000"/>
+            </a:schemeClr>
+          </a:lnRef>
+          <a:fillRef idx="1">
+            <a:schemeClr val="accent1"/>
+          </a:fillRef>
+          <a:effectRef idx="0">
+            <a:schemeClr val="accent1"/>
+          </a:effectRef>
+          <a:fontRef idx="minor">
+            <a:schemeClr val="lt1"/>
+          </a:fontRef>
+        </p:style>
+        <p:txBody>
+          <a:bodyPr rtlCol="0" anchor="ctr"/>
+          <a:lstStyle/>
+          <a:p>
+            <a:pPr algn="ctr"/>
+            <a:endParaRPr lang="ko-KR" altLang="en-US" sz="1400" dirty="0">
+              <a:solidFill>
+                <a:sysClr val="windowText" lastClr="000000"/>
+              </a:solidFill>
+            </a:endParaRPr>
+          </a:p>
+        </p:txBody>
+      </p:sp>
+      <p:sp>
+        <p:nvSpPr>
+          <p:cNvPr id="141" name="TextBox 140">
+            <a:extLst>
+              <a:ext uri="{FF2B5EF4-FFF2-40B4-BE49-F238E27FC236}">
+                <a16:creationId xmlns:a16="http://schemas.microsoft.com/office/drawing/2014/main" id="{659B2E4A-A798-4C37-9E02-5873C38CCC15}"/>
+              </a:ext>
+            </a:extLst>
+          </p:cNvPr>
+          <p:cNvSpPr txBox="1"/>
+          <p:nvPr/>
+        </p:nvSpPr>
+        <p:spPr>
+          <a:xfrm>
+            <a:off x="6917642" y="5055775"/>
+            <a:ext cx="1508101" cy="307777"/>
+          </a:xfrm>
+          <a:prstGeom prst="rect">
+            <a:avLst/>
+          </a:prstGeom>
+          <a:noFill/>
+        </p:spPr>
+        <p:txBody>
+          <a:bodyPr wrap="square" rtlCol="0">
+            <a:spAutoFit/>
+          </a:bodyPr>
+          <a:lstStyle/>
+          <a:p>
+            <a:r>
+              <a:rPr lang="ko-KR" altLang="en-US" sz="1400" dirty="0" err="1"/>
+              <a:t>터치수</a:t>
+            </a:r>
+            <a:r>
+              <a:rPr lang="ko-KR" altLang="en-US" sz="1400" dirty="0"/>
+              <a:t> </a:t>
+            </a:r>
+            <a:r>
+              <a:rPr lang="en-US" altLang="ko-KR" sz="1400" dirty="0"/>
+              <a:t>50 </a:t>
+            </a:r>
+            <a:r>
+              <a:rPr lang="ko-KR" altLang="en-US" sz="1400" dirty="0"/>
+              <a:t>이상</a:t>
+            </a:r>
+          </a:p>
+        </p:txBody>
+      </p:sp>
+      <p:sp>
+        <p:nvSpPr>
+          <p:cNvPr id="147" name="TextBox 146">
+            <a:extLst>
+              <a:ext uri="{FF2B5EF4-FFF2-40B4-BE49-F238E27FC236}">
+                <a16:creationId xmlns:a16="http://schemas.microsoft.com/office/drawing/2014/main" id="{13DB4F39-505C-493D-B96C-746A4931C0B4}"/>
+              </a:ext>
+            </a:extLst>
+          </p:cNvPr>
+          <p:cNvSpPr txBox="1"/>
+          <p:nvPr/>
+        </p:nvSpPr>
+        <p:spPr>
+          <a:xfrm>
+            <a:off x="6412036" y="5184550"/>
+            <a:ext cx="689997" cy="369332"/>
+          </a:xfrm>
+          <a:prstGeom prst="rect">
+            <a:avLst/>
+          </a:prstGeom>
+          <a:noFill/>
+        </p:spPr>
+        <p:txBody>
+          <a:bodyPr wrap="none" rtlCol="0">
+            <a:spAutoFit/>
+          </a:bodyPr>
+          <a:lstStyle/>
+          <a:p>
+            <a:r>
+              <a:rPr lang="en-US" altLang="ko-KR" dirty="0"/>
+              <a:t>False</a:t>
+            </a:r>
+            <a:endParaRPr lang="ko-KR" altLang="en-US" dirty="0"/>
+          </a:p>
+        </p:txBody>
+      </p:sp>
+      <p:sp>
+        <p:nvSpPr>
+          <p:cNvPr id="150" name="TextBox 149">
+            <a:extLst>
+              <a:ext uri="{FF2B5EF4-FFF2-40B4-BE49-F238E27FC236}">
+                <a16:creationId xmlns:a16="http://schemas.microsoft.com/office/drawing/2014/main" id="{42557AD1-BA9A-4EAE-8E7B-1731767B859D}"/>
+              </a:ext>
+            </a:extLst>
+          </p:cNvPr>
+          <p:cNvSpPr txBox="1"/>
+          <p:nvPr/>
+        </p:nvSpPr>
+        <p:spPr>
+          <a:xfrm>
+            <a:off x="8252574" y="5521704"/>
+            <a:ext cx="624658" cy="369332"/>
+          </a:xfrm>
+          <a:prstGeom prst="rect">
+            <a:avLst/>
+          </a:prstGeom>
+          <a:noFill/>
+        </p:spPr>
+        <p:txBody>
+          <a:bodyPr wrap="none" rtlCol="0">
+            <a:spAutoFit/>
+          </a:bodyPr>
+          <a:lstStyle/>
+          <a:p>
+            <a:r>
+              <a:rPr lang="en-US" altLang="ko-KR" dirty="0"/>
+              <a:t>True</a:t>
+            </a:r>
+            <a:endParaRPr lang="ko-KR" altLang="en-US" dirty="0"/>
+          </a:p>
+        </p:txBody>
+      </p:sp>
+      <p:sp>
+        <p:nvSpPr>
+          <p:cNvPr id="151" name="순서도: 판단 150">
+            <a:extLst>
+              <a:ext uri="{FF2B5EF4-FFF2-40B4-BE49-F238E27FC236}">
+                <a16:creationId xmlns:a16="http://schemas.microsoft.com/office/drawing/2014/main" id="{843E0592-B037-498B-B9AA-5830FDF324E2}"/>
+              </a:ext>
+            </a:extLst>
+          </p:cNvPr>
+          <p:cNvSpPr/>
+          <p:nvPr/>
+        </p:nvSpPr>
+        <p:spPr>
+          <a:xfrm>
+            <a:off x="6717671" y="5578024"/>
+            <a:ext cx="1881241" cy="518433"/>
+          </a:xfrm>
+          <a:prstGeom prst="flowChartDecision">
+            <a:avLst/>
+          </a:prstGeom>
+          <a:noFill/>
+          <a:ln>
+            <a:solidFill>
+              <a:schemeClr val="tx1"/>
+            </a:solidFill>
+          </a:ln>
+        </p:spPr>
+        <p:style>
+          <a:lnRef idx="2">
+            <a:schemeClr val="accent1">
+              <a:shade val="50000"/>
+            </a:schemeClr>
+          </a:lnRef>
+          <a:fillRef idx="1">
+            <a:schemeClr val="accent1"/>
+          </a:fillRef>
+          <a:effectRef idx="0">
+            <a:schemeClr val="accent1"/>
+          </a:effectRef>
+          <a:fontRef idx="minor">
+            <a:schemeClr val="lt1"/>
+          </a:fontRef>
+        </p:style>
+        <p:txBody>
+          <a:bodyPr rtlCol="0" anchor="ctr"/>
+          <a:lstStyle/>
+          <a:p>
+            <a:pPr algn="ctr"/>
+            <a:endParaRPr lang="ko-KR" altLang="en-US" sz="1400" dirty="0">
+              <a:solidFill>
+                <a:sysClr val="windowText" lastClr="000000"/>
+              </a:solidFill>
+            </a:endParaRPr>
+          </a:p>
+        </p:txBody>
+      </p:sp>
+      <p:sp>
+        <p:nvSpPr>
+          <p:cNvPr id="152" name="TextBox 151">
+            <a:extLst>
+              <a:ext uri="{FF2B5EF4-FFF2-40B4-BE49-F238E27FC236}">
+                <a16:creationId xmlns:a16="http://schemas.microsoft.com/office/drawing/2014/main" id="{CB123F28-CC34-43B9-8232-28A5C0B552FA}"/>
+              </a:ext>
+            </a:extLst>
+          </p:cNvPr>
+          <p:cNvSpPr txBox="1"/>
+          <p:nvPr/>
+        </p:nvSpPr>
+        <p:spPr>
+          <a:xfrm>
+            <a:off x="6917642" y="5708465"/>
+            <a:ext cx="1508101" cy="307777"/>
+          </a:xfrm>
+          <a:prstGeom prst="rect">
+            <a:avLst/>
+          </a:prstGeom>
+          <a:noFill/>
+        </p:spPr>
+        <p:txBody>
+          <a:bodyPr wrap="square" rtlCol="0">
+            <a:spAutoFit/>
+          </a:bodyPr>
+          <a:lstStyle/>
+          <a:p>
+            <a:r>
+              <a:rPr lang="ko-KR" altLang="en-US" sz="1400" dirty="0" err="1"/>
+              <a:t>터치수</a:t>
+            </a:r>
+            <a:r>
+              <a:rPr lang="ko-KR" altLang="en-US" sz="1400" dirty="0"/>
+              <a:t> </a:t>
+            </a:r>
+            <a:r>
+              <a:rPr lang="en-US" altLang="ko-KR" sz="1400" dirty="0"/>
+              <a:t>30 </a:t>
+            </a:r>
+            <a:r>
+              <a:rPr lang="ko-KR" altLang="en-US" sz="1400" dirty="0"/>
+              <a:t>이상</a:t>
+            </a:r>
+          </a:p>
+        </p:txBody>
+      </p:sp>
+      <p:sp>
+        <p:nvSpPr>
+          <p:cNvPr id="153" name="TextBox 152">
+            <a:extLst>
+              <a:ext uri="{FF2B5EF4-FFF2-40B4-BE49-F238E27FC236}">
+                <a16:creationId xmlns:a16="http://schemas.microsoft.com/office/drawing/2014/main" id="{1DA70147-583F-4A3C-9CE8-7DF60D00955C}"/>
+              </a:ext>
+            </a:extLst>
+          </p:cNvPr>
+          <p:cNvSpPr txBox="1"/>
+          <p:nvPr/>
+        </p:nvSpPr>
+        <p:spPr>
+          <a:xfrm>
+            <a:off x="6412036" y="5837240"/>
+            <a:ext cx="689997" cy="369332"/>
+          </a:xfrm>
+          <a:prstGeom prst="rect">
+            <a:avLst/>
+          </a:prstGeom>
+          <a:noFill/>
+        </p:spPr>
+        <p:txBody>
+          <a:bodyPr wrap="none" rtlCol="0">
+            <a:spAutoFit/>
+          </a:bodyPr>
+          <a:lstStyle/>
+          <a:p>
+            <a:r>
+              <a:rPr lang="en-US" altLang="ko-KR" dirty="0"/>
+              <a:t>False</a:t>
+            </a:r>
+            <a:endParaRPr lang="ko-KR" altLang="en-US" dirty="0"/>
+          </a:p>
+        </p:txBody>
+      </p:sp>
+      <p:cxnSp>
+        <p:nvCxnSpPr>
+          <p:cNvPr id="154" name="직선 화살표 연결선 153">
+            <a:extLst>
+              <a:ext uri="{FF2B5EF4-FFF2-40B4-BE49-F238E27FC236}">
+                <a16:creationId xmlns:a16="http://schemas.microsoft.com/office/drawing/2014/main" id="{A6F33487-6E45-4BB1-8023-37CA5FD24B03}"/>
+              </a:ext>
+            </a:extLst>
+          </p:cNvPr>
+          <p:cNvCxnSpPr>
+            <a:cxnSpLocks/>
+            <a:stCxn id="140" idx="2"/>
+            <a:endCxn id="151" idx="0"/>
+          </p:cNvCxnSpPr>
+          <p:nvPr/>
+        </p:nvCxnSpPr>
+        <p:spPr>
+          <a:xfrm>
+            <a:off x="7658292" y="5443767"/>
+            <a:ext cx="0" cy="134257"/>
+          </a:xfrm>
+          <a:prstGeom prst="straightConnector1">
+            <a:avLst/>
+          </a:prstGeom>
+          <a:ln w="38100" cmpd="sng">
+            <a:solidFill>
+              <a:schemeClr val="tx1"/>
+            </a:solidFill>
+            <a:tailEnd type="triangle"/>
+          </a:ln>
+        </p:spPr>
+        <p:style>
+          <a:lnRef idx="1">
+            <a:schemeClr val="accent1"/>
+          </a:lnRef>
+          <a:fillRef idx="0">
+            <a:schemeClr val="accent1"/>
+          </a:fillRef>
+          <a:effectRef idx="0">
+            <a:schemeClr val="accent1"/>
+          </a:effectRef>
+          <a:fontRef idx="minor">
+            <a:schemeClr val="tx1"/>
+          </a:fontRef>
+        </p:style>
+      </p:cxnSp>
+      <p:sp>
+        <p:nvSpPr>
+          <p:cNvPr id="159" name="순서도: 수행의 시작/종료 158">
+            <a:extLst>
+              <a:ext uri="{FF2B5EF4-FFF2-40B4-BE49-F238E27FC236}">
+                <a16:creationId xmlns:a16="http://schemas.microsoft.com/office/drawing/2014/main" id="{F2DEE987-39E8-4431-94EE-A4AC02DA3D94}"/>
+              </a:ext>
+            </a:extLst>
+          </p:cNvPr>
+          <p:cNvSpPr/>
+          <p:nvPr/>
+        </p:nvSpPr>
+        <p:spPr>
+          <a:xfrm>
+            <a:off x="9256185" y="5673817"/>
+            <a:ext cx="1408922" cy="312500"/>
+          </a:xfrm>
+          <a:prstGeom prst="flowChartTerminator">
+            <a:avLst/>
+          </a:prstGeom>
+          <a:noFill/>
+          <a:ln>
+            <a:solidFill>
+              <a:schemeClr val="tx1"/>
+            </a:solidFill>
+          </a:ln>
+        </p:spPr>
+        <p:style>
+          <a:lnRef idx="2">
+            <a:schemeClr val="accent1">
+              <a:shade val="50000"/>
+            </a:schemeClr>
+          </a:lnRef>
+          <a:fillRef idx="1">
+            <a:schemeClr val="accent1"/>
+          </a:fillRef>
+          <a:effectRef idx="0">
+            <a:schemeClr val="accent1"/>
+          </a:effectRef>
+          <a:fontRef idx="minor">
+            <a:schemeClr val="lt1"/>
+          </a:fontRef>
+        </p:style>
+        <p:txBody>
+          <a:bodyPr rtlCol="0" anchor="ctr"/>
+          <a:lstStyle/>
+          <a:p>
+            <a:pPr algn="ctr"/>
+            <a:r>
+              <a:rPr lang="en-US" altLang="ko-KR" sz="1200" dirty="0">
+                <a:solidFill>
+                  <a:sysClr val="windowText" lastClr="000000"/>
+                </a:solidFill>
+              </a:rPr>
+              <a:t>S</a:t>
+            </a:r>
+            <a:r>
+              <a:rPr lang="ko-KR" altLang="en-US" sz="1200" dirty="0">
+                <a:solidFill>
+                  <a:sysClr val="windowText" lastClr="000000"/>
+                </a:solidFill>
+              </a:rPr>
+              <a:t>급 광물획득</a:t>
+            </a:r>
+          </a:p>
+        </p:txBody>
+      </p:sp>
+      <p:cxnSp>
+        <p:nvCxnSpPr>
+          <p:cNvPr id="160" name="직선 화살표 연결선 159">
+            <a:extLst>
+              <a:ext uri="{FF2B5EF4-FFF2-40B4-BE49-F238E27FC236}">
+                <a16:creationId xmlns:a16="http://schemas.microsoft.com/office/drawing/2014/main" id="{7EEF7E90-E348-4D5A-8C2D-74AD85C8E839}"/>
+              </a:ext>
+            </a:extLst>
+          </p:cNvPr>
+          <p:cNvCxnSpPr>
+            <a:cxnSpLocks/>
+            <a:stCxn id="151" idx="3"/>
+            <a:endCxn id="159" idx="1"/>
+          </p:cNvCxnSpPr>
+          <p:nvPr/>
+        </p:nvCxnSpPr>
+        <p:spPr>
+          <a:xfrm flipV="1">
+            <a:off x="8598912" y="5830067"/>
+            <a:ext cx="657273" cy="7174"/>
+          </a:xfrm>
+          <a:prstGeom prst="straightConnector1">
+            <a:avLst/>
+          </a:prstGeom>
+          <a:ln w="38100" cmpd="sng">
+            <a:solidFill>
+              <a:schemeClr val="tx1"/>
+            </a:solidFill>
+            <a:tailEnd type="triangle"/>
+          </a:ln>
+        </p:spPr>
+        <p:style>
+          <a:lnRef idx="1">
+            <a:schemeClr val="accent1"/>
+          </a:lnRef>
+          <a:fillRef idx="0">
+            <a:schemeClr val="accent1"/>
+          </a:fillRef>
+          <a:effectRef idx="0">
+            <a:schemeClr val="accent1"/>
+          </a:effectRef>
+          <a:fontRef idx="minor">
+            <a:schemeClr val="tx1"/>
+          </a:fontRef>
+        </p:style>
+      </p:cxnSp>
+      <p:sp>
+        <p:nvSpPr>
+          <p:cNvPr id="170" name="순서도: 수행의 시작/종료 169">
+            <a:extLst>
+              <a:ext uri="{FF2B5EF4-FFF2-40B4-BE49-F238E27FC236}">
+                <a16:creationId xmlns:a16="http://schemas.microsoft.com/office/drawing/2014/main" id="{3E76FB52-064A-4613-B876-B8BDDF0CF71B}"/>
+              </a:ext>
+            </a:extLst>
+          </p:cNvPr>
+          <p:cNvSpPr/>
+          <p:nvPr/>
+        </p:nvSpPr>
+        <p:spPr>
+          <a:xfrm>
+            <a:off x="9256185" y="5027557"/>
+            <a:ext cx="1408922" cy="312500"/>
+          </a:xfrm>
+          <a:prstGeom prst="flowChartTerminator">
+            <a:avLst/>
+          </a:prstGeom>
+          <a:noFill/>
+          <a:ln>
+            <a:solidFill>
+              <a:schemeClr val="tx1"/>
+            </a:solidFill>
+          </a:ln>
+        </p:spPr>
+        <p:style>
+          <a:lnRef idx="2">
+            <a:schemeClr val="accent1">
+              <a:shade val="50000"/>
+            </a:schemeClr>
+          </a:lnRef>
+          <a:fillRef idx="1">
+            <a:schemeClr val="accent1"/>
+          </a:fillRef>
+          <a:effectRef idx="0">
+            <a:schemeClr val="accent1"/>
+          </a:effectRef>
+          <a:fontRef idx="minor">
+            <a:schemeClr val="lt1"/>
+          </a:fontRef>
+        </p:style>
+        <p:txBody>
+          <a:bodyPr rtlCol="0" anchor="ctr"/>
+          <a:lstStyle/>
+          <a:p>
+            <a:pPr algn="ctr"/>
+            <a:r>
+              <a:rPr lang="en-US" altLang="ko-KR" sz="1200" dirty="0">
+                <a:solidFill>
+                  <a:sysClr val="windowText" lastClr="000000"/>
+                </a:solidFill>
+              </a:rPr>
+              <a:t>SS</a:t>
+            </a:r>
+            <a:r>
+              <a:rPr lang="ko-KR" altLang="en-US" sz="1200" dirty="0">
+                <a:solidFill>
+                  <a:sysClr val="windowText" lastClr="000000"/>
+                </a:solidFill>
+              </a:rPr>
+              <a:t>급 광물획득</a:t>
+            </a:r>
+          </a:p>
+        </p:txBody>
+      </p:sp>
+      <p:sp>
+        <p:nvSpPr>
+          <p:cNvPr id="171" name="순서도: 수행의 시작/종료 170">
+            <a:extLst>
+              <a:ext uri="{FF2B5EF4-FFF2-40B4-BE49-F238E27FC236}">
+                <a16:creationId xmlns:a16="http://schemas.microsoft.com/office/drawing/2014/main" id="{0B91ED90-DD80-418A-9732-65C5A9C44AE9}"/>
+              </a:ext>
+            </a:extLst>
+          </p:cNvPr>
+          <p:cNvSpPr/>
+          <p:nvPr/>
+        </p:nvSpPr>
+        <p:spPr>
+          <a:xfrm>
+            <a:off x="9256185" y="4355965"/>
+            <a:ext cx="1408922" cy="312500"/>
+          </a:xfrm>
+          <a:prstGeom prst="flowChartTerminator">
+            <a:avLst/>
+          </a:prstGeom>
+          <a:noFill/>
+          <a:ln>
+            <a:solidFill>
+              <a:schemeClr val="tx1"/>
+            </a:solidFill>
+          </a:ln>
+        </p:spPr>
+        <p:style>
+          <a:lnRef idx="2">
+            <a:schemeClr val="accent1">
+              <a:shade val="50000"/>
+            </a:schemeClr>
+          </a:lnRef>
+          <a:fillRef idx="1">
+            <a:schemeClr val="accent1"/>
+          </a:fillRef>
+          <a:effectRef idx="0">
+            <a:schemeClr val="accent1"/>
+          </a:effectRef>
+          <a:fontRef idx="minor">
+            <a:schemeClr val="lt1"/>
+          </a:fontRef>
+        </p:style>
+        <p:txBody>
+          <a:bodyPr rtlCol="0" anchor="ctr"/>
+          <a:lstStyle/>
+          <a:p>
+            <a:pPr algn="ctr"/>
+            <a:r>
+              <a:rPr lang="en-US" altLang="ko-KR" sz="1200" dirty="0">
+                <a:solidFill>
+                  <a:sysClr val="windowText" lastClr="000000"/>
+                </a:solidFill>
+              </a:rPr>
+              <a:t>SSS</a:t>
+            </a:r>
+            <a:r>
+              <a:rPr lang="ko-KR" altLang="en-US" sz="1200" dirty="0">
+                <a:solidFill>
+                  <a:sysClr val="windowText" lastClr="000000"/>
+                </a:solidFill>
+              </a:rPr>
+              <a:t>급 광물획득</a:t>
+            </a:r>
+          </a:p>
+        </p:txBody>
+      </p:sp>
+      <p:sp>
+        <p:nvSpPr>
+          <p:cNvPr id="175" name="순서도: 수행의 시작/종료 174">
+            <a:extLst>
+              <a:ext uri="{FF2B5EF4-FFF2-40B4-BE49-F238E27FC236}">
+                <a16:creationId xmlns:a16="http://schemas.microsoft.com/office/drawing/2014/main" id="{2425D762-9769-4E3B-B077-2754E8294309}"/>
+              </a:ext>
+            </a:extLst>
+          </p:cNvPr>
+          <p:cNvSpPr/>
+          <p:nvPr/>
+        </p:nvSpPr>
+        <p:spPr>
+          <a:xfrm>
+            <a:off x="6953830" y="6150252"/>
+            <a:ext cx="1408922" cy="312500"/>
+          </a:xfrm>
+          <a:prstGeom prst="flowChartTerminator">
+            <a:avLst/>
+          </a:prstGeom>
+          <a:noFill/>
+          <a:ln>
+            <a:solidFill>
+              <a:schemeClr val="tx1"/>
+            </a:solidFill>
+          </a:ln>
+        </p:spPr>
+        <p:style>
+          <a:lnRef idx="2">
+            <a:schemeClr val="accent1">
+              <a:shade val="50000"/>
+            </a:schemeClr>
+          </a:lnRef>
+          <a:fillRef idx="1">
+            <a:schemeClr val="accent1"/>
+          </a:fillRef>
+          <a:effectRef idx="0">
+            <a:schemeClr val="accent1"/>
+          </a:effectRef>
+          <a:fontRef idx="minor">
+            <a:schemeClr val="lt1"/>
+          </a:fontRef>
+        </p:style>
+        <p:txBody>
+          <a:bodyPr rtlCol="0" anchor="ctr"/>
+          <a:lstStyle/>
+          <a:p>
+            <a:pPr algn="ctr"/>
+            <a:r>
+              <a:rPr lang="en-US" altLang="ko-KR" sz="1200" dirty="0">
+                <a:solidFill>
+                  <a:sysClr val="windowText" lastClr="000000"/>
+                </a:solidFill>
+              </a:rPr>
+              <a:t>A</a:t>
+            </a:r>
+            <a:r>
+              <a:rPr lang="ko-KR" altLang="en-US" sz="1200" dirty="0">
+                <a:solidFill>
+                  <a:sysClr val="windowText" lastClr="000000"/>
+                </a:solidFill>
+              </a:rPr>
+              <a:t>급 광물획득</a:t>
+            </a:r>
+          </a:p>
+        </p:txBody>
+      </p:sp>
+      <p:cxnSp>
+        <p:nvCxnSpPr>
+          <p:cNvPr id="176" name="직선 화살표 연결선 175">
+            <a:extLst>
+              <a:ext uri="{FF2B5EF4-FFF2-40B4-BE49-F238E27FC236}">
+                <a16:creationId xmlns:a16="http://schemas.microsoft.com/office/drawing/2014/main" id="{D9350EB5-4BAC-4E97-9A83-DB91058E8358}"/>
+              </a:ext>
+            </a:extLst>
+          </p:cNvPr>
+          <p:cNvCxnSpPr>
+            <a:cxnSpLocks/>
+            <a:stCxn id="151" idx="2"/>
+            <a:endCxn id="175" idx="0"/>
+          </p:cNvCxnSpPr>
+          <p:nvPr/>
+        </p:nvCxnSpPr>
+        <p:spPr>
+          <a:xfrm flipH="1">
+            <a:off x="7658291" y="6096457"/>
+            <a:ext cx="1" cy="53795"/>
+          </a:xfrm>
+          <a:prstGeom prst="straightConnector1">
+            <a:avLst/>
+          </a:prstGeom>
+          <a:ln w="38100" cmpd="sng">
+            <a:solidFill>
+              <a:schemeClr val="tx1"/>
+            </a:solidFill>
+            <a:tailEnd type="triangle"/>
+          </a:ln>
+        </p:spPr>
+        <p:style>
+          <a:lnRef idx="1">
+            <a:schemeClr val="accent1"/>
+          </a:lnRef>
+          <a:fillRef idx="0">
+            <a:schemeClr val="accent1"/>
+          </a:fillRef>
+          <a:effectRef idx="0">
+            <a:schemeClr val="accent1"/>
+          </a:effectRef>
+          <a:fontRef idx="minor">
+            <a:schemeClr val="tx1"/>
+          </a:fontRef>
+        </p:style>
+      </p:cxnSp>
+    </p:spTree>
+    <p:extLst>
+      <p:ext uri="{BB962C8B-B14F-4D97-AF65-F5344CB8AC3E}">
+        <p14:creationId xmlns:p14="http://schemas.microsoft.com/office/powerpoint/2010/main" val="1315223316"/>
+      </p:ext>
+    </p:extLst>
+  </p:cSld>
+  <p:clrMapOvr>
+    <a:masterClrMapping/>
+  </p:clrMapOvr>
+</p:sld>
+</file>
+
+<file path=ppt/slides/slide4.xml><?xml version="1.0" encoding="utf-8"?>
+<p:sld xmlns:a="http://schemas.openxmlformats.org/drawingml/2006/main" xmlns:r="http://schemas.openxmlformats.org/officeDocument/2006/relationships" xmlns:p="http://schemas.openxmlformats.org/presentationml/2006/main">
+  <p:cSld>
+    <p:spTree>
+      <p:nvGrpSpPr>
+        <p:cNvPr id="1" name=""/>
+        <p:cNvGrpSpPr/>
+        <p:nvPr/>
+      </p:nvGrpSpPr>
+      <p:grpSpPr>
+        <a:xfrm>
+          <a:off x="0" y="0"/>
+          <a:ext cx="0" cy="0"/>
+          <a:chOff x="0" y="0"/>
+          <a:chExt cx="0" cy="0"/>
+        </a:xfrm>
+      </p:grpSpPr>
       <p:pic>
         <p:nvPicPr>
-          <p:cNvPr id="4" name="그림 3"/>
+          <p:cNvPr id="8" name="그림 7">
+            <a:extLst>
+              <a:ext uri="{FF2B5EF4-FFF2-40B4-BE49-F238E27FC236}">
+                <a16:creationId xmlns:a16="http://schemas.microsoft.com/office/drawing/2014/main" id="{F5B035ED-0D91-4DE4-B7C6-E4722CA30DD7}"/>
+              </a:ext>
+            </a:extLst>
+          </p:cNvPr>
           <p:cNvPicPr>
             <a:picLocks noChangeAspect="1"/>
           </p:cNvPicPr>
@@ -3714,8 +8235,8 @@
         </p:blipFill>
         <p:spPr>
           <a:xfrm>
-            <a:off x="6671256" y="293128"/>
-            <a:ext cx="2945424" cy="4708271"/>
+            <a:off x="7063530" y="500061"/>
+            <a:ext cx="3543300" cy="5857875"/>
           </a:xfrm>
           <a:prstGeom prst="rect">
             <a:avLst/>
@@ -3724,13 +8245,13 @@
       </p:pic>
       <p:sp>
         <p:nvSpPr>
-          <p:cNvPr id="12" name="직사각형 11"/>
+          <p:cNvPr id="4" name="직사각형 3"/>
           <p:cNvSpPr/>
           <p:nvPr/>
         </p:nvSpPr>
         <p:spPr>
           <a:xfrm>
-            <a:off x="6465194" y="193116"/>
+            <a:off x="7739331" y="3428999"/>
             <a:ext cx="412124" cy="386366"/>
           </a:xfrm>
           <a:prstGeom prst="rect">
@@ -3759,7 +8280,1913 @@
           <a:p>
             <a:pPr algn="ctr"/>
             <a:r>
-              <a:rPr lang="en-US" altLang="ko-KR" dirty="0" smtClean="0"/>
+              <a:rPr lang="en-US" altLang="ko-KR" dirty="0"/>
+              <a:t>M</a:t>
+            </a:r>
+            <a:endParaRPr lang="ko-KR" altLang="en-US" dirty="0"/>
+          </a:p>
+        </p:txBody>
+      </p:sp>
+      <p:sp>
+        <p:nvSpPr>
+          <p:cNvPr id="40" name="부제목 2">
+            <a:extLst>
+              <a:ext uri="{FF2B5EF4-FFF2-40B4-BE49-F238E27FC236}">
+                <a16:creationId xmlns:a16="http://schemas.microsoft.com/office/drawing/2014/main" id="{4709A945-B1F2-423F-86A4-E6F80B20D537}"/>
+              </a:ext>
+            </a:extLst>
+          </p:cNvPr>
+          <p:cNvSpPr>
+            <a:spLocks noGrp="1"/>
+          </p:cNvSpPr>
+          <p:nvPr>
+            <p:ph type="subTitle" idx="1"/>
+          </p:nvPr>
+        </p:nvSpPr>
+        <p:spPr>
+          <a:xfrm>
+            <a:off x="3275016" y="353552"/>
+            <a:ext cx="2920510" cy="469303"/>
+          </a:xfrm>
+        </p:spPr>
+        <p:txBody>
+          <a:bodyPr>
+            <a:normAutofit/>
+          </a:bodyPr>
+          <a:lstStyle/>
+          <a:p>
+            <a:r>
+              <a:rPr lang="ko-KR" altLang="en-US" dirty="0"/>
+              <a:t>땅굴추가 기능 흐름</a:t>
+            </a:r>
+          </a:p>
+        </p:txBody>
+      </p:sp>
+      <p:sp>
+        <p:nvSpPr>
+          <p:cNvPr id="41" name="사각형: 둥근 모서리 40">
+            <a:extLst>
+              <a:ext uri="{FF2B5EF4-FFF2-40B4-BE49-F238E27FC236}">
+                <a16:creationId xmlns:a16="http://schemas.microsoft.com/office/drawing/2014/main" id="{70F99F17-3E3E-43ED-B731-F1F0439409C3}"/>
+              </a:ext>
+            </a:extLst>
+          </p:cNvPr>
+          <p:cNvSpPr/>
+          <p:nvPr/>
+        </p:nvSpPr>
+        <p:spPr>
+          <a:xfrm>
+            <a:off x="412534" y="298722"/>
+            <a:ext cx="2584601" cy="570452"/>
+          </a:xfrm>
+          <a:prstGeom prst="roundRect">
+            <a:avLst/>
+          </a:prstGeom>
+          <a:noFill/>
+          <a:ln>
+            <a:solidFill>
+              <a:schemeClr val="tx1"/>
+            </a:solidFill>
+          </a:ln>
+        </p:spPr>
+        <p:style>
+          <a:lnRef idx="2">
+            <a:schemeClr val="accent1">
+              <a:shade val="50000"/>
+            </a:schemeClr>
+          </a:lnRef>
+          <a:fillRef idx="1">
+            <a:schemeClr val="accent1"/>
+          </a:fillRef>
+          <a:effectRef idx="0">
+            <a:schemeClr val="accent1"/>
+          </a:effectRef>
+          <a:fontRef idx="minor">
+            <a:schemeClr val="lt1"/>
+          </a:fontRef>
+        </p:style>
+        <p:txBody>
+          <a:bodyPr rtlCol="0" anchor="ctr"/>
+          <a:lstStyle/>
+          <a:p>
+            <a:pPr algn="ctr"/>
+            <a:r>
+              <a:rPr lang="ko-KR" altLang="en-US">
+                <a:solidFill>
+                  <a:sysClr val="windowText" lastClr="000000"/>
+                </a:solidFill>
+              </a:rPr>
+              <a:t>땅굴파기 </a:t>
+            </a:r>
+            <a:r>
+              <a:rPr lang="en-US" altLang="ko-KR" dirty="0">
+                <a:solidFill>
+                  <a:sysClr val="windowText" lastClr="000000"/>
+                </a:solidFill>
+              </a:rPr>
+              <a:t>+</a:t>
+            </a:r>
+            <a:r>
+              <a:rPr lang="ko-KR" altLang="en-US" dirty="0">
+                <a:solidFill>
+                  <a:sysClr val="windowText" lastClr="000000"/>
+                </a:solidFill>
+              </a:rPr>
+              <a:t>버튼 클릭</a:t>
+            </a:r>
+          </a:p>
+        </p:txBody>
+      </p:sp>
+      <p:sp>
+        <p:nvSpPr>
+          <p:cNvPr id="42" name="사각형: 둥근 모서리 41">
+            <a:extLst>
+              <a:ext uri="{FF2B5EF4-FFF2-40B4-BE49-F238E27FC236}">
+                <a16:creationId xmlns:a16="http://schemas.microsoft.com/office/drawing/2014/main" id="{303B3E3E-F67A-4DBA-91E0-BCD920FAB0EA}"/>
+              </a:ext>
+            </a:extLst>
+          </p:cNvPr>
+          <p:cNvSpPr/>
+          <p:nvPr/>
+        </p:nvSpPr>
+        <p:spPr>
+          <a:xfrm>
+            <a:off x="651783" y="3509180"/>
+            <a:ext cx="2197916" cy="576131"/>
+          </a:xfrm>
+          <a:prstGeom prst="roundRect">
+            <a:avLst/>
+          </a:prstGeom>
+          <a:noFill/>
+          <a:ln>
+            <a:solidFill>
+              <a:schemeClr val="tx1"/>
+            </a:solidFill>
+          </a:ln>
+        </p:spPr>
+        <p:style>
+          <a:lnRef idx="2">
+            <a:schemeClr val="accent1">
+              <a:shade val="50000"/>
+            </a:schemeClr>
+          </a:lnRef>
+          <a:fillRef idx="1">
+            <a:schemeClr val="accent1"/>
+          </a:fillRef>
+          <a:effectRef idx="0">
+            <a:schemeClr val="accent1"/>
+          </a:effectRef>
+          <a:fontRef idx="minor">
+            <a:schemeClr val="lt1"/>
+          </a:fontRef>
+        </p:style>
+        <p:txBody>
+          <a:bodyPr rtlCol="0" anchor="ctr"/>
+          <a:lstStyle/>
+          <a:p>
+            <a:pPr algn="ctr"/>
+            <a:r>
+              <a:rPr lang="ko-KR" altLang="en-US" sz="1200" dirty="0">
+                <a:solidFill>
+                  <a:sysClr val="windowText" lastClr="000000"/>
+                </a:solidFill>
+              </a:rPr>
+              <a:t>땅굴 깊이</a:t>
+            </a:r>
+            <a:r>
+              <a:rPr lang="en-US" altLang="ko-KR" sz="1200" dirty="0">
+                <a:solidFill>
+                  <a:sysClr val="windowText" lastClr="000000"/>
+                </a:solidFill>
+              </a:rPr>
+              <a:t>, </a:t>
+            </a:r>
+          </a:p>
+          <a:p>
+            <a:pPr algn="ctr"/>
+            <a:r>
+              <a:rPr lang="ko-KR" altLang="en-US" sz="1200" dirty="0">
+                <a:solidFill>
+                  <a:sysClr val="windowText" lastClr="000000"/>
+                </a:solidFill>
+              </a:rPr>
+              <a:t>채취 원석 등 표시 갱신</a:t>
+            </a:r>
+          </a:p>
+        </p:txBody>
+      </p:sp>
+      <p:sp>
+        <p:nvSpPr>
+          <p:cNvPr id="43" name="사각형: 둥근 모서리 42">
+            <a:extLst>
+              <a:ext uri="{FF2B5EF4-FFF2-40B4-BE49-F238E27FC236}">
+                <a16:creationId xmlns:a16="http://schemas.microsoft.com/office/drawing/2014/main" id="{58789E3A-3F37-49CD-9E67-0A8A9D16CBB8}"/>
+              </a:ext>
+            </a:extLst>
+          </p:cNvPr>
+          <p:cNvSpPr/>
+          <p:nvPr/>
+        </p:nvSpPr>
+        <p:spPr>
+          <a:xfrm>
+            <a:off x="3275016" y="1266988"/>
+            <a:ext cx="2584601" cy="570452"/>
+          </a:xfrm>
+          <a:prstGeom prst="roundRect">
+            <a:avLst/>
+          </a:prstGeom>
+          <a:noFill/>
+          <a:ln>
+            <a:solidFill>
+              <a:schemeClr val="tx1"/>
+            </a:solidFill>
+          </a:ln>
+        </p:spPr>
+        <p:style>
+          <a:lnRef idx="2">
+            <a:schemeClr val="accent1">
+              <a:shade val="50000"/>
+            </a:schemeClr>
+          </a:lnRef>
+          <a:fillRef idx="1">
+            <a:schemeClr val="accent1"/>
+          </a:fillRef>
+          <a:effectRef idx="0">
+            <a:schemeClr val="accent1"/>
+          </a:effectRef>
+          <a:fontRef idx="minor">
+            <a:schemeClr val="lt1"/>
+          </a:fontRef>
+        </p:style>
+        <p:txBody>
+          <a:bodyPr rtlCol="0" anchor="ctr"/>
+          <a:lstStyle/>
+          <a:p>
+            <a:pPr algn="ctr"/>
+            <a:r>
+              <a:rPr lang="en-US" altLang="ko-KR" dirty="0">
+                <a:solidFill>
+                  <a:sysClr val="windowText" lastClr="000000"/>
+                </a:solidFill>
+              </a:rPr>
+              <a:t>“</a:t>
+            </a:r>
+            <a:r>
+              <a:rPr lang="ko-KR" altLang="en-US" dirty="0">
+                <a:solidFill>
+                  <a:sysClr val="windowText" lastClr="000000"/>
+                </a:solidFill>
+              </a:rPr>
+              <a:t>소지금이 부족합니다</a:t>
+            </a:r>
+            <a:r>
+              <a:rPr lang="en-US" altLang="ko-KR" dirty="0">
+                <a:solidFill>
+                  <a:sysClr val="windowText" lastClr="000000"/>
+                </a:solidFill>
+              </a:rPr>
+              <a:t>.”</a:t>
+            </a:r>
+            <a:endParaRPr lang="ko-KR" altLang="en-US" dirty="0">
+              <a:solidFill>
+                <a:sysClr val="windowText" lastClr="000000"/>
+              </a:solidFill>
+            </a:endParaRPr>
+          </a:p>
+        </p:txBody>
+      </p:sp>
+      <p:cxnSp>
+        <p:nvCxnSpPr>
+          <p:cNvPr id="44" name="직선 화살표 연결선 43">
+            <a:extLst>
+              <a:ext uri="{FF2B5EF4-FFF2-40B4-BE49-F238E27FC236}">
+                <a16:creationId xmlns:a16="http://schemas.microsoft.com/office/drawing/2014/main" id="{736F6616-EEBC-4F2A-AE4B-9B0E99F59F2C}"/>
+              </a:ext>
+            </a:extLst>
+          </p:cNvPr>
+          <p:cNvCxnSpPr>
+            <a:cxnSpLocks/>
+            <a:stCxn id="41" idx="2"/>
+            <a:endCxn id="53" idx="0"/>
+          </p:cNvCxnSpPr>
+          <p:nvPr/>
+        </p:nvCxnSpPr>
+        <p:spPr>
+          <a:xfrm flipH="1">
+            <a:off x="1704834" y="869174"/>
+            <a:ext cx="1" cy="269249"/>
+          </a:xfrm>
+          <a:prstGeom prst="straightConnector1">
+            <a:avLst/>
+          </a:prstGeom>
+          <a:ln w="38100" cmpd="sng">
+            <a:solidFill>
+              <a:schemeClr val="tx1"/>
+            </a:solidFill>
+            <a:tailEnd type="triangle"/>
+          </a:ln>
+        </p:spPr>
+        <p:style>
+          <a:lnRef idx="1">
+            <a:schemeClr val="accent1"/>
+          </a:lnRef>
+          <a:fillRef idx="0">
+            <a:schemeClr val="accent1"/>
+          </a:fillRef>
+          <a:effectRef idx="0">
+            <a:schemeClr val="accent1"/>
+          </a:effectRef>
+          <a:fontRef idx="minor">
+            <a:schemeClr val="tx1"/>
+          </a:fontRef>
+        </p:style>
+      </p:cxnSp>
+      <p:cxnSp>
+        <p:nvCxnSpPr>
+          <p:cNvPr id="45" name="연결선: 꺾임 44">
+            <a:extLst>
+              <a:ext uri="{FF2B5EF4-FFF2-40B4-BE49-F238E27FC236}">
+                <a16:creationId xmlns:a16="http://schemas.microsoft.com/office/drawing/2014/main" id="{6B305754-938D-4EAC-8504-E0B20B487F74}"/>
+              </a:ext>
+            </a:extLst>
+          </p:cNvPr>
+          <p:cNvCxnSpPr>
+            <a:cxnSpLocks/>
+            <a:stCxn id="47" idx="2"/>
+            <a:endCxn id="59" idx="0"/>
+          </p:cNvCxnSpPr>
+          <p:nvPr/>
+        </p:nvCxnSpPr>
+        <p:spPr>
+          <a:xfrm rot="16200000" flipH="1">
+            <a:off x="2277842" y="2138187"/>
+            <a:ext cx="285226" cy="1431241"/>
+          </a:xfrm>
+          <a:prstGeom prst="bentConnector3">
+            <a:avLst>
+              <a:gd name="adj1" fmla="val 50000"/>
+            </a:avLst>
+          </a:prstGeom>
+          <a:ln w="38100">
+            <a:solidFill>
+              <a:schemeClr val="tx1"/>
+            </a:solidFill>
+            <a:tailEnd type="triangle"/>
+          </a:ln>
+        </p:spPr>
+        <p:style>
+          <a:lnRef idx="1">
+            <a:schemeClr val="accent1"/>
+          </a:lnRef>
+          <a:fillRef idx="0">
+            <a:schemeClr val="accent1"/>
+          </a:fillRef>
+          <a:effectRef idx="0">
+            <a:schemeClr val="accent1"/>
+          </a:effectRef>
+          <a:fontRef idx="minor">
+            <a:schemeClr val="tx1"/>
+          </a:fontRef>
+        </p:style>
+      </p:cxnSp>
+      <p:sp>
+        <p:nvSpPr>
+          <p:cNvPr id="46" name="사각형: 둥근 모서리 45">
+            <a:extLst>
+              <a:ext uri="{FF2B5EF4-FFF2-40B4-BE49-F238E27FC236}">
+                <a16:creationId xmlns:a16="http://schemas.microsoft.com/office/drawing/2014/main" id="{F066ACA2-E859-4B18-A3DF-34E15013A3B9}"/>
+              </a:ext>
+            </a:extLst>
+          </p:cNvPr>
+          <p:cNvSpPr/>
+          <p:nvPr/>
+        </p:nvSpPr>
+        <p:spPr>
+          <a:xfrm>
+            <a:off x="3275016" y="2140743"/>
+            <a:ext cx="2584601" cy="570452"/>
+          </a:xfrm>
+          <a:prstGeom prst="roundRect">
+            <a:avLst/>
+          </a:prstGeom>
+          <a:noFill/>
+          <a:ln>
+            <a:solidFill>
+              <a:schemeClr val="tx1"/>
+            </a:solidFill>
+          </a:ln>
+        </p:spPr>
+        <p:style>
+          <a:lnRef idx="2">
+            <a:schemeClr val="accent1">
+              <a:shade val="50000"/>
+            </a:schemeClr>
+          </a:lnRef>
+          <a:fillRef idx="1">
+            <a:schemeClr val="accent1"/>
+          </a:fillRef>
+          <a:effectRef idx="0">
+            <a:schemeClr val="accent1"/>
+          </a:effectRef>
+          <a:fontRef idx="minor">
+            <a:schemeClr val="lt1"/>
+          </a:fontRef>
+        </p:style>
+        <p:txBody>
+          <a:bodyPr rtlCol="0" anchor="ctr"/>
+          <a:lstStyle/>
+          <a:p>
+            <a:pPr algn="ctr"/>
+            <a:r>
+              <a:rPr lang="ko-KR" altLang="en-US" dirty="0">
+                <a:solidFill>
+                  <a:sysClr val="windowText" lastClr="000000"/>
+                </a:solidFill>
+              </a:rPr>
+              <a:t>과정 종료</a:t>
+            </a:r>
+          </a:p>
+        </p:txBody>
+      </p:sp>
+      <p:sp>
+        <p:nvSpPr>
+          <p:cNvPr id="47" name="사각형: 둥근 모서리 46">
+            <a:extLst>
+              <a:ext uri="{FF2B5EF4-FFF2-40B4-BE49-F238E27FC236}">
+                <a16:creationId xmlns:a16="http://schemas.microsoft.com/office/drawing/2014/main" id="{BB3E407C-8DA3-4311-9189-F382023A703E}"/>
+              </a:ext>
+            </a:extLst>
+          </p:cNvPr>
+          <p:cNvSpPr/>
+          <p:nvPr/>
+        </p:nvSpPr>
+        <p:spPr>
+          <a:xfrm>
+            <a:off x="412534" y="2140743"/>
+            <a:ext cx="2584601" cy="570452"/>
+          </a:xfrm>
+          <a:prstGeom prst="roundRect">
+            <a:avLst/>
+          </a:prstGeom>
+          <a:noFill/>
+          <a:ln>
+            <a:solidFill>
+              <a:schemeClr val="tx1"/>
+            </a:solidFill>
+          </a:ln>
+        </p:spPr>
+        <p:style>
+          <a:lnRef idx="2">
+            <a:schemeClr val="accent1">
+              <a:shade val="50000"/>
+            </a:schemeClr>
+          </a:lnRef>
+          <a:fillRef idx="1">
+            <a:schemeClr val="accent1"/>
+          </a:fillRef>
+          <a:effectRef idx="0">
+            <a:schemeClr val="accent1"/>
+          </a:effectRef>
+          <a:fontRef idx="minor">
+            <a:schemeClr val="lt1"/>
+          </a:fontRef>
+        </p:style>
+        <p:txBody>
+          <a:bodyPr rtlCol="0" anchor="ctr"/>
+          <a:lstStyle/>
+          <a:p>
+            <a:pPr algn="ctr"/>
+            <a:r>
+              <a:rPr lang="ko-KR" altLang="en-US" dirty="0" err="1">
+                <a:solidFill>
+                  <a:sysClr val="windowText" lastClr="000000"/>
+                </a:solidFill>
+              </a:rPr>
+              <a:t>굴파기</a:t>
+            </a:r>
+            <a:r>
+              <a:rPr lang="ko-KR" altLang="en-US" dirty="0">
+                <a:solidFill>
+                  <a:sysClr val="windowText" lastClr="000000"/>
+                </a:solidFill>
+              </a:rPr>
+              <a:t> 내부 기능 동작</a:t>
+            </a:r>
+          </a:p>
+        </p:txBody>
+      </p:sp>
+      <p:sp>
+        <p:nvSpPr>
+          <p:cNvPr id="48" name="순서도: 판단 47">
+            <a:extLst>
+              <a:ext uri="{FF2B5EF4-FFF2-40B4-BE49-F238E27FC236}">
+                <a16:creationId xmlns:a16="http://schemas.microsoft.com/office/drawing/2014/main" id="{49443091-4FA1-4CB1-A8D6-2F6AD8B095B2}"/>
+              </a:ext>
+            </a:extLst>
+          </p:cNvPr>
+          <p:cNvSpPr/>
+          <p:nvPr/>
+        </p:nvSpPr>
+        <p:spPr>
+          <a:xfrm>
+            <a:off x="704961" y="4296440"/>
+            <a:ext cx="2091560" cy="687072"/>
+          </a:xfrm>
+          <a:prstGeom prst="flowChartDecision">
+            <a:avLst/>
+          </a:prstGeom>
+          <a:noFill/>
+          <a:ln>
+            <a:solidFill>
+              <a:schemeClr val="tx1"/>
+            </a:solidFill>
+          </a:ln>
+        </p:spPr>
+        <p:style>
+          <a:lnRef idx="2">
+            <a:schemeClr val="accent1">
+              <a:shade val="50000"/>
+            </a:schemeClr>
+          </a:lnRef>
+          <a:fillRef idx="1">
+            <a:schemeClr val="accent1"/>
+          </a:fillRef>
+          <a:effectRef idx="0">
+            <a:schemeClr val="accent1"/>
+          </a:effectRef>
+          <a:fontRef idx="minor">
+            <a:schemeClr val="lt1"/>
+          </a:fontRef>
+        </p:style>
+        <p:txBody>
+          <a:bodyPr rtlCol="0" anchor="ctr"/>
+          <a:lstStyle/>
+          <a:p>
+            <a:pPr algn="ctr"/>
+            <a:endParaRPr lang="ko-KR" altLang="en-US" sz="1400" dirty="0">
+              <a:solidFill>
+                <a:sysClr val="windowText" lastClr="000000"/>
+              </a:solidFill>
+            </a:endParaRPr>
+          </a:p>
+        </p:txBody>
+      </p:sp>
+      <p:sp>
+        <p:nvSpPr>
+          <p:cNvPr id="49" name="TextBox 48">
+            <a:extLst>
+              <a:ext uri="{FF2B5EF4-FFF2-40B4-BE49-F238E27FC236}">
+                <a16:creationId xmlns:a16="http://schemas.microsoft.com/office/drawing/2014/main" id="{1DE9F2F3-7F28-4E12-903C-FE531EC287CC}"/>
+              </a:ext>
+            </a:extLst>
+          </p:cNvPr>
+          <p:cNvSpPr txBox="1"/>
+          <p:nvPr/>
+        </p:nvSpPr>
+        <p:spPr>
+          <a:xfrm>
+            <a:off x="704960" y="4512215"/>
+            <a:ext cx="2018454" cy="255521"/>
+          </a:xfrm>
+          <a:prstGeom prst="rect">
+            <a:avLst/>
+          </a:prstGeom>
+          <a:noFill/>
+        </p:spPr>
+        <p:txBody>
+          <a:bodyPr wrap="none" rtlCol="0">
+            <a:spAutoFit/>
+          </a:bodyPr>
+          <a:lstStyle/>
+          <a:p>
+            <a:r>
+              <a:rPr lang="ko-KR" altLang="en-US" sz="1400" dirty="0"/>
+              <a:t>현재 레벨 </a:t>
+            </a:r>
+            <a:r>
+              <a:rPr lang="en-US" altLang="ko-KR" sz="1400" dirty="0"/>
+              <a:t>== </a:t>
+            </a:r>
+            <a:r>
+              <a:rPr lang="ko-KR" altLang="en-US" sz="1400" dirty="0"/>
+              <a:t>최대 레벨</a:t>
+            </a:r>
+          </a:p>
+        </p:txBody>
+      </p:sp>
+      <p:sp>
+        <p:nvSpPr>
+          <p:cNvPr id="50" name="사각형: 둥근 모서리 49">
+            <a:extLst>
+              <a:ext uri="{FF2B5EF4-FFF2-40B4-BE49-F238E27FC236}">
+                <a16:creationId xmlns:a16="http://schemas.microsoft.com/office/drawing/2014/main" id="{210F70B4-B7E4-4BE2-A087-002F4F49D6FE}"/>
+              </a:ext>
+            </a:extLst>
+          </p:cNvPr>
+          <p:cNvSpPr/>
+          <p:nvPr/>
+        </p:nvSpPr>
+        <p:spPr>
+          <a:xfrm>
+            <a:off x="3313725" y="4408918"/>
+            <a:ext cx="1474724" cy="462113"/>
+          </a:xfrm>
+          <a:prstGeom prst="roundRect">
+            <a:avLst/>
+          </a:prstGeom>
+          <a:noFill/>
+          <a:ln>
+            <a:solidFill>
+              <a:schemeClr val="tx1"/>
+            </a:solidFill>
+          </a:ln>
+        </p:spPr>
+        <p:style>
+          <a:lnRef idx="2">
+            <a:schemeClr val="accent1">
+              <a:shade val="50000"/>
+            </a:schemeClr>
+          </a:lnRef>
+          <a:fillRef idx="1">
+            <a:schemeClr val="accent1"/>
+          </a:fillRef>
+          <a:effectRef idx="0">
+            <a:schemeClr val="accent1"/>
+          </a:effectRef>
+          <a:fontRef idx="minor">
+            <a:schemeClr val="lt1"/>
+          </a:fontRef>
+        </p:style>
+        <p:txBody>
+          <a:bodyPr rtlCol="0" anchor="ctr"/>
+          <a:lstStyle/>
+          <a:p>
+            <a:pPr algn="ctr"/>
+            <a:r>
+              <a:rPr lang="ko-KR" altLang="en-US" sz="1200" dirty="0">
+                <a:solidFill>
+                  <a:sysClr val="windowText" lastClr="000000"/>
+                </a:solidFill>
+              </a:rPr>
+              <a:t>레벨 업 버튼 잠금</a:t>
+            </a:r>
+          </a:p>
+        </p:txBody>
+      </p:sp>
+      <p:sp>
+        <p:nvSpPr>
+          <p:cNvPr id="51" name="순서도: 판단 50">
+            <a:extLst>
+              <a:ext uri="{FF2B5EF4-FFF2-40B4-BE49-F238E27FC236}">
+                <a16:creationId xmlns:a16="http://schemas.microsoft.com/office/drawing/2014/main" id="{CA67A56E-8403-4A19-9A48-055034F590A2}"/>
+              </a:ext>
+            </a:extLst>
+          </p:cNvPr>
+          <p:cNvSpPr/>
+          <p:nvPr/>
+        </p:nvSpPr>
+        <p:spPr>
+          <a:xfrm>
+            <a:off x="704961" y="5157499"/>
+            <a:ext cx="2091560" cy="733537"/>
+          </a:xfrm>
+          <a:prstGeom prst="flowChartDecision">
+            <a:avLst/>
+          </a:prstGeom>
+          <a:noFill/>
+          <a:ln>
+            <a:solidFill>
+              <a:schemeClr val="tx1"/>
+            </a:solidFill>
+          </a:ln>
+        </p:spPr>
+        <p:style>
+          <a:lnRef idx="2">
+            <a:schemeClr val="accent1">
+              <a:shade val="50000"/>
+            </a:schemeClr>
+          </a:lnRef>
+          <a:fillRef idx="1">
+            <a:schemeClr val="accent1"/>
+          </a:fillRef>
+          <a:effectRef idx="0">
+            <a:schemeClr val="accent1"/>
+          </a:effectRef>
+          <a:fontRef idx="minor">
+            <a:schemeClr val="lt1"/>
+          </a:fontRef>
+        </p:style>
+        <p:txBody>
+          <a:bodyPr rtlCol="0" anchor="ctr"/>
+          <a:lstStyle/>
+          <a:p>
+            <a:pPr algn="ctr"/>
+            <a:endParaRPr lang="ko-KR" altLang="en-US" sz="1400" dirty="0">
+              <a:solidFill>
+                <a:sysClr val="windowText" lastClr="000000"/>
+              </a:solidFill>
+            </a:endParaRPr>
+          </a:p>
+        </p:txBody>
+      </p:sp>
+      <p:sp>
+        <p:nvSpPr>
+          <p:cNvPr id="52" name="TextBox 51">
+            <a:extLst>
+              <a:ext uri="{FF2B5EF4-FFF2-40B4-BE49-F238E27FC236}">
+                <a16:creationId xmlns:a16="http://schemas.microsoft.com/office/drawing/2014/main" id="{6E07E7EF-5561-4FEC-8CCE-4944F03FEA34}"/>
+              </a:ext>
+            </a:extLst>
+          </p:cNvPr>
+          <p:cNvSpPr txBox="1"/>
+          <p:nvPr/>
+        </p:nvSpPr>
+        <p:spPr>
+          <a:xfrm>
+            <a:off x="704960" y="5387866"/>
+            <a:ext cx="1899471" cy="272801"/>
+          </a:xfrm>
+          <a:prstGeom prst="rect">
+            <a:avLst/>
+          </a:prstGeom>
+          <a:noFill/>
+        </p:spPr>
+        <p:txBody>
+          <a:bodyPr wrap="none" rtlCol="0">
+            <a:spAutoFit/>
+          </a:bodyPr>
+          <a:lstStyle/>
+          <a:p>
+            <a:r>
+              <a:rPr lang="ko-KR" altLang="en-US" sz="1400" dirty="0"/>
+              <a:t> </a:t>
+            </a:r>
+            <a:r>
+              <a:rPr lang="ko-KR" altLang="en-US" sz="1400" dirty="0" err="1"/>
+              <a:t>소지금</a:t>
+            </a:r>
+            <a:r>
+              <a:rPr lang="en-US" altLang="ko-KR" sz="1400" dirty="0"/>
+              <a:t> &gt; </a:t>
+            </a:r>
+            <a:r>
+              <a:rPr lang="ko-KR" altLang="en-US" sz="1400" dirty="0"/>
+              <a:t>갱신된 비용</a:t>
+            </a:r>
+          </a:p>
+        </p:txBody>
+      </p:sp>
+      <p:sp>
+        <p:nvSpPr>
+          <p:cNvPr id="53" name="순서도: 판단 52">
+            <a:extLst>
+              <a:ext uri="{FF2B5EF4-FFF2-40B4-BE49-F238E27FC236}">
+                <a16:creationId xmlns:a16="http://schemas.microsoft.com/office/drawing/2014/main" id="{A072558C-EF21-48EA-9DA7-B74B2FBFC6BF}"/>
+              </a:ext>
+            </a:extLst>
+          </p:cNvPr>
+          <p:cNvSpPr/>
+          <p:nvPr/>
+        </p:nvSpPr>
+        <p:spPr>
+          <a:xfrm>
+            <a:off x="412534" y="1138423"/>
+            <a:ext cx="2584600" cy="827585"/>
+          </a:xfrm>
+          <a:prstGeom prst="flowChartDecision">
+            <a:avLst/>
+          </a:prstGeom>
+          <a:noFill/>
+          <a:ln>
+            <a:solidFill>
+              <a:schemeClr val="tx1"/>
+            </a:solidFill>
+          </a:ln>
+        </p:spPr>
+        <p:style>
+          <a:lnRef idx="2">
+            <a:schemeClr val="accent1">
+              <a:shade val="50000"/>
+            </a:schemeClr>
+          </a:lnRef>
+          <a:fillRef idx="1">
+            <a:schemeClr val="accent1"/>
+          </a:fillRef>
+          <a:effectRef idx="0">
+            <a:schemeClr val="accent1"/>
+          </a:effectRef>
+          <a:fontRef idx="minor">
+            <a:schemeClr val="lt1"/>
+          </a:fontRef>
+        </p:style>
+        <p:txBody>
+          <a:bodyPr rtlCol="0" anchor="ctr"/>
+          <a:lstStyle/>
+          <a:p>
+            <a:pPr algn="ctr"/>
+            <a:endParaRPr lang="ko-KR" altLang="en-US" sz="1400" dirty="0">
+              <a:solidFill>
+                <a:sysClr val="windowText" lastClr="000000"/>
+              </a:solidFill>
+            </a:endParaRPr>
+          </a:p>
+        </p:txBody>
+      </p:sp>
+      <p:sp>
+        <p:nvSpPr>
+          <p:cNvPr id="54" name="TextBox 53">
+            <a:extLst>
+              <a:ext uri="{FF2B5EF4-FFF2-40B4-BE49-F238E27FC236}">
+                <a16:creationId xmlns:a16="http://schemas.microsoft.com/office/drawing/2014/main" id="{04526DE4-DCDE-442C-B6CB-8FF274517B7E}"/>
+              </a:ext>
+            </a:extLst>
+          </p:cNvPr>
+          <p:cNvSpPr txBox="1"/>
+          <p:nvPr/>
+        </p:nvSpPr>
+        <p:spPr>
+          <a:xfrm>
+            <a:off x="522806" y="1398326"/>
+            <a:ext cx="2273715" cy="307777"/>
+          </a:xfrm>
+          <a:prstGeom prst="rect">
+            <a:avLst/>
+          </a:prstGeom>
+          <a:noFill/>
+        </p:spPr>
+        <p:txBody>
+          <a:bodyPr wrap="none" rtlCol="0">
+            <a:spAutoFit/>
+          </a:bodyPr>
+          <a:lstStyle/>
+          <a:p>
+            <a:pPr algn="ctr"/>
+            <a:r>
+              <a:rPr lang="ko-KR" altLang="en-US" sz="1400" dirty="0" err="1">
+                <a:solidFill>
+                  <a:sysClr val="windowText" lastClr="000000"/>
+                </a:solidFill>
+              </a:rPr>
+              <a:t>소지금</a:t>
+            </a:r>
+            <a:r>
+              <a:rPr lang="ko-KR" altLang="en-US" sz="1400" dirty="0">
+                <a:solidFill>
+                  <a:sysClr val="windowText" lastClr="000000"/>
+                </a:solidFill>
+              </a:rPr>
+              <a:t>  </a:t>
+            </a:r>
+            <a:r>
+              <a:rPr lang="en-US" altLang="ko-KR" sz="1400" dirty="0">
+                <a:solidFill>
+                  <a:sysClr val="windowText" lastClr="000000"/>
+                </a:solidFill>
+              </a:rPr>
+              <a:t>&gt; </a:t>
+            </a:r>
+            <a:r>
+              <a:rPr lang="ko-KR" altLang="en-US" sz="1400" dirty="0" err="1">
+                <a:solidFill>
+                  <a:sysClr val="windowText" lastClr="000000"/>
+                </a:solidFill>
+              </a:rPr>
+              <a:t>굴파기비용</a:t>
+            </a:r>
+            <a:endParaRPr lang="ko-KR" altLang="en-US" sz="1400" dirty="0">
+              <a:solidFill>
+                <a:sysClr val="windowText" lastClr="000000"/>
+              </a:solidFill>
+            </a:endParaRPr>
+          </a:p>
+        </p:txBody>
+      </p:sp>
+      <p:sp>
+        <p:nvSpPr>
+          <p:cNvPr id="55" name="사각형: 둥근 모서리 54">
+            <a:extLst>
+              <a:ext uri="{FF2B5EF4-FFF2-40B4-BE49-F238E27FC236}">
+                <a16:creationId xmlns:a16="http://schemas.microsoft.com/office/drawing/2014/main" id="{D1929C3A-C330-4309-AD9D-E30F9E52C9C8}"/>
+              </a:ext>
+            </a:extLst>
+          </p:cNvPr>
+          <p:cNvSpPr/>
+          <p:nvPr/>
+        </p:nvSpPr>
+        <p:spPr>
+          <a:xfrm>
+            <a:off x="3313725" y="5288148"/>
+            <a:ext cx="1474724" cy="462113"/>
+          </a:xfrm>
+          <a:prstGeom prst="roundRect">
+            <a:avLst/>
+          </a:prstGeom>
+          <a:noFill/>
+          <a:ln>
+            <a:solidFill>
+              <a:schemeClr val="tx1"/>
+            </a:solidFill>
+          </a:ln>
+        </p:spPr>
+        <p:style>
+          <a:lnRef idx="2">
+            <a:schemeClr val="accent1">
+              <a:shade val="50000"/>
+            </a:schemeClr>
+          </a:lnRef>
+          <a:fillRef idx="1">
+            <a:schemeClr val="accent1"/>
+          </a:fillRef>
+          <a:effectRef idx="0">
+            <a:schemeClr val="accent1"/>
+          </a:effectRef>
+          <a:fontRef idx="minor">
+            <a:schemeClr val="lt1"/>
+          </a:fontRef>
+        </p:style>
+        <p:txBody>
+          <a:bodyPr rtlCol="0" anchor="ctr"/>
+          <a:lstStyle/>
+          <a:p>
+            <a:pPr algn="ctr"/>
+            <a:r>
+              <a:rPr lang="ko-KR" altLang="en-US" sz="1200" dirty="0" err="1">
+                <a:solidFill>
+                  <a:sysClr val="windowText" lastClr="000000"/>
+                </a:solidFill>
+              </a:rPr>
+              <a:t>굴파기</a:t>
+            </a:r>
+            <a:r>
+              <a:rPr lang="ko-KR" altLang="en-US" sz="1200" dirty="0">
+                <a:solidFill>
+                  <a:sysClr val="windowText" lastClr="000000"/>
+                </a:solidFill>
+              </a:rPr>
+              <a:t> 버튼 임시 비활성화</a:t>
+            </a:r>
+          </a:p>
+        </p:txBody>
+      </p:sp>
+      <p:sp>
+        <p:nvSpPr>
+          <p:cNvPr id="56" name="사각형: 둥근 모서리 55">
+            <a:extLst>
+              <a:ext uri="{FF2B5EF4-FFF2-40B4-BE49-F238E27FC236}">
+                <a16:creationId xmlns:a16="http://schemas.microsoft.com/office/drawing/2014/main" id="{13715939-2468-4902-8C99-EB276B24E91B}"/>
+              </a:ext>
+            </a:extLst>
+          </p:cNvPr>
+          <p:cNvSpPr/>
+          <p:nvPr/>
+        </p:nvSpPr>
+        <p:spPr>
+          <a:xfrm>
+            <a:off x="915280" y="6028415"/>
+            <a:ext cx="1670922" cy="360270"/>
+          </a:xfrm>
+          <a:prstGeom prst="roundRect">
+            <a:avLst/>
+          </a:prstGeom>
+          <a:noFill/>
+          <a:ln>
+            <a:solidFill>
+              <a:schemeClr val="tx1"/>
+            </a:solidFill>
+          </a:ln>
+        </p:spPr>
+        <p:style>
+          <a:lnRef idx="2">
+            <a:schemeClr val="accent1">
+              <a:shade val="50000"/>
+            </a:schemeClr>
+          </a:lnRef>
+          <a:fillRef idx="1">
+            <a:schemeClr val="accent1"/>
+          </a:fillRef>
+          <a:effectRef idx="0">
+            <a:schemeClr val="accent1"/>
+          </a:effectRef>
+          <a:fontRef idx="minor">
+            <a:schemeClr val="lt1"/>
+          </a:fontRef>
+        </p:style>
+        <p:txBody>
+          <a:bodyPr rtlCol="0" anchor="ctr"/>
+          <a:lstStyle/>
+          <a:p>
+            <a:pPr algn="ctr"/>
+            <a:r>
+              <a:rPr lang="ko-KR" altLang="en-US" sz="1200" dirty="0" err="1">
+                <a:solidFill>
+                  <a:sysClr val="windowText" lastClr="000000"/>
+                </a:solidFill>
+              </a:rPr>
+              <a:t>굴파기</a:t>
+            </a:r>
+            <a:r>
+              <a:rPr lang="ko-KR" altLang="en-US" sz="1200" dirty="0">
+                <a:solidFill>
+                  <a:sysClr val="windowText" lastClr="000000"/>
+                </a:solidFill>
+              </a:rPr>
+              <a:t> 버튼 활성화</a:t>
+            </a:r>
+          </a:p>
+        </p:txBody>
+      </p:sp>
+      <p:sp>
+        <p:nvSpPr>
+          <p:cNvPr id="57" name="순서도: 수행의 시작/종료 56">
+            <a:extLst>
+              <a:ext uri="{FF2B5EF4-FFF2-40B4-BE49-F238E27FC236}">
+                <a16:creationId xmlns:a16="http://schemas.microsoft.com/office/drawing/2014/main" id="{88032F4A-20AD-4360-89C8-4BC829C0E880}"/>
+              </a:ext>
+            </a:extLst>
+          </p:cNvPr>
+          <p:cNvSpPr/>
+          <p:nvPr/>
+        </p:nvSpPr>
+        <p:spPr>
+          <a:xfrm>
+            <a:off x="3343257" y="5975938"/>
+            <a:ext cx="1408922" cy="463074"/>
+          </a:xfrm>
+          <a:prstGeom prst="flowChartTerminator">
+            <a:avLst/>
+          </a:prstGeom>
+          <a:noFill/>
+          <a:ln>
+            <a:solidFill>
+              <a:schemeClr val="tx1"/>
+            </a:solidFill>
+          </a:ln>
+        </p:spPr>
+        <p:style>
+          <a:lnRef idx="2">
+            <a:schemeClr val="accent1">
+              <a:shade val="50000"/>
+            </a:schemeClr>
+          </a:lnRef>
+          <a:fillRef idx="1">
+            <a:schemeClr val="accent1"/>
+          </a:fillRef>
+          <a:effectRef idx="0">
+            <a:schemeClr val="accent1"/>
+          </a:effectRef>
+          <a:fontRef idx="minor">
+            <a:schemeClr val="lt1"/>
+          </a:fontRef>
+        </p:style>
+        <p:txBody>
+          <a:bodyPr rtlCol="0" anchor="ctr"/>
+          <a:lstStyle/>
+          <a:p>
+            <a:pPr algn="ctr"/>
+            <a:r>
+              <a:rPr lang="ko-KR" altLang="en-US" sz="1200" dirty="0">
+                <a:solidFill>
+                  <a:schemeClr val="tx1"/>
+                </a:solidFill>
+              </a:rPr>
+              <a:t>비용</a:t>
+            </a:r>
+            <a:r>
+              <a:rPr lang="en-US" altLang="ko-KR" sz="1200" dirty="0">
+                <a:solidFill>
+                  <a:schemeClr val="tx1"/>
+                </a:solidFill>
+              </a:rPr>
+              <a:t>,</a:t>
+            </a:r>
+            <a:r>
+              <a:rPr lang="ko-KR" altLang="en-US" sz="1200" dirty="0">
+                <a:solidFill>
+                  <a:schemeClr val="tx1"/>
+                </a:solidFill>
+              </a:rPr>
+              <a:t>원석 갱신 </a:t>
+            </a:r>
+          </a:p>
+        </p:txBody>
+      </p:sp>
+      <p:sp>
+        <p:nvSpPr>
+          <p:cNvPr id="58" name="순서도: 처리 57">
+            <a:extLst>
+              <a:ext uri="{FF2B5EF4-FFF2-40B4-BE49-F238E27FC236}">
+                <a16:creationId xmlns:a16="http://schemas.microsoft.com/office/drawing/2014/main" id="{BA10B1C4-6F25-43A9-8FA7-8261C22631B8}"/>
+              </a:ext>
+            </a:extLst>
+          </p:cNvPr>
+          <p:cNvSpPr/>
+          <p:nvPr/>
+        </p:nvSpPr>
+        <p:spPr>
+          <a:xfrm>
+            <a:off x="412534" y="2996421"/>
+            <a:ext cx="5447083" cy="3535217"/>
+          </a:xfrm>
+          <a:prstGeom prst="flowChartProcess">
+            <a:avLst/>
+          </a:prstGeom>
+          <a:noFill/>
+          <a:ln>
+            <a:solidFill>
+              <a:schemeClr val="tx1"/>
+            </a:solidFill>
+          </a:ln>
+        </p:spPr>
+        <p:style>
+          <a:lnRef idx="2">
+            <a:schemeClr val="accent1">
+              <a:shade val="50000"/>
+            </a:schemeClr>
+          </a:lnRef>
+          <a:fillRef idx="1">
+            <a:schemeClr val="accent1"/>
+          </a:fillRef>
+          <a:effectRef idx="0">
+            <a:schemeClr val="accent1"/>
+          </a:effectRef>
+          <a:fontRef idx="minor">
+            <a:schemeClr val="lt1"/>
+          </a:fontRef>
+        </p:style>
+        <p:txBody>
+          <a:bodyPr rtlCol="0" anchor="ctr"/>
+          <a:lstStyle/>
+          <a:p>
+            <a:pPr algn="ctr"/>
+            <a:endParaRPr lang="ko-KR" altLang="en-US"/>
+          </a:p>
+        </p:txBody>
+      </p:sp>
+      <p:sp>
+        <p:nvSpPr>
+          <p:cNvPr id="59" name="순서도: 처리 58">
+            <a:extLst>
+              <a:ext uri="{FF2B5EF4-FFF2-40B4-BE49-F238E27FC236}">
+                <a16:creationId xmlns:a16="http://schemas.microsoft.com/office/drawing/2014/main" id="{DEBEE704-D98C-4154-81E4-677CB0C5B661}"/>
+              </a:ext>
+            </a:extLst>
+          </p:cNvPr>
+          <p:cNvSpPr/>
+          <p:nvPr/>
+        </p:nvSpPr>
+        <p:spPr>
+          <a:xfrm>
+            <a:off x="412534" y="2996421"/>
+            <a:ext cx="5447083" cy="469302"/>
+          </a:xfrm>
+          <a:prstGeom prst="flowChartProcess">
+            <a:avLst/>
+          </a:prstGeom>
+          <a:noFill/>
+          <a:ln>
+            <a:solidFill>
+              <a:schemeClr val="tx1"/>
+            </a:solidFill>
+          </a:ln>
+        </p:spPr>
+        <p:style>
+          <a:lnRef idx="2">
+            <a:schemeClr val="accent1">
+              <a:shade val="50000"/>
+            </a:schemeClr>
+          </a:lnRef>
+          <a:fillRef idx="1">
+            <a:schemeClr val="accent1"/>
+          </a:fillRef>
+          <a:effectRef idx="0">
+            <a:schemeClr val="accent1"/>
+          </a:effectRef>
+          <a:fontRef idx="minor">
+            <a:schemeClr val="lt1"/>
+          </a:fontRef>
+        </p:style>
+        <p:txBody>
+          <a:bodyPr rtlCol="0" anchor="ctr"/>
+          <a:lstStyle/>
+          <a:p>
+            <a:pPr algn="ctr"/>
+            <a:r>
+              <a:rPr lang="en-US" altLang="ko-KR" dirty="0">
+                <a:solidFill>
+                  <a:sysClr val="windowText" lastClr="000000"/>
+                </a:solidFill>
+              </a:rPr>
+              <a:t>UI</a:t>
+            </a:r>
+            <a:r>
+              <a:rPr lang="ko-KR" altLang="en-US" dirty="0">
+                <a:solidFill>
+                  <a:sysClr val="windowText" lastClr="000000"/>
+                </a:solidFill>
+              </a:rPr>
+              <a:t> 갱신</a:t>
+            </a:r>
+          </a:p>
+        </p:txBody>
+      </p:sp>
+      <p:cxnSp>
+        <p:nvCxnSpPr>
+          <p:cNvPr id="60" name="직선 화살표 연결선 59">
+            <a:extLst>
+              <a:ext uri="{FF2B5EF4-FFF2-40B4-BE49-F238E27FC236}">
+                <a16:creationId xmlns:a16="http://schemas.microsoft.com/office/drawing/2014/main" id="{9DC3BD6E-328B-4337-9F67-EF6587719E3D}"/>
+              </a:ext>
+            </a:extLst>
+          </p:cNvPr>
+          <p:cNvCxnSpPr>
+            <a:cxnSpLocks/>
+            <a:stCxn id="53" idx="3"/>
+            <a:endCxn id="43" idx="1"/>
+          </p:cNvCxnSpPr>
+          <p:nvPr/>
+        </p:nvCxnSpPr>
+        <p:spPr>
+          <a:xfrm flipV="1">
+            <a:off x="2997134" y="1552214"/>
+            <a:ext cx="277882" cy="2"/>
+          </a:xfrm>
+          <a:prstGeom prst="straightConnector1">
+            <a:avLst/>
+          </a:prstGeom>
+          <a:ln w="38100" cmpd="sng">
+            <a:solidFill>
+              <a:schemeClr val="tx1"/>
+            </a:solidFill>
+            <a:tailEnd type="triangle"/>
+          </a:ln>
+        </p:spPr>
+        <p:style>
+          <a:lnRef idx="1">
+            <a:schemeClr val="accent1"/>
+          </a:lnRef>
+          <a:fillRef idx="0">
+            <a:schemeClr val="accent1"/>
+          </a:fillRef>
+          <a:effectRef idx="0">
+            <a:schemeClr val="accent1"/>
+          </a:effectRef>
+          <a:fontRef idx="minor">
+            <a:schemeClr val="tx1"/>
+          </a:fontRef>
+        </p:style>
+      </p:cxnSp>
+      <p:cxnSp>
+        <p:nvCxnSpPr>
+          <p:cNvPr id="61" name="직선 화살표 연결선 60">
+            <a:extLst>
+              <a:ext uri="{FF2B5EF4-FFF2-40B4-BE49-F238E27FC236}">
+                <a16:creationId xmlns:a16="http://schemas.microsoft.com/office/drawing/2014/main" id="{BBE22725-7DB2-4C33-B63F-E93A5D2E7F70}"/>
+              </a:ext>
+            </a:extLst>
+          </p:cNvPr>
+          <p:cNvCxnSpPr>
+            <a:cxnSpLocks/>
+            <a:stCxn id="53" idx="2"/>
+            <a:endCxn id="47" idx="0"/>
+          </p:cNvCxnSpPr>
+          <p:nvPr/>
+        </p:nvCxnSpPr>
+        <p:spPr>
+          <a:xfrm>
+            <a:off x="1704834" y="1966008"/>
+            <a:ext cx="1" cy="174735"/>
+          </a:xfrm>
+          <a:prstGeom prst="straightConnector1">
+            <a:avLst/>
+          </a:prstGeom>
+          <a:ln w="38100" cmpd="sng">
+            <a:solidFill>
+              <a:schemeClr val="tx1"/>
+            </a:solidFill>
+            <a:tailEnd type="triangle"/>
+          </a:ln>
+        </p:spPr>
+        <p:style>
+          <a:lnRef idx="1">
+            <a:schemeClr val="accent1"/>
+          </a:lnRef>
+          <a:fillRef idx="0">
+            <a:schemeClr val="accent1"/>
+          </a:fillRef>
+          <a:effectRef idx="0">
+            <a:schemeClr val="accent1"/>
+          </a:effectRef>
+          <a:fontRef idx="minor">
+            <a:schemeClr val="tx1"/>
+          </a:fontRef>
+        </p:style>
+      </p:cxnSp>
+      <p:cxnSp>
+        <p:nvCxnSpPr>
+          <p:cNvPr id="62" name="직선 화살표 연결선 61">
+            <a:extLst>
+              <a:ext uri="{FF2B5EF4-FFF2-40B4-BE49-F238E27FC236}">
+                <a16:creationId xmlns:a16="http://schemas.microsoft.com/office/drawing/2014/main" id="{E5982272-8C92-4BBD-97FF-73C3C21DACE0}"/>
+              </a:ext>
+            </a:extLst>
+          </p:cNvPr>
+          <p:cNvCxnSpPr>
+            <a:cxnSpLocks/>
+            <a:stCxn id="43" idx="2"/>
+            <a:endCxn id="46" idx="0"/>
+          </p:cNvCxnSpPr>
+          <p:nvPr/>
+        </p:nvCxnSpPr>
+        <p:spPr>
+          <a:xfrm>
+            <a:off x="4567317" y="1837440"/>
+            <a:ext cx="0" cy="303303"/>
+          </a:xfrm>
+          <a:prstGeom prst="straightConnector1">
+            <a:avLst/>
+          </a:prstGeom>
+          <a:ln w="38100" cmpd="sng">
+            <a:solidFill>
+              <a:schemeClr val="tx1"/>
+            </a:solidFill>
+            <a:tailEnd type="triangle"/>
+          </a:ln>
+        </p:spPr>
+        <p:style>
+          <a:lnRef idx="1">
+            <a:schemeClr val="accent1"/>
+          </a:lnRef>
+          <a:fillRef idx="0">
+            <a:schemeClr val="accent1"/>
+          </a:fillRef>
+          <a:effectRef idx="0">
+            <a:schemeClr val="accent1"/>
+          </a:effectRef>
+          <a:fontRef idx="minor">
+            <a:schemeClr val="tx1"/>
+          </a:fontRef>
+        </p:style>
+      </p:cxnSp>
+      <p:cxnSp>
+        <p:nvCxnSpPr>
+          <p:cNvPr id="63" name="연결선: 꺾임 62">
+            <a:extLst>
+              <a:ext uri="{FF2B5EF4-FFF2-40B4-BE49-F238E27FC236}">
+                <a16:creationId xmlns:a16="http://schemas.microsoft.com/office/drawing/2014/main" id="{5585485B-3E09-4F3B-BB84-53E25B3DCA46}"/>
+              </a:ext>
+            </a:extLst>
+          </p:cNvPr>
+          <p:cNvCxnSpPr>
+            <a:cxnSpLocks/>
+            <a:stCxn id="50" idx="2"/>
+            <a:endCxn id="51" idx="0"/>
+          </p:cNvCxnSpPr>
+          <p:nvPr/>
+        </p:nvCxnSpPr>
+        <p:spPr>
+          <a:xfrm rot="5400000">
+            <a:off x="2757680" y="3864092"/>
+            <a:ext cx="286468" cy="2300346"/>
+          </a:xfrm>
+          <a:prstGeom prst="bentConnector3">
+            <a:avLst>
+              <a:gd name="adj1" fmla="val 50000"/>
+            </a:avLst>
+          </a:prstGeom>
+          <a:ln w="38100">
+            <a:solidFill>
+              <a:schemeClr val="tx1"/>
+            </a:solidFill>
+            <a:tailEnd type="triangle"/>
+          </a:ln>
+        </p:spPr>
+        <p:style>
+          <a:lnRef idx="1">
+            <a:schemeClr val="accent1"/>
+          </a:lnRef>
+          <a:fillRef idx="0">
+            <a:schemeClr val="accent1"/>
+          </a:fillRef>
+          <a:effectRef idx="0">
+            <a:schemeClr val="accent1"/>
+          </a:effectRef>
+          <a:fontRef idx="minor">
+            <a:schemeClr val="tx1"/>
+          </a:fontRef>
+        </p:style>
+      </p:cxnSp>
+      <p:cxnSp>
+        <p:nvCxnSpPr>
+          <p:cNvPr id="64" name="직선 화살표 연결선 63">
+            <a:extLst>
+              <a:ext uri="{FF2B5EF4-FFF2-40B4-BE49-F238E27FC236}">
+                <a16:creationId xmlns:a16="http://schemas.microsoft.com/office/drawing/2014/main" id="{22190AE6-D015-4F89-ADFC-2A5F71B461E4}"/>
+              </a:ext>
+            </a:extLst>
+          </p:cNvPr>
+          <p:cNvCxnSpPr>
+            <a:cxnSpLocks/>
+            <a:stCxn id="48" idx="3"/>
+            <a:endCxn id="50" idx="1"/>
+          </p:cNvCxnSpPr>
+          <p:nvPr/>
+        </p:nvCxnSpPr>
+        <p:spPr>
+          <a:xfrm flipV="1">
+            <a:off x="2796521" y="4639975"/>
+            <a:ext cx="517204" cy="1"/>
+          </a:xfrm>
+          <a:prstGeom prst="straightConnector1">
+            <a:avLst/>
+          </a:prstGeom>
+          <a:ln w="38100" cmpd="sng">
+            <a:solidFill>
+              <a:schemeClr val="tx1"/>
+            </a:solidFill>
+            <a:tailEnd type="triangle"/>
+          </a:ln>
+        </p:spPr>
+        <p:style>
+          <a:lnRef idx="1">
+            <a:schemeClr val="accent1"/>
+          </a:lnRef>
+          <a:fillRef idx="0">
+            <a:schemeClr val="accent1"/>
+          </a:fillRef>
+          <a:effectRef idx="0">
+            <a:schemeClr val="accent1"/>
+          </a:effectRef>
+          <a:fontRef idx="minor">
+            <a:schemeClr val="tx1"/>
+          </a:fontRef>
+        </p:style>
+      </p:cxnSp>
+      <p:cxnSp>
+        <p:nvCxnSpPr>
+          <p:cNvPr id="65" name="직선 화살표 연결선 64">
+            <a:extLst>
+              <a:ext uri="{FF2B5EF4-FFF2-40B4-BE49-F238E27FC236}">
+                <a16:creationId xmlns:a16="http://schemas.microsoft.com/office/drawing/2014/main" id="{291E197C-5070-4DEC-B438-4A6E3EAECDE6}"/>
+              </a:ext>
+            </a:extLst>
+          </p:cNvPr>
+          <p:cNvCxnSpPr>
+            <a:cxnSpLocks/>
+            <a:stCxn id="42" idx="2"/>
+            <a:endCxn id="48" idx="0"/>
+          </p:cNvCxnSpPr>
+          <p:nvPr/>
+        </p:nvCxnSpPr>
+        <p:spPr>
+          <a:xfrm>
+            <a:off x="1750741" y="4085311"/>
+            <a:ext cx="0" cy="211129"/>
+          </a:xfrm>
+          <a:prstGeom prst="straightConnector1">
+            <a:avLst/>
+          </a:prstGeom>
+          <a:ln w="38100" cmpd="sng">
+            <a:solidFill>
+              <a:schemeClr val="tx1"/>
+            </a:solidFill>
+            <a:tailEnd type="triangle"/>
+          </a:ln>
+        </p:spPr>
+        <p:style>
+          <a:lnRef idx="1">
+            <a:schemeClr val="accent1"/>
+          </a:lnRef>
+          <a:fillRef idx="0">
+            <a:schemeClr val="accent1"/>
+          </a:fillRef>
+          <a:effectRef idx="0">
+            <a:schemeClr val="accent1"/>
+          </a:effectRef>
+          <a:fontRef idx="minor">
+            <a:schemeClr val="tx1"/>
+          </a:fontRef>
+        </p:style>
+      </p:cxnSp>
+      <p:cxnSp>
+        <p:nvCxnSpPr>
+          <p:cNvPr id="66" name="직선 화살표 연결선 65">
+            <a:extLst>
+              <a:ext uri="{FF2B5EF4-FFF2-40B4-BE49-F238E27FC236}">
+                <a16:creationId xmlns:a16="http://schemas.microsoft.com/office/drawing/2014/main" id="{80F29ECA-7FAA-49E0-9D7B-40598FF61A1B}"/>
+              </a:ext>
+            </a:extLst>
+          </p:cNvPr>
+          <p:cNvCxnSpPr>
+            <a:cxnSpLocks/>
+            <a:stCxn id="51" idx="2"/>
+            <a:endCxn id="56" idx="0"/>
+          </p:cNvCxnSpPr>
+          <p:nvPr/>
+        </p:nvCxnSpPr>
+        <p:spPr>
+          <a:xfrm>
+            <a:off x="1750741" y="5891036"/>
+            <a:ext cx="0" cy="137379"/>
+          </a:xfrm>
+          <a:prstGeom prst="straightConnector1">
+            <a:avLst/>
+          </a:prstGeom>
+          <a:ln w="38100" cmpd="sng">
+            <a:solidFill>
+              <a:schemeClr val="tx1"/>
+            </a:solidFill>
+            <a:tailEnd type="triangle"/>
+          </a:ln>
+        </p:spPr>
+        <p:style>
+          <a:lnRef idx="1">
+            <a:schemeClr val="accent1"/>
+          </a:lnRef>
+          <a:fillRef idx="0">
+            <a:schemeClr val="accent1"/>
+          </a:fillRef>
+          <a:effectRef idx="0">
+            <a:schemeClr val="accent1"/>
+          </a:effectRef>
+          <a:fontRef idx="minor">
+            <a:schemeClr val="tx1"/>
+          </a:fontRef>
+        </p:style>
+      </p:cxnSp>
+      <p:cxnSp>
+        <p:nvCxnSpPr>
+          <p:cNvPr id="67" name="직선 화살표 연결선 66">
+            <a:extLst>
+              <a:ext uri="{FF2B5EF4-FFF2-40B4-BE49-F238E27FC236}">
+                <a16:creationId xmlns:a16="http://schemas.microsoft.com/office/drawing/2014/main" id="{4F39762E-FD44-4F58-B668-8458DF99E6D9}"/>
+              </a:ext>
+            </a:extLst>
+          </p:cNvPr>
+          <p:cNvCxnSpPr>
+            <a:cxnSpLocks/>
+            <a:stCxn id="51" idx="3"/>
+            <a:endCxn id="55" idx="1"/>
+          </p:cNvCxnSpPr>
+          <p:nvPr/>
+        </p:nvCxnSpPr>
+        <p:spPr>
+          <a:xfrm flipV="1">
+            <a:off x="2796521" y="5519205"/>
+            <a:ext cx="517204" cy="5063"/>
+          </a:xfrm>
+          <a:prstGeom prst="straightConnector1">
+            <a:avLst/>
+          </a:prstGeom>
+          <a:ln w="38100" cmpd="sng">
+            <a:solidFill>
+              <a:schemeClr val="tx1"/>
+            </a:solidFill>
+            <a:tailEnd type="triangle"/>
+          </a:ln>
+        </p:spPr>
+        <p:style>
+          <a:lnRef idx="1">
+            <a:schemeClr val="accent1"/>
+          </a:lnRef>
+          <a:fillRef idx="0">
+            <a:schemeClr val="accent1"/>
+          </a:fillRef>
+          <a:effectRef idx="0">
+            <a:schemeClr val="accent1"/>
+          </a:effectRef>
+          <a:fontRef idx="minor">
+            <a:schemeClr val="tx1"/>
+          </a:fontRef>
+        </p:style>
+      </p:cxnSp>
+      <p:cxnSp>
+        <p:nvCxnSpPr>
+          <p:cNvPr id="68" name="직선 화살표 연결선 67">
+            <a:extLst>
+              <a:ext uri="{FF2B5EF4-FFF2-40B4-BE49-F238E27FC236}">
+                <a16:creationId xmlns:a16="http://schemas.microsoft.com/office/drawing/2014/main" id="{7FA42B1D-B9D0-4DA6-80F5-5B488200A98A}"/>
+              </a:ext>
+            </a:extLst>
+          </p:cNvPr>
+          <p:cNvCxnSpPr>
+            <a:cxnSpLocks/>
+            <a:stCxn id="55" idx="2"/>
+            <a:endCxn id="57" idx="0"/>
+          </p:cNvCxnSpPr>
+          <p:nvPr/>
+        </p:nvCxnSpPr>
+        <p:spPr>
+          <a:xfrm flipH="1">
+            <a:off x="4047718" y="5750261"/>
+            <a:ext cx="3369" cy="225677"/>
+          </a:xfrm>
+          <a:prstGeom prst="straightConnector1">
+            <a:avLst/>
+          </a:prstGeom>
+          <a:ln w="38100" cmpd="sng">
+            <a:solidFill>
+              <a:schemeClr val="tx1"/>
+            </a:solidFill>
+            <a:tailEnd type="triangle"/>
+          </a:ln>
+        </p:spPr>
+        <p:style>
+          <a:lnRef idx="1">
+            <a:schemeClr val="accent1"/>
+          </a:lnRef>
+          <a:fillRef idx="0">
+            <a:schemeClr val="accent1"/>
+          </a:fillRef>
+          <a:effectRef idx="0">
+            <a:schemeClr val="accent1"/>
+          </a:effectRef>
+          <a:fontRef idx="minor">
+            <a:schemeClr val="tx1"/>
+          </a:fontRef>
+        </p:style>
+      </p:cxnSp>
+      <p:cxnSp>
+        <p:nvCxnSpPr>
+          <p:cNvPr id="69" name="직선 화살표 연결선 68">
+            <a:extLst>
+              <a:ext uri="{FF2B5EF4-FFF2-40B4-BE49-F238E27FC236}">
+                <a16:creationId xmlns:a16="http://schemas.microsoft.com/office/drawing/2014/main" id="{5369A3AA-C2D9-4432-B40E-D1F13B6BF1F1}"/>
+              </a:ext>
+            </a:extLst>
+          </p:cNvPr>
+          <p:cNvCxnSpPr>
+            <a:cxnSpLocks/>
+            <a:stCxn id="56" idx="3"/>
+            <a:endCxn id="57" idx="1"/>
+          </p:cNvCxnSpPr>
+          <p:nvPr/>
+        </p:nvCxnSpPr>
+        <p:spPr>
+          <a:xfrm flipV="1">
+            <a:off x="2586202" y="6207475"/>
+            <a:ext cx="757055" cy="1075"/>
+          </a:xfrm>
+          <a:prstGeom prst="straightConnector1">
+            <a:avLst/>
+          </a:prstGeom>
+          <a:ln w="38100" cmpd="sng">
+            <a:solidFill>
+              <a:schemeClr val="tx1"/>
+            </a:solidFill>
+            <a:tailEnd type="triangle"/>
+          </a:ln>
+        </p:spPr>
+        <p:style>
+          <a:lnRef idx="1">
+            <a:schemeClr val="accent1"/>
+          </a:lnRef>
+          <a:fillRef idx="0">
+            <a:schemeClr val="accent1"/>
+          </a:fillRef>
+          <a:effectRef idx="0">
+            <a:schemeClr val="accent1"/>
+          </a:effectRef>
+          <a:fontRef idx="minor">
+            <a:schemeClr val="tx1"/>
+          </a:fontRef>
+        </p:style>
+      </p:cxnSp>
+      <p:sp>
+        <p:nvSpPr>
+          <p:cNvPr id="34" name="TextBox 33">
+            <a:extLst>
+              <a:ext uri="{FF2B5EF4-FFF2-40B4-BE49-F238E27FC236}">
+                <a16:creationId xmlns:a16="http://schemas.microsoft.com/office/drawing/2014/main" id="{DA363E6A-7792-49C7-824C-D4F1CFA29216}"/>
+              </a:ext>
+            </a:extLst>
+          </p:cNvPr>
+          <p:cNvSpPr txBox="1"/>
+          <p:nvPr/>
+        </p:nvSpPr>
+        <p:spPr>
+          <a:xfrm>
+            <a:off x="2345023" y="4214404"/>
+            <a:ext cx="624658" cy="369332"/>
+          </a:xfrm>
+          <a:prstGeom prst="rect">
+            <a:avLst/>
+          </a:prstGeom>
+          <a:noFill/>
+        </p:spPr>
+        <p:txBody>
+          <a:bodyPr wrap="none" rtlCol="0">
+            <a:spAutoFit/>
+          </a:bodyPr>
+          <a:lstStyle/>
+          <a:p>
+            <a:r>
+              <a:rPr lang="en-US" altLang="ko-KR" dirty="0"/>
+              <a:t>True</a:t>
+            </a:r>
+            <a:endParaRPr lang="ko-KR" altLang="en-US" dirty="0"/>
+          </a:p>
+        </p:txBody>
+      </p:sp>
+      <p:sp>
+        <p:nvSpPr>
+          <p:cNvPr id="35" name="TextBox 34">
+            <a:extLst>
+              <a:ext uri="{FF2B5EF4-FFF2-40B4-BE49-F238E27FC236}">
+                <a16:creationId xmlns:a16="http://schemas.microsoft.com/office/drawing/2014/main" id="{7C0AE2CA-2E1D-4465-A763-B31E14310BCF}"/>
+              </a:ext>
+            </a:extLst>
+          </p:cNvPr>
+          <p:cNvSpPr txBox="1"/>
+          <p:nvPr/>
+        </p:nvSpPr>
+        <p:spPr>
+          <a:xfrm>
+            <a:off x="2345023" y="5120101"/>
+            <a:ext cx="689997" cy="369332"/>
+          </a:xfrm>
+          <a:prstGeom prst="rect">
+            <a:avLst/>
+          </a:prstGeom>
+          <a:noFill/>
+        </p:spPr>
+        <p:txBody>
+          <a:bodyPr wrap="none" rtlCol="0">
+            <a:spAutoFit/>
+          </a:bodyPr>
+          <a:lstStyle/>
+          <a:p>
+            <a:r>
+              <a:rPr lang="en-US" altLang="ko-KR" dirty="0"/>
+              <a:t>False</a:t>
+            </a:r>
+            <a:endParaRPr lang="ko-KR" altLang="en-US" dirty="0"/>
+          </a:p>
+        </p:txBody>
+      </p:sp>
+      <p:sp>
+        <p:nvSpPr>
+          <p:cNvPr id="36" name="TextBox 35">
+            <a:extLst>
+              <a:ext uri="{FF2B5EF4-FFF2-40B4-BE49-F238E27FC236}">
+                <a16:creationId xmlns:a16="http://schemas.microsoft.com/office/drawing/2014/main" id="{7F539819-02C4-4AAF-8DA1-03A66E58244D}"/>
+              </a:ext>
+            </a:extLst>
+          </p:cNvPr>
+          <p:cNvSpPr txBox="1"/>
+          <p:nvPr/>
+        </p:nvSpPr>
+        <p:spPr>
+          <a:xfrm>
+            <a:off x="934307" y="4788167"/>
+            <a:ext cx="689997" cy="369332"/>
+          </a:xfrm>
+          <a:prstGeom prst="rect">
+            <a:avLst/>
+          </a:prstGeom>
+          <a:noFill/>
+        </p:spPr>
+        <p:txBody>
+          <a:bodyPr wrap="none" rtlCol="0">
+            <a:spAutoFit/>
+          </a:bodyPr>
+          <a:lstStyle/>
+          <a:p>
+            <a:r>
+              <a:rPr lang="en-US" altLang="ko-KR" dirty="0"/>
+              <a:t>False</a:t>
+            </a:r>
+            <a:endParaRPr lang="ko-KR" altLang="en-US" dirty="0"/>
+          </a:p>
+        </p:txBody>
+      </p:sp>
+      <p:sp>
+        <p:nvSpPr>
+          <p:cNvPr id="37" name="TextBox 36">
+            <a:extLst>
+              <a:ext uri="{FF2B5EF4-FFF2-40B4-BE49-F238E27FC236}">
+                <a16:creationId xmlns:a16="http://schemas.microsoft.com/office/drawing/2014/main" id="{C6CFC4F9-FD2D-4451-A1B8-EF922B02AC2A}"/>
+              </a:ext>
+            </a:extLst>
+          </p:cNvPr>
+          <p:cNvSpPr txBox="1"/>
+          <p:nvPr/>
+        </p:nvSpPr>
+        <p:spPr>
+          <a:xfrm>
+            <a:off x="934307" y="5648356"/>
+            <a:ext cx="624658" cy="369332"/>
+          </a:xfrm>
+          <a:prstGeom prst="rect">
+            <a:avLst/>
+          </a:prstGeom>
+          <a:noFill/>
+        </p:spPr>
+        <p:txBody>
+          <a:bodyPr wrap="none" rtlCol="0">
+            <a:spAutoFit/>
+          </a:bodyPr>
+          <a:lstStyle/>
+          <a:p>
+            <a:r>
+              <a:rPr lang="en-US" altLang="ko-KR" dirty="0"/>
+              <a:t>True</a:t>
+            </a:r>
+            <a:endParaRPr lang="ko-KR" altLang="en-US" dirty="0"/>
+          </a:p>
+        </p:txBody>
+      </p:sp>
+    </p:spTree>
+    <p:extLst>
+      <p:ext uri="{BB962C8B-B14F-4D97-AF65-F5344CB8AC3E}">
+        <p14:creationId xmlns:p14="http://schemas.microsoft.com/office/powerpoint/2010/main" val="3254092654"/>
+      </p:ext>
+    </p:extLst>
+  </p:cSld>
+  <p:clrMapOvr>
+    <a:masterClrMapping/>
+  </p:clrMapOvr>
+</p:sld>
+</file>
+
+<file path=ppt/slides/slide5.xml><?xml version="1.0" encoding="utf-8"?>
+<p:sld xmlns:a="http://schemas.openxmlformats.org/drawingml/2006/main" xmlns:r="http://schemas.openxmlformats.org/officeDocument/2006/relationships" xmlns:p="http://schemas.openxmlformats.org/presentationml/2006/main">
+  <p:cSld>
+    <p:spTree>
+      <p:nvGrpSpPr>
+        <p:cNvPr id="1" name=""/>
+        <p:cNvGrpSpPr/>
+        <p:nvPr/>
+      </p:nvGrpSpPr>
+      <p:grpSpPr>
+        <a:xfrm>
+          <a:off x="0" y="0"/>
+          <a:ext cx="0" cy="0"/>
+          <a:chOff x="0" y="0"/>
+          <a:chExt cx="0" cy="0"/>
+        </a:xfrm>
+      </p:grpSpPr>
+      <p:pic>
+        <p:nvPicPr>
+          <p:cNvPr id="4" name="그림 3"/>
+          <p:cNvPicPr>
+            <a:picLocks noChangeAspect="1"/>
+          </p:cNvPicPr>
+          <p:nvPr/>
+        </p:nvPicPr>
+        <p:blipFill>
+          <a:blip r:embed="rId2"/>
+          <a:stretch>
+            <a:fillRect/>
+          </a:stretch>
+        </p:blipFill>
+        <p:spPr>
+          <a:xfrm>
+            <a:off x="6671256" y="293128"/>
+            <a:ext cx="2945424" cy="4708271"/>
+          </a:xfrm>
+          <a:prstGeom prst="rect">
+            <a:avLst/>
+          </a:prstGeom>
+        </p:spPr>
+      </p:pic>
+      <p:sp>
+        <p:nvSpPr>
+          <p:cNvPr id="12" name="직사각형 11"/>
+          <p:cNvSpPr/>
+          <p:nvPr/>
+        </p:nvSpPr>
+        <p:spPr>
+          <a:xfrm>
+            <a:off x="6465194" y="193116"/>
+            <a:ext cx="412124" cy="386366"/>
+          </a:xfrm>
+          <a:prstGeom prst="rect">
+            <a:avLst/>
+          </a:prstGeom>
+        </p:spPr>
+        <p:style>
+          <a:lnRef idx="2">
+            <a:schemeClr val="accent1">
+              <a:shade val="50000"/>
+            </a:schemeClr>
+          </a:lnRef>
+          <a:fillRef idx="1">
+            <a:schemeClr val="accent1"/>
+          </a:fillRef>
+          <a:effectRef idx="0">
+            <a:schemeClr val="accent1"/>
+          </a:effectRef>
+          <a:fontRef idx="minor">
+            <a:schemeClr val="lt1"/>
+          </a:fontRef>
+        </p:style>
+        <p:txBody>
+          <a:bodyPr rtlCol="0" anchor="ctr"/>
+          <a:lstStyle/>
+          <a:p>
+            <a:pPr algn="ctr"/>
+            <a:r>
+              <a:rPr lang="en-US" altLang="ko-KR" dirty="0"/>
               <a:t>1</a:t>
             </a:r>
             <a:endParaRPr lang="ko-KR" altLang="en-US" dirty="0"/>
@@ -3841,7 +10268,7 @@
             <a:p>
               <a:pPr algn="ctr"/>
               <a:r>
-                <a:rPr lang="en-US" altLang="ko-KR" dirty="0" smtClean="0"/>
+                <a:rPr lang="en-US" altLang="ko-KR" dirty="0"/>
                 <a:t>1</a:t>
               </a:r>
               <a:endParaRPr lang="ko-KR" altLang="en-US" dirty="0"/>
@@ -3885,7 +10312,7 @@
             <a:p>
               <a:pPr algn="ctr"/>
               <a:r>
-                <a:rPr lang="en-US" altLang="ko-KR" dirty="0" smtClean="0"/>
+                <a:rPr lang="en-US" altLang="ko-KR" dirty="0"/>
                 <a:t>2</a:t>
               </a:r>
               <a:endParaRPr lang="ko-KR" altLang="en-US" dirty="0"/>
@@ -3929,7 +10356,7 @@
             <a:p>
               <a:pPr algn="ctr"/>
               <a:r>
-                <a:rPr lang="en-US" altLang="ko-KR" dirty="0" smtClean="0"/>
+                <a:rPr lang="en-US" altLang="ko-KR" dirty="0"/>
                 <a:t>3</a:t>
               </a:r>
               <a:endParaRPr lang="ko-KR" altLang="en-US" dirty="0"/>
@@ -3973,7 +10400,7 @@
             <a:p>
               <a:pPr algn="ctr"/>
               <a:r>
-                <a:rPr lang="en-US" altLang="ko-KR" dirty="0" smtClean="0"/>
+                <a:rPr lang="en-US" altLang="ko-KR" dirty="0"/>
                 <a:t>4</a:t>
               </a:r>
               <a:endParaRPr lang="ko-KR" altLang="en-US" dirty="0"/>
@@ -4017,7 +10444,7 @@
             <a:p>
               <a:pPr algn="ctr"/>
               <a:r>
-                <a:rPr lang="en-US" altLang="ko-KR" dirty="0" smtClean="0"/>
+                <a:rPr lang="en-US" altLang="ko-KR" dirty="0"/>
                 <a:t>5</a:t>
               </a:r>
               <a:endParaRPr lang="ko-KR" altLang="en-US" dirty="0"/>
@@ -4061,7 +10488,7 @@
             <a:p>
               <a:pPr algn="ctr"/>
               <a:r>
-                <a:rPr lang="en-US" altLang="ko-KR" dirty="0" smtClean="0"/>
+                <a:rPr lang="en-US" altLang="ko-KR" dirty="0"/>
                 <a:t>6</a:t>
               </a:r>
               <a:endParaRPr lang="ko-KR" altLang="en-US" dirty="0"/>
@@ -4105,7 +10532,7 @@
             <a:p>
               <a:pPr algn="ctr"/>
               <a:r>
-                <a:rPr lang="en-US" altLang="ko-KR" dirty="0" smtClean="0"/>
+                <a:rPr lang="en-US" altLang="ko-KR" dirty="0"/>
                 <a:t>7</a:t>
               </a:r>
               <a:endParaRPr lang="ko-KR" altLang="en-US" dirty="0"/>
@@ -4180,176 +10607,176 @@
           <a:lstStyle/>
           <a:p>
             <a:r>
-              <a:rPr lang="ko-KR" altLang="en-US" sz="1600" b="1" dirty="0" err="1" smtClean="0"/>
+              <a:rPr lang="ko-KR" altLang="en-US" sz="1600" b="1" dirty="0" err="1"/>
               <a:t>메인화면</a:t>
             </a:r>
-            <a:endParaRPr lang="en-US" altLang="ko-KR" sz="1600" b="1" dirty="0" smtClean="0"/>
-          </a:p>
-          <a:p>
-            <a:r>
-              <a:rPr lang="en-US" altLang="ko-KR" sz="1400" dirty="0" smtClean="0"/>
+            <a:endParaRPr lang="en-US" altLang="ko-KR" sz="1600" b="1" dirty="0"/>
+          </a:p>
+          <a:p>
+            <a:r>
+              <a:rPr lang="en-US" altLang="ko-KR" sz="1400" dirty="0"/>
               <a:t>-</a:t>
             </a:r>
             <a:r>
-              <a:rPr lang="ko-KR" altLang="en-US" sz="1400" dirty="0" err="1" smtClean="0"/>
+              <a:rPr lang="ko-KR" altLang="en-US" sz="1400" dirty="0" err="1"/>
               <a:t>원석획득</a:t>
             </a:r>
-            <a:endParaRPr lang="en-US" altLang="ko-KR" sz="1400" dirty="0" smtClean="0"/>
-          </a:p>
-          <a:p>
-            <a:r>
-              <a:rPr lang="ko-KR" altLang="en-US" sz="1200" dirty="0" err="1" smtClean="0"/>
+            <a:endParaRPr lang="en-US" altLang="ko-KR" sz="1400" dirty="0"/>
+          </a:p>
+          <a:p>
+            <a:r>
+              <a:rPr lang="ko-KR" altLang="en-US" sz="1200" dirty="0" err="1"/>
               <a:t>터치구역을</a:t>
             </a:r>
             <a:r>
-              <a:rPr lang="ko-KR" altLang="en-US" sz="1200" dirty="0" smtClean="0"/>
+              <a:rPr lang="ko-KR" altLang="en-US" sz="1200" dirty="0"/>
               <a:t> 클릭하여 원석을 획득</a:t>
             </a:r>
             <a:r>
-              <a:rPr lang="en-US" altLang="ko-KR" sz="1200" dirty="0" smtClean="0"/>
+              <a:rPr lang="en-US" altLang="ko-KR" sz="1200" dirty="0"/>
               <a:t>.</a:t>
             </a:r>
           </a:p>
           <a:p>
             <a:r>
-              <a:rPr lang="ko-KR" altLang="en-US" sz="1200" dirty="0" smtClean="0"/>
+              <a:rPr lang="ko-KR" altLang="en-US" sz="1200" dirty="0"/>
               <a:t>알바를 고용하여 터치하지 않아도 시간마다 </a:t>
             </a:r>
             <a:r>
-              <a:rPr lang="ko-KR" altLang="en-US" sz="1200" dirty="0" err="1" smtClean="0"/>
+              <a:rPr lang="ko-KR" altLang="en-US" sz="1200" dirty="0" err="1"/>
               <a:t>원석획득</a:t>
             </a:r>
-            <a:endParaRPr lang="en-US" altLang="ko-KR" sz="1200" dirty="0" smtClean="0"/>
-          </a:p>
-          <a:p>
-            <a:endParaRPr lang="en-US" altLang="ko-KR" sz="1200" dirty="0" smtClean="0"/>
-          </a:p>
-          <a:p>
-            <a:r>
-              <a:rPr lang="en-US" altLang="ko-KR" sz="1400" dirty="0" smtClean="0"/>
+            <a:endParaRPr lang="en-US" altLang="ko-KR" sz="1200" dirty="0"/>
+          </a:p>
+          <a:p>
+            <a:endParaRPr lang="en-US" altLang="ko-KR" sz="1200" dirty="0"/>
+          </a:p>
+          <a:p>
+            <a:r>
+              <a:rPr lang="en-US" altLang="ko-KR" sz="1400" dirty="0"/>
               <a:t>-</a:t>
             </a:r>
             <a:r>
-              <a:rPr lang="ko-KR" altLang="en-US" sz="1400" dirty="0" smtClean="0"/>
+              <a:rPr lang="ko-KR" altLang="en-US" sz="1400" dirty="0"/>
               <a:t>플레이어 위치변경</a:t>
             </a:r>
-            <a:endParaRPr lang="en-US" altLang="ko-KR" sz="1400" dirty="0" smtClean="0"/>
-          </a:p>
-          <a:p>
-            <a:r>
-              <a:rPr lang="ko-KR" altLang="en-US" sz="1200" dirty="0" smtClean="0"/>
+            <a:endParaRPr lang="en-US" altLang="ko-KR" sz="1400" dirty="0"/>
+          </a:p>
+          <a:p>
+            <a:r>
+              <a:rPr lang="ko-KR" altLang="en-US" sz="1200" dirty="0"/>
               <a:t>위치변경 버튼을 눌러 </a:t>
             </a:r>
             <a:r>
-              <a:rPr lang="en-US" altLang="ko-KR" sz="1200" dirty="0" smtClean="0"/>
+              <a:rPr lang="en-US" altLang="ko-KR" sz="1200" dirty="0"/>
               <a:t>ON</a:t>
             </a:r>
             <a:r>
-              <a:rPr lang="ko-KR" altLang="en-US" sz="1200" dirty="0" smtClean="0"/>
+              <a:rPr lang="ko-KR" altLang="en-US" sz="1200" dirty="0"/>
               <a:t>상태로 만든 뒤 플레이어 공간에서 체크박스를 통해 플레이어의 위치를 옮길 수 있다</a:t>
             </a:r>
             <a:r>
-              <a:rPr lang="en-US" altLang="ko-KR" sz="1200" dirty="0" smtClean="0"/>
+              <a:rPr lang="en-US" altLang="ko-KR" sz="1200" dirty="0"/>
               <a:t>.</a:t>
             </a:r>
           </a:p>
           <a:p>
             <a:r>
-              <a:rPr lang="en-US" altLang="ko-KR" sz="1200" dirty="0" smtClean="0"/>
+              <a:rPr lang="en-US" altLang="ko-KR" sz="1200" dirty="0"/>
               <a:t>(</a:t>
             </a:r>
             <a:r>
-              <a:rPr lang="ko-KR" altLang="en-US" sz="1200" dirty="0" smtClean="0"/>
+              <a:rPr lang="ko-KR" altLang="en-US" sz="1200" dirty="0"/>
               <a:t>플레이어의 위치에 해당하는 원석 획득</a:t>
             </a:r>
             <a:r>
-              <a:rPr lang="en-US" altLang="ko-KR" sz="1200" dirty="0" smtClean="0"/>
+              <a:rPr lang="en-US" altLang="ko-KR" sz="1200" dirty="0"/>
               <a:t>)</a:t>
             </a:r>
           </a:p>
           <a:p>
-            <a:endParaRPr lang="en-US" altLang="ko-KR" sz="1200" dirty="0" smtClean="0"/>
-          </a:p>
-          <a:p>
-            <a:r>
-              <a:rPr lang="en-US" altLang="ko-KR" sz="1400" dirty="0" smtClean="0"/>
+            <a:endParaRPr lang="en-US" altLang="ko-KR" sz="1200" dirty="0"/>
+          </a:p>
+          <a:p>
+            <a:r>
+              <a:rPr lang="en-US" altLang="ko-KR" sz="1400" dirty="0"/>
               <a:t>-</a:t>
             </a:r>
             <a:r>
-              <a:rPr lang="ko-KR" altLang="en-US" sz="1400" dirty="0" err="1" smtClean="0"/>
+              <a:rPr lang="ko-KR" altLang="en-US" sz="1400" dirty="0" err="1"/>
               <a:t>굴파기</a:t>
             </a:r>
             <a:r>
-              <a:rPr lang="ko-KR" altLang="en-US" sz="1400" dirty="0" smtClean="0"/>
+              <a:rPr lang="ko-KR" altLang="en-US" sz="1400" dirty="0"/>
               <a:t> 실행</a:t>
             </a:r>
-            <a:endParaRPr lang="en-US" altLang="ko-KR" sz="1400" dirty="0" smtClean="0"/>
-          </a:p>
-          <a:p>
-            <a:r>
-              <a:rPr lang="en-US" altLang="ko-KR" sz="1200" dirty="0" smtClean="0"/>
+            <a:endParaRPr lang="en-US" altLang="ko-KR" sz="1400" dirty="0"/>
+          </a:p>
+          <a:p>
+            <a:r>
+              <a:rPr lang="en-US" altLang="ko-KR" sz="1200" dirty="0"/>
               <a:t>+</a:t>
             </a:r>
             <a:r>
-              <a:rPr lang="ko-KR" altLang="en-US" sz="1200" dirty="0" smtClean="0"/>
+              <a:rPr lang="ko-KR" altLang="en-US" sz="1200" dirty="0"/>
               <a:t>버튼을 클릭하여 더 깊은 땅굴을 팔 수 있다</a:t>
             </a:r>
             <a:r>
-              <a:rPr lang="en-US" altLang="ko-KR" sz="1200" dirty="0" smtClean="0"/>
+              <a:rPr lang="en-US" altLang="ko-KR" sz="1200" dirty="0"/>
               <a:t>.(</a:t>
             </a:r>
             <a:r>
-              <a:rPr lang="ko-KR" altLang="en-US" sz="1200" dirty="0" smtClean="0"/>
+              <a:rPr lang="ko-KR" altLang="en-US" sz="1200" dirty="0"/>
               <a:t>단계별로 </a:t>
             </a:r>
             <a:r>
-              <a:rPr lang="ko-KR" altLang="en-US" sz="1200" dirty="0" err="1" smtClean="0"/>
+              <a:rPr lang="ko-KR" altLang="en-US" sz="1200" dirty="0" err="1"/>
               <a:t>자산필요</a:t>
             </a:r>
             <a:r>
-              <a:rPr lang="en-US" altLang="ko-KR" sz="1200" dirty="0" smtClean="0"/>
+              <a:rPr lang="en-US" altLang="ko-KR" sz="1200" dirty="0"/>
               <a:t>)</a:t>
             </a:r>
           </a:p>
           <a:p>
-            <a:endParaRPr lang="en-US" altLang="ko-KR" sz="1200" dirty="0" smtClean="0"/>
-          </a:p>
-          <a:p>
-            <a:r>
-              <a:rPr lang="en-US" altLang="ko-KR" sz="1400" dirty="0" smtClean="0"/>
+            <a:endParaRPr lang="en-US" altLang="ko-KR" sz="1200" dirty="0"/>
+          </a:p>
+          <a:p>
+            <a:r>
+              <a:rPr lang="en-US" altLang="ko-KR" sz="1400" dirty="0"/>
               <a:t>-</a:t>
             </a:r>
             <a:r>
-              <a:rPr lang="ko-KR" altLang="en-US" sz="1400" dirty="0" err="1" smtClean="0"/>
+              <a:rPr lang="ko-KR" altLang="en-US" sz="1400" dirty="0" err="1"/>
               <a:t>스킬사용</a:t>
             </a:r>
-            <a:endParaRPr lang="en-US" altLang="ko-KR" sz="1400" dirty="0" smtClean="0"/>
-          </a:p>
-          <a:p>
-            <a:r>
-              <a:rPr lang="ko-KR" altLang="en-US" sz="1200" dirty="0" err="1" smtClean="0"/>
+            <a:endParaRPr lang="en-US" altLang="ko-KR" sz="1400" dirty="0"/>
+          </a:p>
+          <a:p>
+            <a:r>
+              <a:rPr lang="ko-KR" altLang="en-US" sz="1200" dirty="0" err="1"/>
               <a:t>좌측상단</a:t>
             </a:r>
             <a:r>
-              <a:rPr lang="ko-KR" altLang="en-US" sz="1200" dirty="0" smtClean="0"/>
+              <a:rPr lang="ko-KR" altLang="en-US" sz="1200" dirty="0"/>
               <a:t> 스킬 아이콘을 사용하여 </a:t>
             </a:r>
             <a:r>
-              <a:rPr lang="ko-KR" altLang="en-US" sz="1200" dirty="0" err="1" smtClean="0"/>
+              <a:rPr lang="ko-KR" altLang="en-US" sz="1200" dirty="0" err="1"/>
               <a:t>스킬사용</a:t>
             </a:r>
-            <a:endParaRPr lang="en-US" altLang="ko-KR" sz="1200" dirty="0" smtClean="0"/>
-          </a:p>
-          <a:p>
             <a:endParaRPr lang="en-US" altLang="ko-KR" sz="1200" dirty="0"/>
           </a:p>
           <a:p>
-            <a:r>
-              <a:rPr lang="en-US" altLang="ko-KR" sz="1400" dirty="0" smtClean="0"/>
+            <a:endParaRPr lang="en-US" altLang="ko-KR" sz="1200" dirty="0"/>
+          </a:p>
+          <a:p>
+            <a:r>
+              <a:rPr lang="en-US" altLang="ko-KR" sz="1400" dirty="0"/>
               <a:t>-</a:t>
             </a:r>
             <a:r>
-              <a:rPr lang="ko-KR" altLang="en-US" sz="1400" dirty="0" err="1" smtClean="0"/>
+              <a:rPr lang="ko-KR" altLang="en-US" sz="1400" dirty="0" err="1"/>
               <a:t>배경음</a:t>
             </a:r>
             <a:r>
@@ -4357,55 +10784,55 @@
               <a:t>,</a:t>
             </a:r>
             <a:r>
-              <a:rPr lang="ko-KR" altLang="en-US" sz="1400" dirty="0" smtClean="0"/>
+              <a:rPr lang="ko-KR" altLang="en-US" sz="1400" dirty="0"/>
               <a:t>설정</a:t>
             </a:r>
-            <a:endParaRPr lang="en-US" altLang="ko-KR" sz="1400" dirty="0" smtClean="0"/>
-          </a:p>
-          <a:p>
-            <a:r>
-              <a:rPr lang="ko-KR" altLang="en-US" sz="1200" dirty="0" smtClean="0"/>
+            <a:endParaRPr lang="en-US" altLang="ko-KR" sz="1400" dirty="0"/>
+          </a:p>
+          <a:p>
+            <a:r>
+              <a:rPr lang="ko-KR" altLang="en-US" sz="1200" dirty="0"/>
               <a:t>우측 상단 아이콘을 사용하여 설정</a:t>
             </a:r>
-            <a:endParaRPr lang="en-US" altLang="ko-KR" sz="1200" dirty="0" smtClean="0"/>
-          </a:p>
-          <a:p>
-            <a:endParaRPr lang="en-US" altLang="ko-KR" sz="1200" dirty="0" smtClean="0"/>
-          </a:p>
-          <a:p>
-            <a:r>
-              <a:rPr lang="en-US" altLang="ko-KR" sz="1400" dirty="0" smtClean="0"/>
+            <a:endParaRPr lang="en-US" altLang="ko-KR" sz="1200" dirty="0"/>
+          </a:p>
+          <a:p>
+            <a:endParaRPr lang="en-US" altLang="ko-KR" sz="1200" dirty="0"/>
+          </a:p>
+          <a:p>
+            <a:r>
+              <a:rPr lang="en-US" altLang="ko-KR" sz="1400" dirty="0"/>
               <a:t>-</a:t>
             </a:r>
             <a:r>
-              <a:rPr lang="ko-KR" altLang="en-US" sz="1400" dirty="0" err="1" smtClean="0"/>
+              <a:rPr lang="ko-KR" altLang="en-US" sz="1400" dirty="0" err="1"/>
               <a:t>화면팝업</a:t>
             </a:r>
-            <a:endParaRPr lang="en-US" altLang="ko-KR" sz="1400" dirty="0" smtClean="0"/>
-          </a:p>
-          <a:p>
-            <a:r>
-              <a:rPr lang="ko-KR" altLang="en-US" sz="1200" dirty="0" smtClean="0"/>
+            <a:endParaRPr lang="en-US" altLang="ko-KR" sz="1400" dirty="0"/>
+          </a:p>
+          <a:p>
+            <a:r>
+              <a:rPr lang="ko-KR" altLang="en-US" sz="1200" dirty="0"/>
               <a:t>하단 </a:t>
             </a:r>
             <a:r>
-              <a:rPr lang="ko-KR" altLang="en-US" sz="1200" dirty="0" err="1" smtClean="0"/>
+              <a:rPr lang="ko-KR" altLang="en-US" sz="1200" dirty="0" err="1"/>
               <a:t>팝업버튼을</a:t>
             </a:r>
             <a:r>
-              <a:rPr lang="ko-KR" altLang="en-US" sz="1200" dirty="0" smtClean="0"/>
+              <a:rPr lang="ko-KR" altLang="en-US" sz="1200" dirty="0"/>
               <a:t> 이용하여 </a:t>
             </a:r>
             <a:r>
-              <a:rPr lang="ko-KR" altLang="en-US" sz="1200" dirty="0" err="1" smtClean="0"/>
+              <a:rPr lang="ko-KR" altLang="en-US" sz="1200" dirty="0" err="1"/>
               <a:t>팝업창을</a:t>
             </a:r>
             <a:r>
-              <a:rPr lang="ko-KR" altLang="en-US" sz="1200" dirty="0" smtClean="0"/>
+              <a:rPr lang="ko-KR" altLang="en-US" sz="1200" dirty="0"/>
               <a:t> 킬 수 있다</a:t>
             </a:r>
             <a:r>
-              <a:rPr lang="en-US" altLang="ko-KR" sz="1200" dirty="0" smtClean="0"/>
+              <a:rPr lang="en-US" altLang="ko-KR" sz="1200" dirty="0"/>
               <a:t>.</a:t>
             </a:r>
             <a:endParaRPr lang="ko-KR" altLang="en-US" sz="1400" dirty="0"/>
@@ -4435,58 +10862,58 @@
           <a:lstStyle/>
           <a:p>
             <a:r>
-              <a:rPr lang="ko-KR" altLang="en-US" sz="1600" b="1" dirty="0" err="1" smtClean="0"/>
+              <a:rPr lang="ko-KR" altLang="en-US" sz="1600" b="1" dirty="0" err="1"/>
               <a:t>설정화면</a:t>
             </a:r>
-            <a:endParaRPr lang="en-US" altLang="ko-KR" sz="1600" b="1" dirty="0" smtClean="0"/>
-          </a:p>
-          <a:p>
-            <a:r>
-              <a:rPr lang="ko-KR" altLang="en-US" sz="1400" dirty="0" smtClean="0"/>
+            <a:endParaRPr lang="en-US" altLang="ko-KR" sz="1600" b="1" dirty="0"/>
+          </a:p>
+          <a:p>
+            <a:r>
+              <a:rPr lang="ko-KR" altLang="en-US" sz="1400" dirty="0"/>
               <a:t>게임 제작 정보 표시</a:t>
             </a:r>
             <a:r>
-              <a:rPr lang="en-US" altLang="ko-KR" sz="1400" dirty="0" smtClean="0"/>
+              <a:rPr lang="en-US" altLang="ko-KR" sz="1400" dirty="0"/>
               <a:t>,</a:t>
             </a:r>
           </a:p>
           <a:p>
             <a:r>
-              <a:rPr lang="ko-KR" altLang="en-US" sz="1400" dirty="0" smtClean="0"/>
+              <a:rPr lang="ko-KR" altLang="en-US" sz="1400" dirty="0"/>
               <a:t>배경음악  </a:t>
             </a:r>
             <a:r>
-              <a:rPr lang="en-US" altLang="ko-KR" sz="1400" dirty="0" smtClean="0"/>
+              <a:rPr lang="en-US" altLang="ko-KR" sz="1400" dirty="0"/>
               <a:t>on/off </a:t>
             </a:r>
             <a:r>
-              <a:rPr lang="ko-KR" altLang="en-US" sz="1400" dirty="0" smtClean="0"/>
+              <a:rPr lang="ko-KR" altLang="en-US" sz="1400" dirty="0"/>
               <a:t>선택</a:t>
             </a:r>
-            <a:endParaRPr lang="en-US" altLang="ko-KR" sz="1400" dirty="0" smtClean="0"/>
-          </a:p>
-          <a:p>
-            <a:r>
-              <a:rPr lang="ko-KR" altLang="en-US" sz="1400" dirty="0" smtClean="0"/>
+            <a:endParaRPr lang="en-US" altLang="ko-KR" sz="1400" dirty="0"/>
+          </a:p>
+          <a:p>
+            <a:r>
+              <a:rPr lang="ko-KR" altLang="en-US" sz="1400" dirty="0"/>
               <a:t>언어 선택 관련정보를 표시하는 화면</a:t>
             </a:r>
-            <a:endParaRPr lang="en-US" altLang="ko-KR" sz="1400" dirty="0" smtClean="0"/>
-          </a:p>
-          <a:p>
-            <a:r>
-              <a:rPr lang="ko-KR" altLang="en-US" sz="1400" dirty="0" smtClean="0"/>
+            <a:endParaRPr lang="en-US" altLang="ko-KR" sz="1400" dirty="0"/>
+          </a:p>
+          <a:p>
+            <a:r>
+              <a:rPr lang="ko-KR" altLang="en-US" sz="1400" dirty="0"/>
               <a:t>우측상단 </a:t>
             </a:r>
             <a:r>
-              <a:rPr lang="en-US" altLang="ko-KR" sz="1400" dirty="0" smtClean="0"/>
+              <a:rPr lang="en-US" altLang="ko-KR" sz="1400" dirty="0"/>
               <a:t>X </a:t>
             </a:r>
             <a:r>
-              <a:rPr lang="ko-KR" altLang="en-US" sz="1400" dirty="0" smtClean="0"/>
+              <a:rPr lang="ko-KR" altLang="en-US" sz="1400" dirty="0"/>
               <a:t>버튼을 눌러 메인화면으로 돌아갈 수 있다</a:t>
             </a:r>
             <a:r>
-              <a:rPr lang="en-US" altLang="ko-KR" sz="1400" dirty="0" smtClean="0"/>
+              <a:rPr lang="en-US" altLang="ko-KR" sz="1400" dirty="0"/>
               <a:t>.</a:t>
             </a:r>
           </a:p>
@@ -4496,822 +10923,6 @@
     <p:extLst>
       <p:ext uri="{BB962C8B-B14F-4D97-AF65-F5344CB8AC3E}">
         <p14:creationId xmlns:p14="http://schemas.microsoft.com/office/powerpoint/2010/main" val="1804214038"/>
-      </p:ext>
-    </p:extLst>
-  </p:cSld>
-  <p:clrMapOvr>
-    <a:masterClrMapping/>
-  </p:clrMapOvr>
-</p:sld>
-</file>
-
-<file path=ppt/slides/slide4.xml><?xml version="1.0" encoding="utf-8"?>
-<p:sld xmlns:a="http://schemas.openxmlformats.org/drawingml/2006/main" xmlns:r="http://schemas.openxmlformats.org/officeDocument/2006/relationships" xmlns:p="http://schemas.openxmlformats.org/presentationml/2006/main">
-  <p:cSld>
-    <p:spTree>
-      <p:nvGrpSpPr>
-        <p:cNvPr id="1" name=""/>
-        <p:cNvGrpSpPr/>
-        <p:nvPr/>
-      </p:nvGrpSpPr>
-      <p:grpSpPr>
-        <a:xfrm>
-          <a:off x="0" y="0"/>
-          <a:ext cx="0" cy="0"/>
-          <a:chOff x="0" y="0"/>
-          <a:chExt cx="0" cy="0"/>
-        </a:xfrm>
-      </p:grpSpPr>
-      <p:pic>
-        <p:nvPicPr>
-          <p:cNvPr id="44" name="그림 43"/>
-          <p:cNvPicPr>
-            <a:picLocks noChangeAspect="1"/>
-          </p:cNvPicPr>
-          <p:nvPr/>
-        </p:nvPicPr>
-        <p:blipFill>
-          <a:blip r:embed="rId2"/>
-          <a:stretch>
-            <a:fillRect/>
-          </a:stretch>
-        </p:blipFill>
-        <p:spPr>
-          <a:xfrm>
-            <a:off x="6664977" y="293128"/>
-            <a:ext cx="2951703" cy="4869561"/>
-          </a:xfrm>
-          <a:prstGeom prst="rect">
-            <a:avLst/>
-          </a:prstGeom>
-        </p:spPr>
-      </p:pic>
-      <p:pic>
-        <p:nvPicPr>
-          <p:cNvPr id="17" name="그림 16"/>
-          <p:cNvPicPr>
-            <a:picLocks noChangeAspect="1"/>
-          </p:cNvPicPr>
-          <p:nvPr/>
-        </p:nvPicPr>
-        <p:blipFill>
-          <a:blip r:embed="rId3"/>
-          <a:stretch>
-            <a:fillRect/>
-          </a:stretch>
-        </p:blipFill>
-        <p:spPr>
-          <a:xfrm>
-            <a:off x="980191" y="293128"/>
-            <a:ext cx="2945424" cy="4859202"/>
-          </a:xfrm>
-          <a:prstGeom prst="rect">
-            <a:avLst/>
-          </a:prstGeom>
-        </p:spPr>
-      </p:pic>
-      <p:sp>
-        <p:nvSpPr>
-          <p:cNvPr id="23" name="직사각형 22"/>
-          <p:cNvSpPr/>
-          <p:nvPr/>
-        </p:nvSpPr>
-        <p:spPr>
-          <a:xfrm>
-            <a:off x="774129" y="193116"/>
-            <a:ext cx="412124" cy="386366"/>
-          </a:xfrm>
-          <a:prstGeom prst="rect">
-            <a:avLst/>
-          </a:prstGeom>
-        </p:spPr>
-        <p:style>
-          <a:lnRef idx="2">
-            <a:schemeClr val="accent1">
-              <a:shade val="50000"/>
-            </a:schemeClr>
-          </a:lnRef>
-          <a:fillRef idx="1">
-            <a:schemeClr val="accent1"/>
-          </a:fillRef>
-          <a:effectRef idx="0">
-            <a:schemeClr val="accent1"/>
-          </a:effectRef>
-          <a:fontRef idx="minor">
-            <a:schemeClr val="lt1"/>
-          </a:fontRef>
-        </p:style>
-        <p:txBody>
-          <a:bodyPr rtlCol="0" anchor="ctr"/>
-          <a:lstStyle/>
-          <a:p>
-            <a:pPr algn="ctr"/>
-            <a:r>
-              <a:rPr lang="en-US" altLang="ko-KR" dirty="0" smtClean="0"/>
-              <a:t>2</a:t>
-            </a:r>
-            <a:endParaRPr lang="ko-KR" altLang="en-US" dirty="0"/>
-          </a:p>
-        </p:txBody>
-      </p:sp>
-      <p:sp>
-        <p:nvSpPr>
-          <p:cNvPr id="24" name="TextBox 23"/>
-          <p:cNvSpPr txBox="1"/>
-          <p:nvPr/>
-        </p:nvSpPr>
-        <p:spPr>
-          <a:xfrm>
-            <a:off x="3925615" y="381404"/>
-            <a:ext cx="2137893" cy="3785652"/>
-          </a:xfrm>
-          <a:prstGeom prst="rect">
-            <a:avLst/>
-          </a:prstGeom>
-          <a:noFill/>
-        </p:spPr>
-        <p:txBody>
-          <a:bodyPr wrap="square" rtlCol="0">
-            <a:spAutoFit/>
-          </a:bodyPr>
-          <a:lstStyle/>
-          <a:p>
-            <a:r>
-              <a:rPr lang="ko-KR" altLang="en-US" sz="1600" b="1" dirty="0" smtClean="0"/>
-              <a:t>플레이어화면</a:t>
-            </a:r>
-            <a:endParaRPr lang="en-US" altLang="ko-KR" sz="1600" b="1" dirty="0" smtClean="0"/>
-          </a:p>
-          <a:p>
-            <a:r>
-              <a:rPr lang="ko-KR" altLang="en-US" sz="1400" dirty="0" smtClean="0"/>
-              <a:t>현재 플레이어 정보표시</a:t>
-            </a:r>
-            <a:endParaRPr lang="en-US" altLang="ko-KR" sz="1400" dirty="0" smtClean="0"/>
-          </a:p>
-          <a:p>
-            <a:r>
-              <a:rPr lang="ko-KR" altLang="en-US" sz="1400" dirty="0" smtClean="0"/>
-              <a:t>업그레이드 버튼을 이용하여 업그레이드 가능</a:t>
-            </a:r>
-            <a:endParaRPr lang="en-US" altLang="ko-KR" sz="1400" dirty="0" smtClean="0"/>
-          </a:p>
-          <a:p>
-            <a:endParaRPr lang="en-US" altLang="ko-KR" sz="1400" dirty="0"/>
-          </a:p>
-          <a:p>
-            <a:r>
-              <a:rPr lang="ko-KR" altLang="en-US" sz="1400" dirty="0" smtClean="0"/>
-              <a:t>알바</a:t>
-            </a:r>
-            <a:r>
-              <a:rPr lang="en-US" altLang="ko-KR" sz="1400" dirty="0" smtClean="0"/>
-              <a:t>,</a:t>
-            </a:r>
-            <a:r>
-              <a:rPr lang="ko-KR" altLang="en-US" sz="1400" dirty="0" smtClean="0"/>
-              <a:t>광산의 소유에 따라 플레이어 능력 시너지 표시</a:t>
-            </a:r>
-            <a:endParaRPr lang="en-US" altLang="ko-KR" sz="1400" dirty="0" smtClean="0"/>
-          </a:p>
-          <a:p>
-            <a:endParaRPr lang="en-US" altLang="ko-KR" sz="1400" dirty="0"/>
-          </a:p>
-          <a:p>
-            <a:r>
-              <a:rPr lang="ko-KR" altLang="en-US" sz="1400" dirty="0" smtClean="0"/>
-              <a:t>소유하고있는 광산 표시</a:t>
-            </a:r>
-            <a:r>
-              <a:rPr lang="en-US" altLang="ko-KR" sz="1400" dirty="0" smtClean="0"/>
-              <a:t>,</a:t>
-            </a:r>
-            <a:r>
-              <a:rPr lang="ko-KR" altLang="en-US" sz="1400" dirty="0" smtClean="0"/>
-              <a:t> 판매 가능한 화면 </a:t>
-            </a:r>
-            <a:endParaRPr lang="en-US" altLang="ko-KR" sz="1400" dirty="0" smtClean="0"/>
-          </a:p>
-          <a:p>
-            <a:endParaRPr lang="en-US" altLang="ko-KR" sz="1400" dirty="0"/>
-          </a:p>
-          <a:p>
-            <a:r>
-              <a:rPr lang="ko-KR" altLang="en-US" sz="1400" dirty="0" smtClean="0"/>
-              <a:t>플레이어팝업 버튼을 다시 누르면 </a:t>
-            </a:r>
-            <a:r>
-              <a:rPr lang="ko-KR" altLang="en-US" sz="1400" dirty="0" err="1" smtClean="0"/>
-              <a:t>팝업창</a:t>
-            </a:r>
-            <a:r>
-              <a:rPr lang="ko-KR" altLang="en-US" sz="1400" dirty="0" smtClean="0"/>
-              <a:t> 꺼지고</a:t>
-            </a:r>
-            <a:r>
-              <a:rPr lang="en-US" altLang="ko-KR" sz="1400" dirty="0" smtClean="0"/>
-              <a:t>, </a:t>
-            </a:r>
-            <a:r>
-              <a:rPr lang="ko-KR" altLang="en-US" sz="1400" dirty="0" smtClean="0"/>
-              <a:t>다른 </a:t>
-            </a:r>
-            <a:r>
-              <a:rPr lang="ko-KR" altLang="en-US" sz="1400" dirty="0" err="1" smtClean="0"/>
-              <a:t>팝업버튼을</a:t>
-            </a:r>
-            <a:r>
-              <a:rPr lang="ko-KR" altLang="en-US" sz="1400" dirty="0" smtClean="0"/>
-              <a:t> 누르면 다른 팝업창화면으로 이동한다</a:t>
-            </a:r>
-            <a:r>
-              <a:rPr lang="en-US" altLang="ko-KR" sz="1400" dirty="0"/>
-              <a:t>.</a:t>
-            </a:r>
-            <a:endParaRPr lang="en-US" altLang="ko-KR" sz="1400" dirty="0" smtClean="0"/>
-          </a:p>
-        </p:txBody>
-      </p:sp>
-      <p:sp>
-        <p:nvSpPr>
-          <p:cNvPr id="42" name="직사각형 41"/>
-          <p:cNvSpPr/>
-          <p:nvPr/>
-        </p:nvSpPr>
-        <p:spPr>
-          <a:xfrm>
-            <a:off x="6465194" y="193116"/>
-            <a:ext cx="412124" cy="386366"/>
-          </a:xfrm>
-          <a:prstGeom prst="rect">
-            <a:avLst/>
-          </a:prstGeom>
-        </p:spPr>
-        <p:style>
-          <a:lnRef idx="2">
-            <a:schemeClr val="accent1">
-              <a:shade val="50000"/>
-            </a:schemeClr>
-          </a:lnRef>
-          <a:fillRef idx="1">
-            <a:schemeClr val="accent1"/>
-          </a:fillRef>
-          <a:effectRef idx="0">
-            <a:schemeClr val="accent1"/>
-          </a:effectRef>
-          <a:fontRef idx="minor">
-            <a:schemeClr val="lt1"/>
-          </a:fontRef>
-        </p:style>
-        <p:txBody>
-          <a:bodyPr rtlCol="0" anchor="ctr"/>
-          <a:lstStyle/>
-          <a:p>
-            <a:pPr algn="ctr"/>
-            <a:r>
-              <a:rPr lang="en-US" altLang="ko-KR" dirty="0" smtClean="0"/>
-              <a:t>3</a:t>
-            </a:r>
-            <a:endParaRPr lang="ko-KR" altLang="en-US" dirty="0"/>
-          </a:p>
-        </p:txBody>
-      </p:sp>
-      <p:sp>
-        <p:nvSpPr>
-          <p:cNvPr id="43" name="TextBox 42"/>
-          <p:cNvSpPr txBox="1"/>
-          <p:nvPr/>
-        </p:nvSpPr>
-        <p:spPr>
-          <a:xfrm>
-            <a:off x="9616680" y="381404"/>
-            <a:ext cx="2137893" cy="2708434"/>
-          </a:xfrm>
-          <a:prstGeom prst="rect">
-            <a:avLst/>
-          </a:prstGeom>
-          <a:noFill/>
-        </p:spPr>
-        <p:txBody>
-          <a:bodyPr wrap="square" rtlCol="0">
-            <a:spAutoFit/>
-          </a:bodyPr>
-          <a:lstStyle/>
-          <a:p>
-            <a:r>
-              <a:rPr lang="ko-KR" altLang="en-US" sz="1600" b="1" dirty="0" smtClean="0"/>
-              <a:t>알바</a:t>
-            </a:r>
-            <a:r>
-              <a:rPr lang="en-US" altLang="ko-KR" sz="1600" b="1" dirty="0" smtClean="0"/>
-              <a:t>/</a:t>
-            </a:r>
-            <a:r>
-              <a:rPr lang="ko-KR" altLang="en-US" sz="1600" b="1" dirty="0" err="1" smtClean="0"/>
-              <a:t>광산화면</a:t>
-            </a:r>
-            <a:endParaRPr lang="en-US" altLang="ko-KR" sz="1600" b="1" dirty="0" smtClean="0"/>
-          </a:p>
-          <a:p>
-            <a:r>
-              <a:rPr lang="ko-KR" altLang="en-US" sz="1400" dirty="0" smtClean="0"/>
-              <a:t>알바들을 고용</a:t>
-            </a:r>
-            <a:r>
-              <a:rPr lang="en-US" altLang="ko-KR" sz="1400" dirty="0" smtClean="0"/>
-              <a:t>,</a:t>
-            </a:r>
-            <a:r>
-              <a:rPr lang="ko-KR" altLang="en-US" sz="1400" dirty="0" smtClean="0"/>
-              <a:t>업그레이드 가능</a:t>
-            </a:r>
-            <a:endParaRPr lang="en-US" altLang="ko-KR" sz="1400" dirty="0" smtClean="0"/>
-          </a:p>
-          <a:p>
-            <a:endParaRPr lang="en-US" altLang="ko-KR" sz="1400" dirty="0"/>
-          </a:p>
-          <a:p>
-            <a:r>
-              <a:rPr lang="ko-KR" altLang="en-US" sz="1400" dirty="0" smtClean="0"/>
-              <a:t>광산 구매 가능</a:t>
-            </a:r>
-            <a:endParaRPr lang="en-US" altLang="ko-KR" sz="1400" dirty="0" smtClean="0"/>
-          </a:p>
-          <a:p>
-            <a:endParaRPr lang="en-US" altLang="ko-KR" sz="1400" dirty="0" smtClean="0"/>
-          </a:p>
-          <a:p>
-            <a:r>
-              <a:rPr lang="ko-KR" altLang="en-US" sz="1400" dirty="0" smtClean="0"/>
-              <a:t>알바</a:t>
-            </a:r>
-            <a:r>
-              <a:rPr lang="en-US" altLang="ko-KR" sz="1400" dirty="0" smtClean="0"/>
-              <a:t>/</a:t>
-            </a:r>
-            <a:r>
-              <a:rPr lang="ko-KR" altLang="en-US" sz="1400" dirty="0" err="1" smtClean="0"/>
-              <a:t>광산팝업</a:t>
-            </a:r>
-            <a:r>
-              <a:rPr lang="ko-KR" altLang="en-US" sz="1400" dirty="0" smtClean="0"/>
-              <a:t> </a:t>
-            </a:r>
-            <a:r>
-              <a:rPr lang="ko-KR" altLang="en-US" sz="1400" dirty="0"/>
-              <a:t>버튼을 다시 누르면 </a:t>
-            </a:r>
-            <a:r>
-              <a:rPr lang="ko-KR" altLang="en-US" sz="1400" dirty="0" err="1"/>
-              <a:t>팝업창</a:t>
-            </a:r>
-            <a:r>
-              <a:rPr lang="ko-KR" altLang="en-US" sz="1400" dirty="0"/>
-              <a:t> 꺼지고</a:t>
-            </a:r>
-            <a:r>
-              <a:rPr lang="en-US" altLang="ko-KR" sz="1400" dirty="0"/>
-              <a:t>, </a:t>
-            </a:r>
-            <a:r>
-              <a:rPr lang="ko-KR" altLang="en-US" sz="1400" dirty="0"/>
-              <a:t>다른 </a:t>
-            </a:r>
-            <a:r>
-              <a:rPr lang="ko-KR" altLang="en-US" sz="1400" dirty="0" err="1"/>
-              <a:t>팝업버튼을</a:t>
-            </a:r>
-            <a:r>
-              <a:rPr lang="ko-KR" altLang="en-US" sz="1400" dirty="0"/>
-              <a:t> 누르면 다른 팝업창화면으로 이동한다</a:t>
-            </a:r>
-            <a:r>
-              <a:rPr lang="en-US" altLang="ko-KR" sz="1400" dirty="0"/>
-              <a:t>.</a:t>
-            </a:r>
-          </a:p>
-          <a:p>
-            <a:endParaRPr lang="en-US" altLang="ko-KR" sz="1400" dirty="0" smtClean="0"/>
-          </a:p>
-        </p:txBody>
-      </p:sp>
-    </p:spTree>
-    <p:extLst>
-      <p:ext uri="{BB962C8B-B14F-4D97-AF65-F5344CB8AC3E}">
-        <p14:creationId xmlns:p14="http://schemas.microsoft.com/office/powerpoint/2010/main" val="1406118210"/>
-      </p:ext>
-    </p:extLst>
-  </p:cSld>
-  <p:clrMapOvr>
-    <a:masterClrMapping/>
-  </p:clrMapOvr>
-</p:sld>
-</file>
-
-<file path=ppt/slides/slide5.xml><?xml version="1.0" encoding="utf-8"?>
-<p:sld xmlns:a="http://schemas.openxmlformats.org/drawingml/2006/main" xmlns:r="http://schemas.openxmlformats.org/officeDocument/2006/relationships" xmlns:p="http://schemas.openxmlformats.org/presentationml/2006/main">
-  <p:cSld>
-    <p:spTree>
-      <p:nvGrpSpPr>
-        <p:cNvPr id="1" name=""/>
-        <p:cNvGrpSpPr/>
-        <p:nvPr/>
-      </p:nvGrpSpPr>
-      <p:grpSpPr>
-        <a:xfrm>
-          <a:off x="0" y="0"/>
-          <a:ext cx="0" cy="0"/>
-          <a:chOff x="0" y="0"/>
-          <a:chExt cx="0" cy="0"/>
-        </a:xfrm>
-      </p:grpSpPr>
-      <p:pic>
-        <p:nvPicPr>
-          <p:cNvPr id="3" name="그림 2"/>
-          <p:cNvPicPr>
-            <a:picLocks noChangeAspect="1"/>
-          </p:cNvPicPr>
-          <p:nvPr/>
-        </p:nvPicPr>
-        <p:blipFill>
-          <a:blip r:embed="rId2"/>
-          <a:stretch>
-            <a:fillRect/>
-          </a:stretch>
-        </p:blipFill>
-        <p:spPr>
-          <a:xfrm>
-            <a:off x="6664977" y="293128"/>
-            <a:ext cx="2949171" cy="4869561"/>
-          </a:xfrm>
-          <a:prstGeom prst="rect">
-            <a:avLst/>
-          </a:prstGeom>
-        </p:spPr>
-      </p:pic>
-      <p:pic>
-        <p:nvPicPr>
-          <p:cNvPr id="2" name="그림 1"/>
-          <p:cNvPicPr>
-            <a:picLocks noChangeAspect="1"/>
-          </p:cNvPicPr>
-          <p:nvPr/>
-        </p:nvPicPr>
-        <p:blipFill>
-          <a:blip r:embed="rId3"/>
-          <a:stretch>
-            <a:fillRect/>
-          </a:stretch>
-        </p:blipFill>
-        <p:spPr>
-          <a:xfrm>
-            <a:off x="980191" y="293129"/>
-            <a:ext cx="2923055" cy="4859202"/>
-          </a:xfrm>
-          <a:prstGeom prst="rect">
-            <a:avLst/>
-          </a:prstGeom>
-        </p:spPr>
-      </p:pic>
-      <p:sp>
-        <p:nvSpPr>
-          <p:cNvPr id="23" name="직사각형 22"/>
-          <p:cNvSpPr/>
-          <p:nvPr/>
-        </p:nvSpPr>
-        <p:spPr>
-          <a:xfrm>
-            <a:off x="774129" y="193116"/>
-            <a:ext cx="412124" cy="386366"/>
-          </a:xfrm>
-          <a:prstGeom prst="rect">
-            <a:avLst/>
-          </a:prstGeom>
-        </p:spPr>
-        <p:style>
-          <a:lnRef idx="2">
-            <a:schemeClr val="accent1">
-              <a:shade val="50000"/>
-            </a:schemeClr>
-          </a:lnRef>
-          <a:fillRef idx="1">
-            <a:schemeClr val="accent1"/>
-          </a:fillRef>
-          <a:effectRef idx="0">
-            <a:schemeClr val="accent1"/>
-          </a:effectRef>
-          <a:fontRef idx="minor">
-            <a:schemeClr val="lt1"/>
-          </a:fontRef>
-        </p:style>
-        <p:txBody>
-          <a:bodyPr rtlCol="0" anchor="ctr"/>
-          <a:lstStyle/>
-          <a:p>
-            <a:pPr algn="ctr"/>
-            <a:r>
-              <a:rPr lang="en-US" altLang="ko-KR" dirty="0" smtClean="0"/>
-              <a:t>4</a:t>
-            </a:r>
-            <a:endParaRPr lang="ko-KR" altLang="en-US" dirty="0"/>
-          </a:p>
-        </p:txBody>
-      </p:sp>
-      <p:sp>
-        <p:nvSpPr>
-          <p:cNvPr id="24" name="TextBox 23"/>
-          <p:cNvSpPr txBox="1"/>
-          <p:nvPr/>
-        </p:nvSpPr>
-        <p:spPr>
-          <a:xfrm>
-            <a:off x="3925615" y="381404"/>
-            <a:ext cx="2137893" cy="3170099"/>
-          </a:xfrm>
-          <a:prstGeom prst="rect">
-            <a:avLst/>
-          </a:prstGeom>
-          <a:noFill/>
-        </p:spPr>
-        <p:txBody>
-          <a:bodyPr wrap="square" rtlCol="0">
-            <a:spAutoFit/>
-          </a:bodyPr>
-          <a:lstStyle/>
-          <a:p>
-            <a:r>
-              <a:rPr lang="ko-KR" altLang="en-US" sz="1600" b="1" dirty="0" smtClean="0"/>
-              <a:t>퀘스트보상화면</a:t>
-            </a:r>
-            <a:endParaRPr lang="en-US" altLang="ko-KR" sz="1600" b="1" dirty="0" smtClean="0"/>
-          </a:p>
-          <a:p>
-            <a:r>
-              <a:rPr lang="ko-KR" altLang="en-US" sz="1400" dirty="0" err="1" smtClean="0"/>
-              <a:t>퀘스트설명</a:t>
-            </a:r>
-            <a:r>
-              <a:rPr lang="en-US" altLang="ko-KR" sz="1400" dirty="0" smtClean="0"/>
-              <a:t>, </a:t>
-            </a:r>
-            <a:r>
-              <a:rPr lang="ko-KR" altLang="en-US" sz="1400" dirty="0" smtClean="0"/>
-              <a:t>획득아이템표시</a:t>
-            </a:r>
-            <a:endParaRPr lang="en-US" altLang="ko-KR" sz="1400" dirty="0" smtClean="0"/>
-          </a:p>
-          <a:p>
-            <a:r>
-              <a:rPr lang="ko-KR" altLang="en-US" sz="1400" dirty="0" err="1" smtClean="0"/>
-              <a:t>퀘스트완료</a:t>
-            </a:r>
-            <a:r>
-              <a:rPr lang="ko-KR" altLang="en-US" sz="1400" dirty="0" smtClean="0"/>
-              <a:t> 요건 </a:t>
-            </a:r>
-            <a:r>
-              <a:rPr lang="ko-KR" altLang="en-US" sz="1400" dirty="0" err="1" smtClean="0"/>
-              <a:t>충족시</a:t>
-            </a:r>
-            <a:r>
-              <a:rPr lang="ko-KR" altLang="en-US" sz="1400" dirty="0" smtClean="0"/>
-              <a:t> 보상받기 버튼 활성화</a:t>
-            </a:r>
-            <a:endParaRPr lang="en-US" altLang="ko-KR" sz="1400" dirty="0" smtClean="0"/>
-          </a:p>
-          <a:p>
-            <a:r>
-              <a:rPr lang="ko-KR" altLang="en-US" sz="1400" dirty="0" smtClean="0"/>
-              <a:t>보상받기 버튼 </a:t>
-            </a:r>
-            <a:r>
-              <a:rPr lang="ko-KR" altLang="en-US" sz="1400" dirty="0" err="1" smtClean="0"/>
-              <a:t>클릭시</a:t>
-            </a:r>
-            <a:r>
-              <a:rPr lang="ko-KR" altLang="en-US" sz="1400" dirty="0" smtClean="0"/>
-              <a:t> </a:t>
-            </a:r>
-            <a:r>
-              <a:rPr lang="ko-KR" altLang="en-US" sz="1400" dirty="0" err="1" smtClean="0"/>
-              <a:t>아이템등</a:t>
-            </a:r>
-            <a:r>
-              <a:rPr lang="ko-KR" altLang="en-US" sz="1400" dirty="0" smtClean="0"/>
-              <a:t> 획득</a:t>
-            </a:r>
-            <a:endParaRPr lang="en-US" altLang="ko-KR" sz="1400" dirty="0" smtClean="0"/>
-          </a:p>
-          <a:p>
-            <a:endParaRPr lang="en-US" altLang="ko-KR" sz="1400" dirty="0"/>
-          </a:p>
-          <a:p>
-            <a:r>
-              <a:rPr lang="ko-KR" altLang="en-US" sz="1400" dirty="0"/>
-              <a:t>퀘스트보상</a:t>
-            </a:r>
-            <a:r>
-              <a:rPr lang="ko-KR" altLang="en-US" sz="1400" dirty="0" smtClean="0"/>
-              <a:t>팝업 </a:t>
-            </a:r>
-            <a:r>
-              <a:rPr lang="ko-KR" altLang="en-US" sz="1400" dirty="0"/>
-              <a:t>버튼을 다시 누르면 </a:t>
-            </a:r>
-            <a:r>
-              <a:rPr lang="ko-KR" altLang="en-US" sz="1400" dirty="0" err="1"/>
-              <a:t>팝업창</a:t>
-            </a:r>
-            <a:r>
-              <a:rPr lang="ko-KR" altLang="en-US" sz="1400" dirty="0"/>
-              <a:t> 꺼지고</a:t>
-            </a:r>
-            <a:r>
-              <a:rPr lang="en-US" altLang="ko-KR" sz="1400" dirty="0"/>
-              <a:t>, </a:t>
-            </a:r>
-            <a:r>
-              <a:rPr lang="ko-KR" altLang="en-US" sz="1400" dirty="0"/>
-              <a:t>다른 </a:t>
-            </a:r>
-            <a:r>
-              <a:rPr lang="ko-KR" altLang="en-US" sz="1400" dirty="0" err="1"/>
-              <a:t>팝업버튼을</a:t>
-            </a:r>
-            <a:r>
-              <a:rPr lang="ko-KR" altLang="en-US" sz="1400" dirty="0"/>
-              <a:t> 누르면 다른 팝업창화면으로 이동한다</a:t>
-            </a:r>
-            <a:r>
-              <a:rPr lang="en-US" altLang="ko-KR" sz="1400" dirty="0"/>
-              <a:t>.</a:t>
-            </a:r>
-          </a:p>
-          <a:p>
-            <a:endParaRPr lang="en-US" altLang="ko-KR" sz="1400" dirty="0" smtClean="0"/>
-          </a:p>
-        </p:txBody>
-      </p:sp>
-      <p:sp>
-        <p:nvSpPr>
-          <p:cNvPr id="42" name="직사각형 41"/>
-          <p:cNvSpPr/>
-          <p:nvPr/>
-        </p:nvSpPr>
-        <p:spPr>
-          <a:xfrm>
-            <a:off x="6465194" y="193116"/>
-            <a:ext cx="412124" cy="386366"/>
-          </a:xfrm>
-          <a:prstGeom prst="rect">
-            <a:avLst/>
-          </a:prstGeom>
-        </p:spPr>
-        <p:style>
-          <a:lnRef idx="2">
-            <a:schemeClr val="accent1">
-              <a:shade val="50000"/>
-            </a:schemeClr>
-          </a:lnRef>
-          <a:fillRef idx="1">
-            <a:schemeClr val="accent1"/>
-          </a:fillRef>
-          <a:effectRef idx="0">
-            <a:schemeClr val="accent1"/>
-          </a:effectRef>
-          <a:fontRef idx="minor">
-            <a:schemeClr val="lt1"/>
-          </a:fontRef>
-        </p:style>
-        <p:txBody>
-          <a:bodyPr rtlCol="0" anchor="ctr"/>
-          <a:lstStyle/>
-          <a:p>
-            <a:pPr algn="ctr"/>
-            <a:r>
-              <a:rPr lang="en-US" altLang="ko-KR" dirty="0" smtClean="0"/>
-              <a:t>5</a:t>
-            </a:r>
-            <a:endParaRPr lang="ko-KR" altLang="en-US" dirty="0"/>
-          </a:p>
-        </p:txBody>
-      </p:sp>
-      <p:sp>
-        <p:nvSpPr>
-          <p:cNvPr id="43" name="TextBox 42"/>
-          <p:cNvSpPr txBox="1"/>
-          <p:nvPr/>
-        </p:nvSpPr>
-        <p:spPr>
-          <a:xfrm>
-            <a:off x="9616680" y="381404"/>
-            <a:ext cx="2137893" cy="3570208"/>
-          </a:xfrm>
-          <a:prstGeom prst="rect">
-            <a:avLst/>
-          </a:prstGeom>
-          <a:noFill/>
-        </p:spPr>
-        <p:txBody>
-          <a:bodyPr wrap="square" rtlCol="0">
-            <a:spAutoFit/>
-          </a:bodyPr>
-          <a:lstStyle/>
-          <a:p>
-            <a:r>
-              <a:rPr lang="ko-KR" altLang="en-US" sz="1600" b="1" dirty="0" smtClean="0"/>
-              <a:t>원석가공화면</a:t>
-            </a:r>
-            <a:endParaRPr lang="en-US" altLang="ko-KR" sz="1600" b="1" dirty="0" smtClean="0"/>
-          </a:p>
-          <a:p>
-            <a:r>
-              <a:rPr lang="ko-KR" altLang="en-US" sz="1400" dirty="0" smtClean="0"/>
-              <a:t>원석들을 이용하여 제련된 광물을 얻을 수 있는 화면</a:t>
-            </a:r>
-            <a:endParaRPr lang="en-US" altLang="ko-KR" sz="1400" dirty="0" smtClean="0"/>
-          </a:p>
-          <a:p>
-            <a:r>
-              <a:rPr lang="ko-KR" altLang="en-US" sz="1400" dirty="0" smtClean="0"/>
-              <a:t>필요 </a:t>
-            </a:r>
-            <a:r>
-              <a:rPr lang="ko-KR" altLang="en-US" sz="1400" dirty="0" err="1" smtClean="0"/>
-              <a:t>원석갯수</a:t>
-            </a:r>
-            <a:r>
-              <a:rPr lang="ko-KR" altLang="en-US" sz="1400" dirty="0" smtClean="0"/>
-              <a:t> 충족 후 원석가공시작 버튼 </a:t>
-            </a:r>
-            <a:r>
-              <a:rPr lang="ko-KR" altLang="en-US" sz="1400" dirty="0" err="1" smtClean="0"/>
-              <a:t>클릭시</a:t>
-            </a:r>
-            <a:r>
-              <a:rPr lang="ko-KR" altLang="en-US" sz="1400" dirty="0" smtClean="0"/>
-              <a:t> 소요시간 타이머 시작 </a:t>
-            </a:r>
-            <a:r>
-              <a:rPr lang="ko-KR" altLang="en-US" sz="1400" dirty="0" err="1" smtClean="0"/>
-              <a:t>원석표시</a:t>
-            </a:r>
-            <a:r>
-              <a:rPr lang="ko-KR" altLang="en-US" sz="1400" dirty="0" smtClean="0"/>
-              <a:t> 화면을 클릭하여 원석을 제련할 수 있다</a:t>
-            </a:r>
-            <a:r>
-              <a:rPr lang="en-US" altLang="ko-KR" sz="1400" dirty="0" smtClean="0"/>
-              <a:t>. </a:t>
-            </a:r>
-            <a:r>
-              <a:rPr lang="ko-KR" altLang="en-US" sz="1400" dirty="0" smtClean="0"/>
-              <a:t>클릭한 수에 따라 </a:t>
-            </a:r>
-            <a:r>
-              <a:rPr lang="en-US" altLang="ko-KR" sz="1400" dirty="0" smtClean="0"/>
-              <a:t>A~SSS</a:t>
-            </a:r>
-            <a:r>
-              <a:rPr lang="ko-KR" altLang="en-US" sz="1400" dirty="0" smtClean="0"/>
-              <a:t>급 </a:t>
-            </a:r>
-            <a:r>
-              <a:rPr lang="ko-KR" altLang="en-US" sz="1400" dirty="0" err="1" smtClean="0"/>
-              <a:t>광물획득</a:t>
-            </a:r>
-            <a:endParaRPr lang="en-US" altLang="ko-KR" sz="1400" dirty="0" smtClean="0"/>
-          </a:p>
-          <a:p>
-            <a:endParaRPr lang="en-US" altLang="ko-KR" sz="1400" dirty="0"/>
-          </a:p>
-          <a:p>
-            <a:r>
-              <a:rPr lang="ko-KR" altLang="en-US" sz="1400" dirty="0"/>
-              <a:t>우측상단 </a:t>
-            </a:r>
-            <a:r>
-              <a:rPr lang="en-US" altLang="ko-KR" sz="1400" dirty="0"/>
-              <a:t>X </a:t>
-            </a:r>
-            <a:r>
-              <a:rPr lang="ko-KR" altLang="en-US" sz="1400" dirty="0"/>
-              <a:t>버튼을 눌러 메인화면으로 돌아갈 수 있다</a:t>
-            </a:r>
-            <a:r>
-              <a:rPr lang="en-US" altLang="ko-KR" sz="1400" dirty="0"/>
-              <a:t>.</a:t>
-            </a:r>
-          </a:p>
-          <a:p>
-            <a:endParaRPr lang="en-US" altLang="ko-KR" sz="1400" dirty="0"/>
-          </a:p>
-        </p:txBody>
-      </p:sp>
-    </p:spTree>
-    <p:extLst>
-      <p:ext uri="{BB962C8B-B14F-4D97-AF65-F5344CB8AC3E}">
-        <p14:creationId xmlns:p14="http://schemas.microsoft.com/office/powerpoint/2010/main" val="2281306742"/>
       </p:ext>
     </p:extLst>
   </p:cSld>
@@ -5340,7 +10951,7 @@
       </p:grpSpPr>
       <p:pic>
         <p:nvPicPr>
-          <p:cNvPr id="4" name="그림 3"/>
+          <p:cNvPr id="44" name="그림 43"/>
           <p:cNvPicPr>
             <a:picLocks noChangeAspect="1"/>
           </p:cNvPicPr>
@@ -5354,8 +10965,406 @@
         </p:blipFill>
         <p:spPr>
           <a:xfrm>
-            <a:off x="6664978" y="293129"/>
-            <a:ext cx="2898998" cy="4859202"/>
+            <a:off x="6664977" y="293128"/>
+            <a:ext cx="2951703" cy="4869561"/>
+          </a:xfrm>
+          <a:prstGeom prst="rect">
+            <a:avLst/>
+          </a:prstGeom>
+        </p:spPr>
+      </p:pic>
+      <p:pic>
+        <p:nvPicPr>
+          <p:cNvPr id="17" name="그림 16"/>
+          <p:cNvPicPr>
+            <a:picLocks noChangeAspect="1"/>
+          </p:cNvPicPr>
+          <p:nvPr/>
+        </p:nvPicPr>
+        <p:blipFill>
+          <a:blip r:embed="rId3"/>
+          <a:stretch>
+            <a:fillRect/>
+          </a:stretch>
+        </p:blipFill>
+        <p:spPr>
+          <a:xfrm>
+            <a:off x="980191" y="293128"/>
+            <a:ext cx="2945424" cy="4859202"/>
+          </a:xfrm>
+          <a:prstGeom prst="rect">
+            <a:avLst/>
+          </a:prstGeom>
+        </p:spPr>
+      </p:pic>
+      <p:sp>
+        <p:nvSpPr>
+          <p:cNvPr id="23" name="직사각형 22"/>
+          <p:cNvSpPr/>
+          <p:nvPr/>
+        </p:nvSpPr>
+        <p:spPr>
+          <a:xfrm>
+            <a:off x="774129" y="193116"/>
+            <a:ext cx="412124" cy="386366"/>
+          </a:xfrm>
+          <a:prstGeom prst="rect">
+            <a:avLst/>
+          </a:prstGeom>
+        </p:spPr>
+        <p:style>
+          <a:lnRef idx="2">
+            <a:schemeClr val="accent1">
+              <a:shade val="50000"/>
+            </a:schemeClr>
+          </a:lnRef>
+          <a:fillRef idx="1">
+            <a:schemeClr val="accent1"/>
+          </a:fillRef>
+          <a:effectRef idx="0">
+            <a:schemeClr val="accent1"/>
+          </a:effectRef>
+          <a:fontRef idx="minor">
+            <a:schemeClr val="lt1"/>
+          </a:fontRef>
+        </p:style>
+        <p:txBody>
+          <a:bodyPr rtlCol="0" anchor="ctr"/>
+          <a:lstStyle/>
+          <a:p>
+            <a:pPr algn="ctr"/>
+            <a:r>
+              <a:rPr lang="en-US" altLang="ko-KR" dirty="0"/>
+              <a:t>2</a:t>
+            </a:r>
+            <a:endParaRPr lang="ko-KR" altLang="en-US" dirty="0"/>
+          </a:p>
+        </p:txBody>
+      </p:sp>
+      <p:sp>
+        <p:nvSpPr>
+          <p:cNvPr id="24" name="TextBox 23"/>
+          <p:cNvSpPr txBox="1"/>
+          <p:nvPr/>
+        </p:nvSpPr>
+        <p:spPr>
+          <a:xfrm>
+            <a:off x="3925615" y="381404"/>
+            <a:ext cx="2137893" cy="3785652"/>
+          </a:xfrm>
+          <a:prstGeom prst="rect">
+            <a:avLst/>
+          </a:prstGeom>
+          <a:noFill/>
+        </p:spPr>
+        <p:txBody>
+          <a:bodyPr wrap="square" rtlCol="0">
+            <a:spAutoFit/>
+          </a:bodyPr>
+          <a:lstStyle/>
+          <a:p>
+            <a:r>
+              <a:rPr lang="ko-KR" altLang="en-US" sz="1600" b="1" dirty="0"/>
+              <a:t>플레이어화면</a:t>
+            </a:r>
+            <a:endParaRPr lang="en-US" altLang="ko-KR" sz="1600" b="1" dirty="0"/>
+          </a:p>
+          <a:p>
+            <a:r>
+              <a:rPr lang="ko-KR" altLang="en-US" sz="1400" dirty="0"/>
+              <a:t>현재 플레이어 정보표시</a:t>
+            </a:r>
+            <a:endParaRPr lang="en-US" altLang="ko-KR" sz="1400" dirty="0"/>
+          </a:p>
+          <a:p>
+            <a:r>
+              <a:rPr lang="ko-KR" altLang="en-US" sz="1400" dirty="0"/>
+              <a:t>업그레이드 버튼을 이용하여 업그레이드 가능</a:t>
+            </a:r>
+            <a:endParaRPr lang="en-US" altLang="ko-KR" sz="1400" dirty="0"/>
+          </a:p>
+          <a:p>
+            <a:endParaRPr lang="en-US" altLang="ko-KR" sz="1400" dirty="0"/>
+          </a:p>
+          <a:p>
+            <a:r>
+              <a:rPr lang="ko-KR" altLang="en-US" sz="1400" dirty="0"/>
+              <a:t>알바</a:t>
+            </a:r>
+            <a:r>
+              <a:rPr lang="en-US" altLang="ko-KR" sz="1400" dirty="0"/>
+              <a:t>,</a:t>
+            </a:r>
+            <a:r>
+              <a:rPr lang="ko-KR" altLang="en-US" sz="1400" dirty="0"/>
+              <a:t>광산의 소유에 따라 플레이어 능력 시너지 표시</a:t>
+            </a:r>
+            <a:endParaRPr lang="en-US" altLang="ko-KR" sz="1400" dirty="0"/>
+          </a:p>
+          <a:p>
+            <a:endParaRPr lang="en-US" altLang="ko-KR" sz="1400" dirty="0"/>
+          </a:p>
+          <a:p>
+            <a:r>
+              <a:rPr lang="ko-KR" altLang="en-US" sz="1400" dirty="0"/>
+              <a:t>소유하고있는 광산 표시</a:t>
+            </a:r>
+            <a:r>
+              <a:rPr lang="en-US" altLang="ko-KR" sz="1400" dirty="0"/>
+              <a:t>,</a:t>
+            </a:r>
+            <a:r>
+              <a:rPr lang="ko-KR" altLang="en-US" sz="1400" dirty="0"/>
+              <a:t> 판매 가능한 화면 </a:t>
+            </a:r>
+            <a:endParaRPr lang="en-US" altLang="ko-KR" sz="1400" dirty="0"/>
+          </a:p>
+          <a:p>
+            <a:endParaRPr lang="en-US" altLang="ko-KR" sz="1400" dirty="0"/>
+          </a:p>
+          <a:p>
+            <a:r>
+              <a:rPr lang="ko-KR" altLang="en-US" sz="1400" dirty="0"/>
+              <a:t>플레이어팝업 버튼을 다시 누르면 </a:t>
+            </a:r>
+            <a:r>
+              <a:rPr lang="ko-KR" altLang="en-US" sz="1400" dirty="0" err="1"/>
+              <a:t>팝업창</a:t>
+            </a:r>
+            <a:r>
+              <a:rPr lang="ko-KR" altLang="en-US" sz="1400" dirty="0"/>
+              <a:t> 꺼지고</a:t>
+            </a:r>
+            <a:r>
+              <a:rPr lang="en-US" altLang="ko-KR" sz="1400" dirty="0"/>
+              <a:t>, </a:t>
+            </a:r>
+            <a:r>
+              <a:rPr lang="ko-KR" altLang="en-US" sz="1400" dirty="0"/>
+              <a:t>다른 </a:t>
+            </a:r>
+            <a:r>
+              <a:rPr lang="ko-KR" altLang="en-US" sz="1400" dirty="0" err="1"/>
+              <a:t>팝업버튼을</a:t>
+            </a:r>
+            <a:r>
+              <a:rPr lang="ko-KR" altLang="en-US" sz="1400" dirty="0"/>
+              <a:t> 누르면 다른 팝업창화면으로 이동한다</a:t>
+            </a:r>
+            <a:r>
+              <a:rPr lang="en-US" altLang="ko-KR" sz="1400" dirty="0"/>
+              <a:t>.</a:t>
+            </a:r>
+          </a:p>
+        </p:txBody>
+      </p:sp>
+      <p:sp>
+        <p:nvSpPr>
+          <p:cNvPr id="42" name="직사각형 41"/>
+          <p:cNvSpPr/>
+          <p:nvPr/>
+        </p:nvSpPr>
+        <p:spPr>
+          <a:xfrm>
+            <a:off x="6465194" y="193116"/>
+            <a:ext cx="412124" cy="386366"/>
+          </a:xfrm>
+          <a:prstGeom prst="rect">
+            <a:avLst/>
+          </a:prstGeom>
+        </p:spPr>
+        <p:style>
+          <a:lnRef idx="2">
+            <a:schemeClr val="accent1">
+              <a:shade val="50000"/>
+            </a:schemeClr>
+          </a:lnRef>
+          <a:fillRef idx="1">
+            <a:schemeClr val="accent1"/>
+          </a:fillRef>
+          <a:effectRef idx="0">
+            <a:schemeClr val="accent1"/>
+          </a:effectRef>
+          <a:fontRef idx="minor">
+            <a:schemeClr val="lt1"/>
+          </a:fontRef>
+        </p:style>
+        <p:txBody>
+          <a:bodyPr rtlCol="0" anchor="ctr"/>
+          <a:lstStyle/>
+          <a:p>
+            <a:pPr algn="ctr"/>
+            <a:r>
+              <a:rPr lang="en-US" altLang="ko-KR" dirty="0"/>
+              <a:t>3</a:t>
+            </a:r>
+            <a:endParaRPr lang="ko-KR" altLang="en-US" dirty="0"/>
+          </a:p>
+        </p:txBody>
+      </p:sp>
+      <p:sp>
+        <p:nvSpPr>
+          <p:cNvPr id="43" name="TextBox 42"/>
+          <p:cNvSpPr txBox="1"/>
+          <p:nvPr/>
+        </p:nvSpPr>
+        <p:spPr>
+          <a:xfrm>
+            <a:off x="9616680" y="381404"/>
+            <a:ext cx="2137893" cy="2708434"/>
+          </a:xfrm>
+          <a:prstGeom prst="rect">
+            <a:avLst/>
+          </a:prstGeom>
+          <a:noFill/>
+        </p:spPr>
+        <p:txBody>
+          <a:bodyPr wrap="square" rtlCol="0">
+            <a:spAutoFit/>
+          </a:bodyPr>
+          <a:lstStyle/>
+          <a:p>
+            <a:r>
+              <a:rPr lang="ko-KR" altLang="en-US" sz="1600" b="1" dirty="0"/>
+              <a:t>알바</a:t>
+            </a:r>
+            <a:r>
+              <a:rPr lang="en-US" altLang="ko-KR" sz="1600" b="1" dirty="0"/>
+              <a:t>/</a:t>
+            </a:r>
+            <a:r>
+              <a:rPr lang="ko-KR" altLang="en-US" sz="1600" b="1" dirty="0" err="1"/>
+              <a:t>광산화면</a:t>
+            </a:r>
+            <a:endParaRPr lang="en-US" altLang="ko-KR" sz="1600" b="1" dirty="0"/>
+          </a:p>
+          <a:p>
+            <a:r>
+              <a:rPr lang="ko-KR" altLang="en-US" sz="1400" dirty="0"/>
+              <a:t>알바들을 고용</a:t>
+            </a:r>
+            <a:r>
+              <a:rPr lang="en-US" altLang="ko-KR" sz="1400" dirty="0"/>
+              <a:t>,</a:t>
+            </a:r>
+            <a:r>
+              <a:rPr lang="ko-KR" altLang="en-US" sz="1400" dirty="0"/>
+              <a:t>업그레이드 가능</a:t>
+            </a:r>
+            <a:endParaRPr lang="en-US" altLang="ko-KR" sz="1400" dirty="0"/>
+          </a:p>
+          <a:p>
+            <a:endParaRPr lang="en-US" altLang="ko-KR" sz="1400" dirty="0"/>
+          </a:p>
+          <a:p>
+            <a:r>
+              <a:rPr lang="ko-KR" altLang="en-US" sz="1400" dirty="0"/>
+              <a:t>광산 구매 가능</a:t>
+            </a:r>
+            <a:endParaRPr lang="en-US" altLang="ko-KR" sz="1400" dirty="0"/>
+          </a:p>
+          <a:p>
+            <a:endParaRPr lang="en-US" altLang="ko-KR" sz="1400" dirty="0"/>
+          </a:p>
+          <a:p>
+            <a:r>
+              <a:rPr lang="ko-KR" altLang="en-US" sz="1400" dirty="0"/>
+              <a:t>알바</a:t>
+            </a:r>
+            <a:r>
+              <a:rPr lang="en-US" altLang="ko-KR" sz="1400" dirty="0"/>
+              <a:t>/</a:t>
+            </a:r>
+            <a:r>
+              <a:rPr lang="ko-KR" altLang="en-US" sz="1400" dirty="0" err="1"/>
+              <a:t>광산팝업</a:t>
+            </a:r>
+            <a:r>
+              <a:rPr lang="ko-KR" altLang="en-US" sz="1400" dirty="0"/>
+              <a:t> 버튼을 다시 누르면 </a:t>
+            </a:r>
+            <a:r>
+              <a:rPr lang="ko-KR" altLang="en-US" sz="1400" dirty="0" err="1"/>
+              <a:t>팝업창</a:t>
+            </a:r>
+            <a:r>
+              <a:rPr lang="ko-KR" altLang="en-US" sz="1400" dirty="0"/>
+              <a:t> 꺼지고</a:t>
+            </a:r>
+            <a:r>
+              <a:rPr lang="en-US" altLang="ko-KR" sz="1400" dirty="0"/>
+              <a:t>, </a:t>
+            </a:r>
+            <a:r>
+              <a:rPr lang="ko-KR" altLang="en-US" sz="1400" dirty="0"/>
+              <a:t>다른 </a:t>
+            </a:r>
+            <a:r>
+              <a:rPr lang="ko-KR" altLang="en-US" sz="1400" dirty="0" err="1"/>
+              <a:t>팝업버튼을</a:t>
+            </a:r>
+            <a:r>
+              <a:rPr lang="ko-KR" altLang="en-US" sz="1400" dirty="0"/>
+              <a:t> 누르면 다른 팝업창화면으로 이동한다</a:t>
+            </a:r>
+            <a:r>
+              <a:rPr lang="en-US" altLang="ko-KR" sz="1400" dirty="0"/>
+              <a:t>.</a:t>
+            </a:r>
+          </a:p>
+          <a:p>
+            <a:endParaRPr lang="en-US" altLang="ko-KR" sz="1400" dirty="0"/>
+          </a:p>
+        </p:txBody>
+      </p:sp>
+    </p:spTree>
+    <p:extLst>
+      <p:ext uri="{BB962C8B-B14F-4D97-AF65-F5344CB8AC3E}">
+        <p14:creationId xmlns:p14="http://schemas.microsoft.com/office/powerpoint/2010/main" val="1406118210"/>
+      </p:ext>
+    </p:extLst>
+  </p:cSld>
+  <p:clrMapOvr>
+    <a:masterClrMapping/>
+  </p:clrMapOvr>
+</p:sld>
+</file>
+
+<file path=ppt/slides/slide7.xml><?xml version="1.0" encoding="utf-8"?>
+<p:sld xmlns:a="http://schemas.openxmlformats.org/drawingml/2006/main" xmlns:r="http://schemas.openxmlformats.org/officeDocument/2006/relationships" xmlns:p="http://schemas.openxmlformats.org/presentationml/2006/main">
+  <p:cSld>
+    <p:spTree>
+      <p:nvGrpSpPr>
+        <p:cNvPr id="1" name=""/>
+        <p:cNvGrpSpPr/>
+        <p:nvPr/>
+      </p:nvGrpSpPr>
+      <p:grpSpPr>
+        <a:xfrm>
+          <a:off x="0" y="0"/>
+          <a:ext cx="0" cy="0"/>
+          <a:chOff x="0" y="0"/>
+          <a:chExt cx="0" cy="0"/>
+        </a:xfrm>
+      </p:grpSpPr>
+      <p:pic>
+        <p:nvPicPr>
+          <p:cNvPr id="3" name="그림 2"/>
+          <p:cNvPicPr>
+            <a:picLocks noChangeAspect="1"/>
+          </p:cNvPicPr>
+          <p:nvPr/>
+        </p:nvPicPr>
+        <p:blipFill>
+          <a:blip r:embed="rId2"/>
+          <a:stretch>
+            <a:fillRect/>
+          </a:stretch>
+        </p:blipFill>
+        <p:spPr>
+          <a:xfrm>
+            <a:off x="6664977" y="293128"/>
+            <a:ext cx="2949171" cy="4869561"/>
           </a:xfrm>
           <a:prstGeom prst="rect">
             <a:avLst/>
@@ -5378,8 +11387,8 @@
         </p:blipFill>
         <p:spPr>
           <a:xfrm>
-            <a:off x="980192" y="293128"/>
-            <a:ext cx="2895964" cy="4859202"/>
+            <a:off x="980191" y="293129"/>
+            <a:ext cx="2923055" cy="4859202"/>
           </a:xfrm>
           <a:prstGeom prst="rect">
             <a:avLst/>
@@ -5423,8 +11432,8 @@
           <a:p>
             <a:pPr algn="ctr"/>
             <a:r>
-              <a:rPr lang="en-US" altLang="ko-KR" dirty="0" smtClean="0"/>
-              <a:t>6</a:t>
+              <a:rPr lang="en-US" altLang="ko-KR" dirty="0"/>
+              <a:t>4</a:t>
             </a:r>
             <a:endParaRPr lang="ko-KR" altLang="en-US" dirty="0"/>
           </a:p>
@@ -5439,7 +11448,7 @@
         <p:spPr>
           <a:xfrm>
             <a:off x="3925615" y="381404"/>
-            <a:ext cx="2137893" cy="2277547"/>
+            <a:ext cx="2137893" cy="3170099"/>
           </a:xfrm>
           <a:prstGeom prst="rect">
             <a:avLst/>
@@ -5453,102 +11462,107 @@
           <a:lstStyle/>
           <a:p>
             <a:r>
-              <a:rPr lang="ko-KR" altLang="en-US" sz="1600" b="1" dirty="0" smtClean="0"/>
-              <a:t>원석</a:t>
-            </a:r>
-            <a:r>
-              <a:rPr lang="en-US" altLang="ko-KR" sz="1600" b="1" dirty="0" smtClean="0"/>
-              <a:t>/</a:t>
-            </a:r>
-            <a:r>
-              <a:rPr lang="ko-KR" altLang="en-US" sz="1600" b="1" dirty="0" err="1" smtClean="0"/>
-              <a:t>광물화면</a:t>
-            </a:r>
-            <a:endParaRPr lang="en-US" altLang="ko-KR" sz="1600" b="1" dirty="0" smtClean="0"/>
-          </a:p>
-          <a:p>
-            <a:r>
-              <a:rPr lang="ko-KR" altLang="en-US" sz="1400" dirty="0" smtClean="0"/>
-              <a:t>현재 소유하고 있는 원석</a:t>
-            </a:r>
-            <a:r>
-              <a:rPr lang="en-US" altLang="ko-KR" sz="1400" dirty="0" smtClean="0"/>
-              <a:t>,</a:t>
-            </a:r>
-            <a:r>
-              <a:rPr lang="ko-KR" altLang="en-US" sz="1400" dirty="0" smtClean="0"/>
-              <a:t>광물 표시</a:t>
+              <a:rPr lang="ko-KR" altLang="en-US" sz="1600" b="1" dirty="0"/>
+              <a:t>퀘스트보상화면</a:t>
+            </a:r>
+            <a:endParaRPr lang="en-US" altLang="ko-KR" sz="1600" b="1" dirty="0"/>
+          </a:p>
+          <a:p>
+            <a:r>
+              <a:rPr lang="ko-KR" altLang="en-US" sz="1400" dirty="0" err="1"/>
+              <a:t>퀘스트설명</a:t>
+            </a:r>
+            <a:r>
+              <a:rPr lang="en-US" altLang="ko-KR" sz="1400" dirty="0"/>
+              <a:t>, </a:t>
+            </a:r>
+            <a:r>
+              <a:rPr lang="ko-KR" altLang="en-US" sz="1400" dirty="0"/>
+              <a:t>획득아이템표시</a:t>
             </a:r>
             <a:endParaRPr lang="en-US" altLang="ko-KR" sz="1400" dirty="0"/>
           </a:p>
           <a:p>
             <a:r>
-              <a:rPr lang="ko-KR" altLang="en-US" sz="1400" dirty="0" smtClean="0"/>
-              <a:t>원석</a:t>
-            </a:r>
-            <a:r>
-              <a:rPr lang="en-US" altLang="ko-KR" sz="1400" dirty="0" smtClean="0"/>
-              <a:t>,</a:t>
-            </a:r>
-            <a:r>
-              <a:rPr lang="ko-KR" altLang="en-US" sz="1400" dirty="0" err="1" smtClean="0"/>
-              <a:t>광물판</a:t>
-            </a:r>
-            <a:r>
-              <a:rPr lang="ko-KR" altLang="en-US" sz="1400" dirty="0" smtClean="0"/>
+              <a:rPr lang="ko-KR" altLang="en-US" sz="1400" dirty="0" err="1"/>
+              <a:t>퀘스트완료</a:t>
+            </a:r>
+            <a:r>
+              <a:rPr lang="ko-KR" altLang="en-US" sz="1400" dirty="0"/>
+              <a:t> 요건 </a:t>
+            </a:r>
+            <a:r>
+              <a:rPr lang="ko-KR" altLang="en-US" sz="1400" dirty="0" err="1"/>
+              <a:t>충족시</a:t>
+            </a:r>
+            <a:r>
+              <a:rPr lang="ko-KR" altLang="en-US" sz="1400" dirty="0"/>
+              <a:t> 보상받기 버튼 활성화</a:t>
+            </a:r>
+            <a:endParaRPr lang="en-US" altLang="ko-KR" sz="1400" dirty="0"/>
+          </a:p>
+          <a:p>
+            <a:r>
+              <a:rPr lang="ko-KR" altLang="en-US" sz="1400" dirty="0"/>
+              <a:t>보상받기 버튼 </a:t>
+            </a:r>
+            <a:r>
+              <a:rPr lang="ko-KR" altLang="en-US" sz="1400" dirty="0" err="1"/>
+              <a:t>클릭시</a:t>
+            </a:r>
+            <a:r>
+              <a:rPr lang="ko-KR" altLang="en-US" sz="1400" dirty="0"/>
               <a:t> </a:t>
             </a:r>
-            <a:endParaRPr lang="en-US" altLang="ko-KR" sz="1400" dirty="0" smtClean="0"/>
-          </a:p>
-          <a:p>
+            <a:r>
+              <a:rPr lang="ko-KR" altLang="en-US" sz="1400" dirty="0" err="1"/>
+              <a:t>아이템등</a:t>
+            </a:r>
+            <a:r>
+              <a:rPr lang="ko-KR" altLang="en-US" sz="1400" dirty="0"/>
+              <a:t> 획득</a:t>
+            </a:r>
             <a:endParaRPr lang="en-US" altLang="ko-KR" sz="1400" dirty="0"/>
           </a:p>
           <a:p>
-            <a:r>
-              <a:rPr lang="ko-KR" altLang="en-US" sz="1400" dirty="0" smtClean="0"/>
-              <a:t>원석</a:t>
-            </a:r>
-            <a:r>
-              <a:rPr lang="en-US" altLang="ko-KR" sz="1400" dirty="0" smtClean="0"/>
-              <a:t>/</a:t>
-            </a:r>
-            <a:r>
-              <a:rPr lang="ko-KR" altLang="en-US" sz="1400" dirty="0" err="1" smtClean="0"/>
-              <a:t>광물팝업</a:t>
-            </a:r>
-            <a:r>
-              <a:rPr lang="ko-KR" altLang="en-US" sz="1400" dirty="0" smtClean="0"/>
-              <a:t> 버튼을 다시 누르면 </a:t>
-            </a:r>
-            <a:r>
-              <a:rPr lang="ko-KR" altLang="en-US" sz="1400" dirty="0" err="1" smtClean="0"/>
+            <a:endParaRPr lang="en-US" altLang="ko-KR" sz="1400" dirty="0"/>
+          </a:p>
+          <a:p>
+            <a:r>
+              <a:rPr lang="ko-KR" altLang="en-US" sz="1400" dirty="0"/>
+              <a:t>퀘스트보상팝업 버튼을 다시 누르면 </a:t>
+            </a:r>
+            <a:r>
+              <a:rPr lang="ko-KR" altLang="en-US" sz="1400" dirty="0" err="1"/>
               <a:t>팝업창</a:t>
             </a:r>
             <a:r>
-              <a:rPr lang="ko-KR" altLang="en-US" sz="1400" dirty="0" smtClean="0"/>
+              <a:rPr lang="ko-KR" altLang="en-US" sz="1400" dirty="0"/>
               <a:t> 꺼지고</a:t>
             </a:r>
             <a:r>
-              <a:rPr lang="en-US" altLang="ko-KR" sz="1400" dirty="0" smtClean="0"/>
+              <a:rPr lang="en-US" altLang="ko-KR" sz="1400" dirty="0"/>
               <a:t>, </a:t>
             </a:r>
             <a:r>
-              <a:rPr lang="ko-KR" altLang="en-US" sz="1400" dirty="0" smtClean="0"/>
+              <a:rPr lang="ko-KR" altLang="en-US" sz="1400" dirty="0"/>
               <a:t>다른 </a:t>
             </a:r>
             <a:r>
-              <a:rPr lang="ko-KR" altLang="en-US" sz="1400" dirty="0" err="1" smtClean="0"/>
+              <a:rPr lang="ko-KR" altLang="en-US" sz="1400" dirty="0" err="1"/>
               <a:t>팝업버튼을</a:t>
             </a:r>
             <a:r>
-              <a:rPr lang="ko-KR" altLang="en-US" sz="1400" dirty="0" smtClean="0"/>
+              <a:rPr lang="ko-KR" altLang="en-US" sz="1400" dirty="0"/>
               <a:t> 누르면 다른 팝업창화면으로 이동한다</a:t>
             </a:r>
             <a:r>
               <a:rPr lang="en-US" altLang="ko-KR" sz="1400" dirty="0"/>
               <a:t>.</a:t>
             </a:r>
-            <a:endParaRPr lang="en-US" altLang="ko-KR" sz="1400" dirty="0" smtClean="0"/>
+          </a:p>
+          <a:p>
+            <a:endParaRPr lang="en-US" altLang="ko-KR" sz="1400" dirty="0"/>
           </a:p>
         </p:txBody>
       </p:sp>
@@ -5589,8 +11603,8 @@
           <a:p>
             <a:pPr algn="ctr"/>
             <a:r>
-              <a:rPr lang="en-US" altLang="ko-KR" dirty="0" smtClean="0"/>
-              <a:t>7</a:t>
+              <a:rPr lang="en-US" altLang="ko-KR" dirty="0"/>
+              <a:t>5</a:t>
             </a:r>
             <a:endParaRPr lang="ko-KR" altLang="en-US" dirty="0"/>
           </a:p>
@@ -5605,7 +11619,7 @@
         <p:spPr>
           <a:xfrm>
             <a:off x="9616680" y="381404"/>
-            <a:ext cx="2137893" cy="2277547"/>
+            <a:ext cx="2137893" cy="3570208"/>
           </a:xfrm>
           <a:prstGeom prst="rect">
             <a:avLst/>
@@ -5619,59 +11633,306 @@
           <a:lstStyle/>
           <a:p>
             <a:r>
-              <a:rPr lang="ko-KR" altLang="en-US" sz="1600" b="1" dirty="0" smtClean="0"/>
-              <a:t>아이템</a:t>
-            </a:r>
-            <a:r>
-              <a:rPr lang="en-US" altLang="ko-KR" sz="1600" b="1" dirty="0" smtClean="0"/>
+              <a:rPr lang="ko-KR" altLang="en-US" sz="1600" b="1" dirty="0"/>
+              <a:t>원석가공화면</a:t>
+            </a:r>
+            <a:endParaRPr lang="en-US" altLang="ko-KR" sz="1600" b="1" dirty="0"/>
+          </a:p>
+          <a:p>
+            <a:r>
+              <a:rPr lang="ko-KR" altLang="en-US" sz="1400" dirty="0"/>
+              <a:t>원석들을 이용하여 제련된 광물을 얻을 수 있는 화면</a:t>
+            </a:r>
+            <a:endParaRPr lang="en-US" altLang="ko-KR" sz="1400" dirty="0"/>
+          </a:p>
+          <a:p>
+            <a:r>
+              <a:rPr lang="ko-KR" altLang="en-US" sz="1400" dirty="0"/>
+              <a:t>필요 </a:t>
+            </a:r>
+            <a:r>
+              <a:rPr lang="ko-KR" altLang="en-US" sz="1400" dirty="0" err="1"/>
+              <a:t>원석갯수</a:t>
+            </a:r>
+            <a:r>
+              <a:rPr lang="ko-KR" altLang="en-US" sz="1400" dirty="0"/>
+              <a:t> 충족 후 원석가공시작 버튼 </a:t>
+            </a:r>
+            <a:r>
+              <a:rPr lang="ko-KR" altLang="en-US" sz="1400" dirty="0" err="1"/>
+              <a:t>클릭시</a:t>
+            </a:r>
+            <a:r>
+              <a:rPr lang="ko-KR" altLang="en-US" sz="1400" dirty="0"/>
+              <a:t> 소요시간 타이머 시작 </a:t>
+            </a:r>
+            <a:r>
+              <a:rPr lang="ko-KR" altLang="en-US" sz="1400" dirty="0" err="1"/>
+              <a:t>원석표시</a:t>
+            </a:r>
+            <a:r>
+              <a:rPr lang="ko-KR" altLang="en-US" sz="1400" dirty="0"/>
+              <a:t> 화면을 클릭하여 원석을 제련할 수 있다</a:t>
+            </a:r>
+            <a:r>
+              <a:rPr lang="en-US" altLang="ko-KR" sz="1400" dirty="0"/>
+              <a:t>. </a:t>
+            </a:r>
+            <a:r>
+              <a:rPr lang="ko-KR" altLang="en-US" sz="1400" dirty="0"/>
+              <a:t>클릭한 수에 따라 </a:t>
+            </a:r>
+            <a:r>
+              <a:rPr lang="en-US" altLang="ko-KR" sz="1400" dirty="0"/>
+              <a:t>A~SSS</a:t>
+            </a:r>
+            <a:r>
+              <a:rPr lang="ko-KR" altLang="en-US" sz="1400" dirty="0"/>
+              <a:t>급 </a:t>
+            </a:r>
+            <a:r>
+              <a:rPr lang="ko-KR" altLang="en-US" sz="1400" dirty="0" err="1"/>
+              <a:t>광물획득</a:t>
+            </a:r>
+            <a:endParaRPr lang="en-US" altLang="ko-KR" sz="1400" dirty="0"/>
+          </a:p>
+          <a:p>
+            <a:endParaRPr lang="en-US" altLang="ko-KR" sz="1400" dirty="0"/>
+          </a:p>
+          <a:p>
+            <a:r>
+              <a:rPr lang="ko-KR" altLang="en-US" sz="1400" dirty="0"/>
+              <a:t>우측상단 </a:t>
+            </a:r>
+            <a:r>
+              <a:rPr lang="en-US" altLang="ko-KR" sz="1400" dirty="0"/>
+              <a:t>X </a:t>
+            </a:r>
+            <a:r>
+              <a:rPr lang="ko-KR" altLang="en-US" sz="1400" dirty="0"/>
+              <a:t>버튼을 눌러 메인화면으로 돌아갈 수 있다</a:t>
+            </a:r>
+            <a:r>
+              <a:rPr lang="en-US" altLang="ko-KR" sz="1400" dirty="0"/>
+              <a:t>.</a:t>
+            </a:r>
+          </a:p>
+          <a:p>
+            <a:endParaRPr lang="en-US" altLang="ko-KR" sz="1400" dirty="0"/>
+          </a:p>
+        </p:txBody>
+      </p:sp>
+    </p:spTree>
+    <p:extLst>
+      <p:ext uri="{BB962C8B-B14F-4D97-AF65-F5344CB8AC3E}">
+        <p14:creationId xmlns:p14="http://schemas.microsoft.com/office/powerpoint/2010/main" val="2281306742"/>
+      </p:ext>
+    </p:extLst>
+  </p:cSld>
+  <p:clrMapOvr>
+    <a:masterClrMapping/>
+  </p:clrMapOvr>
+</p:sld>
+</file>
+
+<file path=ppt/slides/slide8.xml><?xml version="1.0" encoding="utf-8"?>
+<p:sld xmlns:a="http://schemas.openxmlformats.org/drawingml/2006/main" xmlns:r="http://schemas.openxmlformats.org/officeDocument/2006/relationships" xmlns:p="http://schemas.openxmlformats.org/presentationml/2006/main">
+  <p:cSld>
+    <p:spTree>
+      <p:nvGrpSpPr>
+        <p:cNvPr id="1" name=""/>
+        <p:cNvGrpSpPr/>
+        <p:nvPr/>
+      </p:nvGrpSpPr>
+      <p:grpSpPr>
+        <a:xfrm>
+          <a:off x="0" y="0"/>
+          <a:ext cx="0" cy="0"/>
+          <a:chOff x="0" y="0"/>
+          <a:chExt cx="0" cy="0"/>
+        </a:xfrm>
+      </p:grpSpPr>
+      <p:pic>
+        <p:nvPicPr>
+          <p:cNvPr id="4" name="그림 3"/>
+          <p:cNvPicPr>
+            <a:picLocks noChangeAspect="1"/>
+          </p:cNvPicPr>
+          <p:nvPr/>
+        </p:nvPicPr>
+        <p:blipFill>
+          <a:blip r:embed="rId2"/>
+          <a:stretch>
+            <a:fillRect/>
+          </a:stretch>
+        </p:blipFill>
+        <p:spPr>
+          <a:xfrm>
+            <a:off x="6664978" y="293129"/>
+            <a:ext cx="2898998" cy="4859202"/>
+          </a:xfrm>
+          <a:prstGeom prst="rect">
+            <a:avLst/>
+          </a:prstGeom>
+        </p:spPr>
+      </p:pic>
+      <p:pic>
+        <p:nvPicPr>
+          <p:cNvPr id="2" name="그림 1"/>
+          <p:cNvPicPr>
+            <a:picLocks noChangeAspect="1"/>
+          </p:cNvPicPr>
+          <p:nvPr/>
+        </p:nvPicPr>
+        <p:blipFill>
+          <a:blip r:embed="rId3"/>
+          <a:stretch>
+            <a:fillRect/>
+          </a:stretch>
+        </p:blipFill>
+        <p:spPr>
+          <a:xfrm>
+            <a:off x="980192" y="293128"/>
+            <a:ext cx="2895964" cy="4859202"/>
+          </a:xfrm>
+          <a:prstGeom prst="rect">
+            <a:avLst/>
+          </a:prstGeom>
+        </p:spPr>
+      </p:pic>
+      <p:sp>
+        <p:nvSpPr>
+          <p:cNvPr id="23" name="직사각형 22"/>
+          <p:cNvSpPr/>
+          <p:nvPr/>
+        </p:nvSpPr>
+        <p:spPr>
+          <a:xfrm>
+            <a:off x="774129" y="193116"/>
+            <a:ext cx="412124" cy="386366"/>
+          </a:xfrm>
+          <a:prstGeom prst="rect">
+            <a:avLst/>
+          </a:prstGeom>
+        </p:spPr>
+        <p:style>
+          <a:lnRef idx="2">
+            <a:schemeClr val="accent1">
+              <a:shade val="50000"/>
+            </a:schemeClr>
+          </a:lnRef>
+          <a:fillRef idx="1">
+            <a:schemeClr val="accent1"/>
+          </a:fillRef>
+          <a:effectRef idx="0">
+            <a:schemeClr val="accent1"/>
+          </a:effectRef>
+          <a:fontRef idx="minor">
+            <a:schemeClr val="lt1"/>
+          </a:fontRef>
+        </p:style>
+        <p:txBody>
+          <a:bodyPr rtlCol="0" anchor="ctr"/>
+          <a:lstStyle/>
+          <a:p>
+            <a:pPr algn="ctr"/>
+            <a:r>
+              <a:rPr lang="en-US" altLang="ko-KR" dirty="0"/>
+              <a:t>6</a:t>
+            </a:r>
+            <a:endParaRPr lang="ko-KR" altLang="en-US" dirty="0"/>
+          </a:p>
+        </p:txBody>
+      </p:sp>
+      <p:sp>
+        <p:nvSpPr>
+          <p:cNvPr id="24" name="TextBox 23"/>
+          <p:cNvSpPr txBox="1"/>
+          <p:nvPr/>
+        </p:nvSpPr>
+        <p:spPr>
+          <a:xfrm>
+            <a:off x="3925615" y="381404"/>
+            <a:ext cx="2137893" cy="2277547"/>
+          </a:xfrm>
+          <a:prstGeom prst="rect">
+            <a:avLst/>
+          </a:prstGeom>
+          <a:noFill/>
+        </p:spPr>
+        <p:txBody>
+          <a:bodyPr wrap="square" rtlCol="0">
+            <a:spAutoFit/>
+          </a:bodyPr>
+          <a:lstStyle/>
+          <a:p>
+            <a:r>
+              <a:rPr lang="ko-KR" altLang="en-US" sz="1600" b="1" dirty="0"/>
+              <a:t>원석</a:t>
+            </a:r>
+            <a:r>
+              <a:rPr lang="en-US" altLang="ko-KR" sz="1600" b="1" dirty="0"/>
               <a:t>/</a:t>
             </a:r>
             <a:r>
-              <a:rPr lang="ko-KR" altLang="en-US" sz="1600" b="1" dirty="0" err="1" smtClean="0"/>
-              <a:t>상점화면</a:t>
-            </a:r>
-            <a:endParaRPr lang="en-US" altLang="ko-KR" sz="1600" b="1" dirty="0" smtClean="0"/>
-          </a:p>
-          <a:p>
-            <a:r>
-              <a:rPr lang="ko-KR" altLang="en-US" sz="1400" dirty="0" smtClean="0"/>
-              <a:t>과금아이템을 사용하여</a:t>
+              <a:rPr lang="ko-KR" altLang="en-US" sz="1600" b="1" dirty="0" err="1"/>
+              <a:t>광물화면</a:t>
+            </a:r>
+            <a:endParaRPr lang="en-US" altLang="ko-KR" sz="1600" b="1" dirty="0"/>
+          </a:p>
+          <a:p>
+            <a:r>
+              <a:rPr lang="ko-KR" altLang="en-US" sz="1400" dirty="0"/>
+              <a:t>현재 소유하고 있는 원석</a:t>
+            </a:r>
+            <a:r>
+              <a:rPr lang="en-US" altLang="ko-KR" sz="1400" dirty="0"/>
+              <a:t>,</a:t>
+            </a:r>
+            <a:r>
+              <a:rPr lang="ko-KR" altLang="en-US" sz="1400" dirty="0"/>
+              <a:t>광물 표시</a:t>
             </a:r>
             <a:endParaRPr lang="en-US" altLang="ko-KR" sz="1400" dirty="0"/>
           </a:p>
           <a:p>
             <a:r>
-              <a:rPr lang="ko-KR" altLang="en-US" sz="1400" dirty="0" smtClean="0"/>
-              <a:t>아이템 사용</a:t>
-            </a:r>
-            <a:r>
-              <a:rPr lang="en-US" altLang="ko-KR" sz="1400" dirty="0" smtClean="0"/>
-              <a:t>.</a:t>
-            </a:r>
-          </a:p>
-          <a:p>
-            <a:endParaRPr lang="en-US" altLang="ko-KR" sz="1400" dirty="0" smtClean="0"/>
-          </a:p>
-          <a:p>
-            <a:r>
-              <a:rPr lang="ko-KR" altLang="en-US" sz="1400" dirty="0" smtClean="0"/>
-              <a:t>아이템</a:t>
-            </a:r>
-            <a:r>
-              <a:rPr lang="en-US" altLang="ko-KR" sz="1400" dirty="0" smtClean="0"/>
+              <a:rPr lang="ko-KR" altLang="en-US" sz="1400" dirty="0"/>
+              <a:t>원석</a:t>
+            </a:r>
+            <a:r>
+              <a:rPr lang="en-US" altLang="ko-KR" sz="1400" dirty="0"/>
+              <a:t>,</a:t>
+            </a:r>
+            <a:r>
+              <a:rPr lang="ko-KR" altLang="en-US" sz="1400" dirty="0" err="1"/>
+              <a:t>광물판</a:t>
+            </a:r>
+            <a:r>
+              <a:rPr lang="ko-KR" altLang="en-US" sz="1400" dirty="0"/>
+              <a:t> </a:t>
+            </a:r>
+            <a:endParaRPr lang="en-US" altLang="ko-KR" sz="1400" dirty="0"/>
+          </a:p>
+          <a:p>
+            <a:endParaRPr lang="en-US" altLang="ko-KR" sz="1400" dirty="0"/>
+          </a:p>
+          <a:p>
+            <a:r>
+              <a:rPr lang="ko-KR" altLang="en-US" sz="1400" dirty="0"/>
+              <a:t>원석</a:t>
+            </a:r>
+            <a:r>
+              <a:rPr lang="en-US" altLang="ko-KR" sz="1400" dirty="0"/>
               <a:t>/</a:t>
             </a:r>
             <a:r>
-              <a:rPr lang="ko-KR" altLang="en-US" sz="1400" dirty="0" err="1" smtClean="0"/>
-              <a:t>상점팝업</a:t>
-            </a:r>
-            <a:r>
-              <a:rPr lang="ko-KR" altLang="en-US" sz="1400" dirty="0" smtClean="0"/>
-              <a:t> </a:t>
+              <a:rPr lang="ko-KR" altLang="en-US" sz="1400" dirty="0" err="1"/>
+              <a:t>광물팝업</a:t>
             </a:r>
             <a:r>
               <a:rPr lang="ko-KR" altLang="en-US" sz="1400" dirty="0"/>
-              <a:t>버튼을 다시 누르면 </a:t>
+              <a:t> 버튼을 다시 누르면 </a:t>
             </a:r>
             <a:r>
               <a:rPr lang="ko-KR" altLang="en-US" sz="1400" dirty="0" err="1"/>
@@ -5702,8 +11963,156 @@
               <a:t>.</a:t>
             </a:r>
           </a:p>
-          <a:p>
-            <a:endParaRPr lang="en-US" altLang="ko-KR" sz="1400" dirty="0" smtClean="0"/>
+        </p:txBody>
+      </p:sp>
+      <p:sp>
+        <p:nvSpPr>
+          <p:cNvPr id="42" name="직사각형 41"/>
+          <p:cNvSpPr/>
+          <p:nvPr/>
+        </p:nvSpPr>
+        <p:spPr>
+          <a:xfrm>
+            <a:off x="6465194" y="193116"/>
+            <a:ext cx="412124" cy="386366"/>
+          </a:xfrm>
+          <a:prstGeom prst="rect">
+            <a:avLst/>
+          </a:prstGeom>
+        </p:spPr>
+        <p:style>
+          <a:lnRef idx="2">
+            <a:schemeClr val="accent1">
+              <a:shade val="50000"/>
+            </a:schemeClr>
+          </a:lnRef>
+          <a:fillRef idx="1">
+            <a:schemeClr val="accent1"/>
+          </a:fillRef>
+          <a:effectRef idx="0">
+            <a:schemeClr val="accent1"/>
+          </a:effectRef>
+          <a:fontRef idx="minor">
+            <a:schemeClr val="lt1"/>
+          </a:fontRef>
+        </p:style>
+        <p:txBody>
+          <a:bodyPr rtlCol="0" anchor="ctr"/>
+          <a:lstStyle/>
+          <a:p>
+            <a:pPr algn="ctr"/>
+            <a:r>
+              <a:rPr lang="en-US" altLang="ko-KR" dirty="0"/>
+              <a:t>7</a:t>
+            </a:r>
+            <a:endParaRPr lang="ko-KR" altLang="en-US" dirty="0"/>
+          </a:p>
+        </p:txBody>
+      </p:sp>
+      <p:sp>
+        <p:nvSpPr>
+          <p:cNvPr id="43" name="TextBox 42"/>
+          <p:cNvSpPr txBox="1"/>
+          <p:nvPr/>
+        </p:nvSpPr>
+        <p:spPr>
+          <a:xfrm>
+            <a:off x="9616680" y="381404"/>
+            <a:ext cx="2137893" cy="2277547"/>
+          </a:xfrm>
+          <a:prstGeom prst="rect">
+            <a:avLst/>
+          </a:prstGeom>
+          <a:noFill/>
+        </p:spPr>
+        <p:txBody>
+          <a:bodyPr wrap="square" rtlCol="0">
+            <a:spAutoFit/>
+          </a:bodyPr>
+          <a:lstStyle/>
+          <a:p>
+            <a:r>
+              <a:rPr lang="ko-KR" altLang="en-US" sz="1600" b="1" dirty="0"/>
+              <a:t>아이템</a:t>
+            </a:r>
+            <a:r>
+              <a:rPr lang="en-US" altLang="ko-KR" sz="1600" b="1" dirty="0"/>
+              <a:t>/</a:t>
+            </a:r>
+            <a:r>
+              <a:rPr lang="ko-KR" altLang="en-US" sz="1600" b="1" dirty="0" err="1"/>
+              <a:t>상점화면</a:t>
+            </a:r>
+            <a:endParaRPr lang="en-US" altLang="ko-KR" sz="1600" b="1" dirty="0"/>
+          </a:p>
+          <a:p>
+            <a:r>
+              <a:rPr lang="ko-KR" altLang="en-US" sz="1400" dirty="0"/>
+              <a:t>과금아이템을 사용하여</a:t>
+            </a:r>
+            <a:endParaRPr lang="en-US" altLang="ko-KR" sz="1400" dirty="0"/>
+          </a:p>
+          <a:p>
+            <a:r>
+              <a:rPr lang="ko-KR" altLang="en-US" sz="1400" dirty="0"/>
+              <a:t>아이템 사용</a:t>
+            </a:r>
+            <a:r>
+              <a:rPr lang="en-US" altLang="ko-KR" sz="1400" dirty="0"/>
+              <a:t>.</a:t>
+            </a:r>
+          </a:p>
+          <a:p>
+            <a:endParaRPr lang="en-US" altLang="ko-KR" sz="1400" dirty="0"/>
+          </a:p>
+          <a:p>
+            <a:r>
+              <a:rPr lang="ko-KR" altLang="en-US" sz="1400" dirty="0"/>
+              <a:t>아이템</a:t>
+            </a:r>
+            <a:r>
+              <a:rPr lang="en-US" altLang="ko-KR" sz="1400" dirty="0"/>
+              <a:t>/</a:t>
+            </a:r>
+            <a:r>
+              <a:rPr lang="ko-KR" altLang="en-US" sz="1400" dirty="0" err="1"/>
+              <a:t>상점팝업</a:t>
+            </a:r>
+            <a:r>
+              <a:rPr lang="ko-KR" altLang="en-US" sz="1400" dirty="0"/>
+              <a:t> 버튼을 다시 누르면 </a:t>
+            </a:r>
+            <a:r>
+              <a:rPr lang="ko-KR" altLang="en-US" sz="1400" dirty="0" err="1"/>
+              <a:t>팝업창</a:t>
+            </a:r>
+            <a:r>
+              <a:rPr lang="ko-KR" altLang="en-US" sz="1400" dirty="0"/>
+              <a:t> 꺼지고</a:t>
+            </a:r>
+            <a:r>
+              <a:rPr lang="en-US" altLang="ko-KR" sz="1400" dirty="0"/>
+              <a:t>, </a:t>
+            </a:r>
+            <a:r>
+              <a:rPr lang="ko-KR" altLang="en-US" sz="1400" dirty="0"/>
+              <a:t>다른 </a:t>
+            </a:r>
+            <a:r>
+              <a:rPr lang="ko-KR" altLang="en-US" sz="1400" dirty="0" err="1"/>
+              <a:t>팝업버튼을</a:t>
+            </a:r>
+            <a:r>
+              <a:rPr lang="ko-KR" altLang="en-US" sz="1400" dirty="0"/>
+              <a:t> 누르면 다른 팝업창화면으로 이동한다</a:t>
+            </a:r>
+            <a:r>
+              <a:rPr lang="en-US" altLang="ko-KR" sz="1400" dirty="0"/>
+              <a:t>.</a:t>
+            </a:r>
+          </a:p>
+          <a:p>
+            <a:endParaRPr lang="en-US" altLang="ko-KR" sz="1400" dirty="0"/>
           </a:p>
         </p:txBody>
       </p:sp>
